--- a/docs/Year1/BlockA/DataScience/Courses/DS1/Assessment/DS1-AssesmentPoster_Template.pptx
+++ b/docs/Year1/BlockA/DataScience/Courses/DS1/Assessment/DS1-AssesmentPoster_Template.pptx
@@ -206,7 +206,12 @@
 <file path=ppt/revisionInfo.xml><?xml version="1.0" encoding="utf-8"?>
 <p1510:revInfo xmlns:a="http://schemas.openxmlformats.org/drawingml/2006/main" xmlns:r="http://schemas.openxmlformats.org/officeDocument/2006/relationships" xmlns:p1510="http://schemas.microsoft.com/office/powerpoint/2015/10/main">
   <p1510:revLst>
+    <p1510:client id="{0AE9C69F-C0C2-2000-DF2B-4B6138D21220}" v="350" dt="2021-05-11T17:25:11.786"/>
+    <p1510:client id="{19D04FAC-306E-F224-CF2C-D6F4DD510A38}" v="4" dt="2021-05-11T17:05:28.281"/>
     <p1510:client id="{63D1EA64-FE92-4A59-9C26-06640623A5B2}" v="6" dt="2021-04-14T20:16:24.003"/>
+    <p1510:client id="{C48C45A2-C269-8848-E6A9-D11867AB760C}" v="64" dt="2021-05-11T18:49:56.671"/>
+    <p1510:client id="{C9179264-7410-B148-AF8A-2884218C230C}" v="354" dt="2021-05-11T17:03:47.230"/>
+    <p1510:client id="{CB6EECF1-A138-4063-906A-71A721E13A08}" v="24" dt="2021-05-11T19:07:42.988"/>
     <p1510:client id="{D847FBA6-FFAB-4FD0-AB74-F9E541B00055}" v="60" dt="2021-04-21T17:26:09.975"/>
   </p1510:revLst>
 </p1510:revInfo>
@@ -215,26 +220,202 @@
 <file path=ppt/changesInfos/changesInfo1.xml><?xml version="1.0" encoding="utf-8"?>
 <pc:chgInfo xmlns:a="http://schemas.openxmlformats.org/drawingml/2006/main" xmlns:r="http://schemas.openxmlformats.org/officeDocument/2006/relationships" xmlns:ac="http://schemas.microsoft.com/office/drawing/2013/main/command" xmlns:pc="http://schemas.microsoft.com/office/powerpoint/2013/main/command">
   <pc:docChgLst>
-    <pc:chgData name="Heijligers, Bram" userId="S::heijligers.b@buas.nl::5cef929d-ecf9-4fca-bf12-bc5ee065fc99" providerId="AD" clId="Web-{63D1EA64-FE92-4A59-9C26-06640623A5B2}"/>
+    <pc:chgData name="Heijligers, Bram" userId="S::heijligers.b@buas.nl::5cef929d-ecf9-4fca-bf12-bc5ee065fc99" providerId="AD" clId="Web-{19D04FAC-306E-F224-CF2C-D6F4DD510A38}"/>
     <pc:docChg chg="modSld">
-      <pc:chgData name="Heijligers, Bram" userId="S::heijligers.b@buas.nl::5cef929d-ecf9-4fca-bf12-bc5ee065fc99" providerId="AD" clId="Web-{63D1EA64-FE92-4A59-9C26-06640623A5B2}" dt="2021-04-14T20:16:24.003" v="2" actId="20577"/>
+      <pc:chgData name="Heijligers, Bram" userId="S::heijligers.b@buas.nl::5cef929d-ecf9-4fca-bf12-bc5ee065fc99" providerId="AD" clId="Web-{19D04FAC-306E-F224-CF2C-D6F4DD510A38}" dt="2021-05-11T17:05:27.952" v="1"/>
       <pc:docMkLst>
         <pc:docMk/>
       </pc:docMkLst>
       <pc:sldChg chg="modSp">
-        <pc:chgData name="Heijligers, Bram" userId="S::heijligers.b@buas.nl::5cef929d-ecf9-4fca-bf12-bc5ee065fc99" providerId="AD" clId="Web-{63D1EA64-FE92-4A59-9C26-06640623A5B2}" dt="2021-04-14T20:16:24.003" v="2" actId="20577"/>
+        <pc:chgData name="Heijligers, Bram" userId="S::heijligers.b@buas.nl::5cef929d-ecf9-4fca-bf12-bc5ee065fc99" providerId="AD" clId="Web-{19D04FAC-306E-F224-CF2C-D6F4DD510A38}" dt="2021-05-11T17:05:27.952" v="1"/>
         <pc:sldMkLst>
           <pc:docMk/>
           <pc:sldMk cId="0" sldId="256"/>
         </pc:sldMkLst>
+        <pc:graphicFrameChg chg="mod modGraphic">
+          <ac:chgData name="Heijligers, Bram" userId="S::heijligers.b@buas.nl::5cef929d-ecf9-4fca-bf12-bc5ee065fc99" providerId="AD" clId="Web-{19D04FAC-306E-F224-CF2C-D6F4DD510A38}" dt="2021-05-11T17:05:27.952" v="1"/>
+          <ac:graphicFrameMkLst>
+            <pc:docMk/>
+            <pc:sldMk cId="0" sldId="256"/>
+            <ac:graphicFrameMk id="7" creationId="{4D4AD207-1783-4DE1-9134-5139B960BD98}"/>
+          </ac:graphicFrameMkLst>
+        </pc:graphicFrameChg>
+      </pc:sldChg>
+    </pc:docChg>
+  </pc:docChgLst>
+  <pc:docChgLst>
+    <pc:chgData name="Heijligers, Bram" userId="S::heijligers.b@buas.nl::5cef929d-ecf9-4fca-bf12-bc5ee065fc99" providerId="AD" clId="Web-{C9179264-7410-B148-AF8A-2884218C230C}"/>
+    <pc:docChg chg="modSld">
+      <pc:chgData name="Heijligers, Bram" userId="S::heijligers.b@buas.nl::5cef929d-ecf9-4fca-bf12-bc5ee065fc99" providerId="AD" clId="Web-{C9179264-7410-B148-AF8A-2884218C230C}" dt="2021-05-11T17:03:47.230" v="225" actId="20577"/>
+      <pc:docMkLst>
+        <pc:docMk/>
+      </pc:docMkLst>
+      <pc:sldChg chg="addSp modSp">
+        <pc:chgData name="Heijligers, Bram" userId="S::heijligers.b@buas.nl::5cef929d-ecf9-4fca-bf12-bc5ee065fc99" providerId="AD" clId="Web-{C9179264-7410-B148-AF8A-2884218C230C}" dt="2021-05-11T17:03:47.230" v="225" actId="20577"/>
+        <pc:sldMkLst>
+          <pc:docMk/>
+          <pc:sldMk cId="0" sldId="256"/>
+        </pc:sldMkLst>
+        <pc:spChg chg="add mod">
+          <ac:chgData name="Heijligers, Bram" userId="S::heijligers.b@buas.nl::5cef929d-ecf9-4fca-bf12-bc5ee065fc99" providerId="AD" clId="Web-{C9179264-7410-B148-AF8A-2884218C230C}" dt="2021-05-11T17:00:23.359" v="40"/>
+          <ac:spMkLst>
+            <pc:docMk/>
+            <pc:sldMk cId="0" sldId="256"/>
+            <ac:spMk id="4" creationId="{3D61161B-C449-4D00-ABAF-DD62BA50CBDB}"/>
+          </ac:spMkLst>
+        </pc:spChg>
+        <pc:spChg chg="add mod">
+          <ac:chgData name="Heijligers, Bram" userId="S::heijligers.b@buas.nl::5cef929d-ecf9-4fca-bf12-bc5ee065fc99" providerId="AD" clId="Web-{C9179264-7410-B148-AF8A-2884218C230C}" dt="2021-05-11T17:00:31.468" v="43"/>
+          <ac:spMkLst>
+            <pc:docMk/>
+            <pc:sldMk cId="0" sldId="256"/>
+            <ac:spMk id="8" creationId="{81095055-E67A-4C19-8064-9E7287EA53D6}"/>
+          </ac:spMkLst>
+        </pc:spChg>
         <pc:spChg chg="mod">
-          <ac:chgData name="Heijligers, Bram" userId="S::heijligers.b@buas.nl::5cef929d-ecf9-4fca-bf12-bc5ee065fc99" providerId="AD" clId="Web-{63D1EA64-FE92-4A59-9C26-06640623A5B2}" dt="2021-04-14T20:16:24.003" v="2" actId="20577"/>
+          <ac:chgData name="Heijligers, Bram" userId="S::heijligers.b@buas.nl::5cef929d-ecf9-4fca-bf12-bc5ee065fc99" providerId="AD" clId="Web-{C9179264-7410-B148-AF8A-2884218C230C}" dt="2021-05-11T17:03:47.230" v="225" actId="20577"/>
+          <ac:spMkLst>
+            <pc:docMk/>
+            <pc:sldMk cId="0" sldId="256"/>
+            <ac:spMk id="183" creationId="{3152BEA7-0FB1-4FE9-9BFE-227D3E1B5767}"/>
+          </ac:spMkLst>
+        </pc:spChg>
+        <pc:spChg chg="mod">
+          <ac:chgData name="Heijligers, Bram" userId="S::heijligers.b@buas.nl::5cef929d-ecf9-4fca-bf12-bc5ee065fc99" providerId="AD" clId="Web-{C9179264-7410-B148-AF8A-2884218C230C}" dt="2021-05-11T17:00:41.532" v="55" actId="20577"/>
           <ac:spMkLst>
             <pc:docMk/>
             <pc:sldMk cId="0" sldId="256"/>
             <ac:spMk id="244" creationId="{70A918DD-F23E-4EA8-9376-72235BBD7039}"/>
           </ac:spMkLst>
         </pc:spChg>
+        <pc:spChg chg="mod">
+          <ac:chgData name="Heijligers, Bram" userId="S::heijligers.b@buas.nl::5cef929d-ecf9-4fca-bf12-bc5ee065fc99" providerId="AD" clId="Web-{C9179264-7410-B148-AF8A-2884218C230C}" dt="2021-05-11T17:03:37.230" v="153" actId="20577"/>
+          <ac:spMkLst>
+            <pc:docMk/>
+            <pc:sldMk cId="0" sldId="256"/>
+            <ac:spMk id="13364" creationId="{2BF216DC-410E-487D-868B-3B627B09B4E2}"/>
+          </ac:spMkLst>
+        </pc:spChg>
+        <pc:graphicFrameChg chg="add mod">
+          <ac:chgData name="Heijligers, Bram" userId="S::heijligers.b@buas.nl::5cef929d-ecf9-4fca-bf12-bc5ee065fc99" providerId="AD" clId="Web-{C9179264-7410-B148-AF8A-2884218C230C}" dt="2021-05-11T17:00:23.218" v="38"/>
+          <ac:graphicFrameMkLst>
+            <pc:docMk/>
+            <pc:sldMk cId="0" sldId="256"/>
+            <ac:graphicFrameMk id="3" creationId="{E68EC6B9-5F4B-476B-8C1A-EE7C6945B2FC}"/>
+          </ac:graphicFrameMkLst>
+        </pc:graphicFrameChg>
+        <pc:graphicFrameChg chg="add mod">
+          <ac:chgData name="Heijligers, Bram" userId="S::heijligers.b@buas.nl::5cef929d-ecf9-4fca-bf12-bc5ee065fc99" providerId="AD" clId="Web-{C9179264-7410-B148-AF8A-2884218C230C}" dt="2021-05-11T17:00:31.343" v="41"/>
+          <ac:graphicFrameMkLst>
+            <pc:docMk/>
+            <pc:sldMk cId="0" sldId="256"/>
+            <ac:graphicFrameMk id="7" creationId="{4D4AD207-1783-4DE1-9134-5139B960BD98}"/>
+          </ac:graphicFrameMkLst>
+        </pc:graphicFrameChg>
+      </pc:sldChg>
+    </pc:docChg>
+  </pc:docChgLst>
+  <pc:docChgLst>
+    <pc:chgData name="Heijligers, Bram" userId="S::heijligers.b@buas.nl::5cef929d-ecf9-4fca-bf12-bc5ee065fc99" providerId="AD" clId="Web-{C48C45A2-C269-8848-E6A9-D11867AB760C}"/>
+    <pc:docChg chg="modSld">
+      <pc:chgData name="Heijligers, Bram" userId="S::heijligers.b@buas.nl::5cef929d-ecf9-4fca-bf12-bc5ee065fc99" providerId="AD" clId="Web-{C48C45A2-C269-8848-E6A9-D11867AB760C}" dt="2021-05-11T18:49:56.671" v="28" actId="20577"/>
+      <pc:docMkLst>
+        <pc:docMk/>
+      </pc:docMkLst>
+      <pc:sldChg chg="modSp">
+        <pc:chgData name="Heijligers, Bram" userId="S::heijligers.b@buas.nl::5cef929d-ecf9-4fca-bf12-bc5ee065fc99" providerId="AD" clId="Web-{C48C45A2-C269-8848-E6A9-D11867AB760C}" dt="2021-05-11T18:49:56.671" v="28" actId="20577"/>
+        <pc:sldMkLst>
+          <pc:docMk/>
+          <pc:sldMk cId="0" sldId="256"/>
+        </pc:sldMkLst>
+        <pc:spChg chg="mod">
+          <ac:chgData name="Heijligers, Bram" userId="S::heijligers.b@buas.nl::5cef929d-ecf9-4fca-bf12-bc5ee065fc99" providerId="AD" clId="Web-{C48C45A2-C269-8848-E6A9-D11867AB760C}" dt="2021-05-11T18:49:47.421" v="20" actId="20577"/>
+          <ac:spMkLst>
+            <pc:docMk/>
+            <pc:sldMk cId="0" sldId="256"/>
+            <ac:spMk id="13341" creationId="{0923FF18-6FF0-47E3-83EF-05A471A542E6}"/>
+          </ac:spMkLst>
+        </pc:spChg>
+        <pc:spChg chg="mod">
+          <ac:chgData name="Heijligers, Bram" userId="S::heijligers.b@buas.nl::5cef929d-ecf9-4fca-bf12-bc5ee065fc99" providerId="AD" clId="Web-{C48C45A2-C269-8848-E6A9-D11867AB760C}" dt="2021-05-11T18:49:41.327" v="18" actId="20577"/>
+          <ac:spMkLst>
+            <pc:docMk/>
+            <pc:sldMk cId="0" sldId="256"/>
+            <ac:spMk id="13343" creationId="{B77A4949-8BE6-4221-BC42-7F90C5288AD3}"/>
+          </ac:spMkLst>
+        </pc:spChg>
+        <pc:spChg chg="mod">
+          <ac:chgData name="Heijligers, Bram" userId="S::heijligers.b@buas.nl::5cef929d-ecf9-4fca-bf12-bc5ee065fc99" providerId="AD" clId="Web-{C48C45A2-C269-8848-E6A9-D11867AB760C}" dt="2021-05-11T18:49:56.671" v="28" actId="20577"/>
+          <ac:spMkLst>
+            <pc:docMk/>
+            <pc:sldMk cId="0" sldId="256"/>
+            <ac:spMk id="13345" creationId="{A20F187A-3817-4FE3-9D95-4E5A8C7C363E}"/>
+          </ac:spMkLst>
+        </pc:spChg>
+        <pc:spChg chg="mod">
+          <ac:chgData name="Heijligers, Bram" userId="S::heijligers.b@buas.nl::5cef929d-ecf9-4fca-bf12-bc5ee065fc99" providerId="AD" clId="Web-{C48C45A2-C269-8848-E6A9-D11867AB760C}" dt="2021-05-11T18:49:35.374" v="12" actId="20577"/>
+          <ac:spMkLst>
+            <pc:docMk/>
+            <pc:sldMk cId="0" sldId="256"/>
+            <ac:spMk id="13355" creationId="{F08268F8-0F3C-40ED-A170-F6AF33D70F79}"/>
+          </ac:spMkLst>
+        </pc:spChg>
+      </pc:sldChg>
+    </pc:docChg>
+  </pc:docChgLst>
+  <pc:docChgLst>
+    <pc:chgData name="Heijligers, Bram" userId="S::heijligers.b@buas.nl::5cef929d-ecf9-4fca-bf12-bc5ee065fc99" providerId="AD" clId="Web-{0AE9C69F-C0C2-2000-DF2B-4B6138D21220}"/>
+    <pc:docChg chg="modSld">
+      <pc:chgData name="Heijligers, Bram" userId="S::heijligers.b@buas.nl::5cef929d-ecf9-4fca-bf12-bc5ee065fc99" providerId="AD" clId="Web-{0AE9C69F-C0C2-2000-DF2B-4B6138D21220}" dt="2021-05-11T17:25:11.786" v="184" actId="20577"/>
+      <pc:docMkLst>
+        <pc:docMk/>
+      </pc:docMkLst>
+      <pc:sldChg chg="delSp modSp">
+        <pc:chgData name="Heijligers, Bram" userId="S::heijligers.b@buas.nl::5cef929d-ecf9-4fca-bf12-bc5ee065fc99" providerId="AD" clId="Web-{0AE9C69F-C0C2-2000-DF2B-4B6138D21220}" dt="2021-05-11T17:25:11.786" v="184" actId="20577"/>
+        <pc:sldMkLst>
+          <pc:docMk/>
+          <pc:sldMk cId="0" sldId="256"/>
+        </pc:sldMkLst>
+        <pc:spChg chg="mod">
+          <ac:chgData name="Heijligers, Bram" userId="S::heijligers.b@buas.nl::5cef929d-ecf9-4fca-bf12-bc5ee065fc99" providerId="AD" clId="Web-{0AE9C69F-C0C2-2000-DF2B-4B6138D21220}" dt="2021-05-11T17:23:45.862" v="154" actId="20577"/>
+          <ac:spMkLst>
+            <pc:docMk/>
+            <pc:sldMk cId="0" sldId="256"/>
+            <ac:spMk id="13355" creationId="{F08268F8-0F3C-40ED-A170-F6AF33D70F79}"/>
+          </ac:spMkLst>
+        </pc:spChg>
+        <pc:spChg chg="mod">
+          <ac:chgData name="Heijligers, Bram" userId="S::heijligers.b@buas.nl::5cef929d-ecf9-4fca-bf12-bc5ee065fc99" providerId="AD" clId="Web-{0AE9C69F-C0C2-2000-DF2B-4B6138D21220}" dt="2021-05-11T17:25:11.786" v="184" actId="20577"/>
+          <ac:spMkLst>
+            <pc:docMk/>
+            <pc:sldMk cId="0" sldId="256"/>
+            <ac:spMk id="13356" creationId="{F0366C27-149D-49C5-B474-1E91D44112A0}"/>
+          </ac:spMkLst>
+        </pc:spChg>
+        <pc:spChg chg="mod">
+          <ac:chgData name="Heijligers, Bram" userId="S::heijligers.b@buas.nl::5cef929d-ecf9-4fca-bf12-bc5ee065fc99" providerId="AD" clId="Web-{0AE9C69F-C0C2-2000-DF2B-4B6138D21220}" dt="2021-05-11T17:19:43.013" v="73" actId="20577"/>
+          <ac:spMkLst>
+            <pc:docMk/>
+            <pc:sldMk cId="0" sldId="256"/>
+            <ac:spMk id="13364" creationId="{2BF216DC-410E-487D-868B-3B627B09B4E2}"/>
+          </ac:spMkLst>
+        </pc:spChg>
+        <pc:graphicFrameChg chg="del mod modGraphic">
+          <ac:chgData name="Heijligers, Bram" userId="S::heijligers.b@buas.nl::5cef929d-ecf9-4fca-bf12-bc5ee065fc99" providerId="AD" clId="Web-{0AE9C69F-C0C2-2000-DF2B-4B6138D21220}" dt="2021-05-11T17:05:45.070" v="7"/>
+          <ac:graphicFrameMkLst>
+            <pc:docMk/>
+            <pc:sldMk cId="0" sldId="256"/>
+            <ac:graphicFrameMk id="3" creationId="{E68EC6B9-5F4B-476B-8C1A-EE7C6945B2FC}"/>
+          </ac:graphicFrameMkLst>
+        </pc:graphicFrameChg>
+        <pc:graphicFrameChg chg="del">
+          <ac:chgData name="Heijligers, Bram" userId="S::heijligers.b@buas.nl::5cef929d-ecf9-4fca-bf12-bc5ee065fc99" providerId="AD" clId="Web-{0AE9C69F-C0C2-2000-DF2B-4B6138D21220}" dt="2021-05-11T17:05:41.132" v="0"/>
+          <ac:graphicFrameMkLst>
+            <pc:docMk/>
+            <pc:sldMk cId="0" sldId="256"/>
+            <ac:graphicFrameMk id="7" creationId="{4D4AD207-1783-4DE1-9134-5139B960BD98}"/>
+          </ac:graphicFrameMkLst>
+        </pc:graphicFrameChg>
       </pc:sldChg>
     </pc:docChg>
   </pc:docChgLst>
@@ -265,6 +446,86 @@
             <pc:docMk/>
             <pc:sldMk cId="0" sldId="256"/>
             <ac:spMk id="13329" creationId="{C0C118C5-F2B9-41B2-8338-6F73C6F1EC3B}"/>
+          </ac:spMkLst>
+        </pc:spChg>
+      </pc:sldChg>
+    </pc:docChg>
+  </pc:docChgLst>
+  <pc:docChgLst>
+    <pc:chgData name="Heijligers, Bram" userId="S::heijligers.b@buas.nl::5cef929d-ecf9-4fca-bf12-bc5ee065fc99" providerId="AD" clId="Web-{CB6EECF1-A138-4063-906A-71A721E13A08}"/>
+    <pc:docChg chg="modSld">
+      <pc:chgData name="Heijligers, Bram" userId="S::heijligers.b@buas.nl::5cef929d-ecf9-4fca-bf12-bc5ee065fc99" providerId="AD" clId="Web-{CB6EECF1-A138-4063-906A-71A721E13A08}" dt="2021-05-11T19:07:42.988" v="16" actId="20577"/>
+      <pc:docMkLst>
+        <pc:docMk/>
+      </pc:docMkLst>
+      <pc:sldChg chg="modSp">
+        <pc:chgData name="Heijligers, Bram" userId="S::heijligers.b@buas.nl::5cef929d-ecf9-4fca-bf12-bc5ee065fc99" providerId="AD" clId="Web-{CB6EECF1-A138-4063-906A-71A721E13A08}" dt="2021-05-11T19:07:42.988" v="16" actId="20577"/>
+        <pc:sldMkLst>
+          <pc:docMk/>
+          <pc:sldMk cId="0" sldId="256"/>
+        </pc:sldMkLst>
+        <pc:spChg chg="mod">
+          <ac:chgData name="Heijligers, Bram" userId="S::heijligers.b@buas.nl::5cef929d-ecf9-4fca-bf12-bc5ee065fc99" providerId="AD" clId="Web-{CB6EECF1-A138-4063-906A-71A721E13A08}" dt="2021-05-11T19:07:15.846" v="4" actId="20577"/>
+          <ac:spMkLst>
+            <pc:docMk/>
+            <pc:sldMk cId="0" sldId="256"/>
+            <ac:spMk id="183" creationId="{3152BEA7-0FB1-4FE9-9BFE-227D3E1B5767}"/>
+          </ac:spMkLst>
+        </pc:spChg>
+        <pc:spChg chg="mod">
+          <ac:chgData name="Heijligers, Bram" userId="S::heijligers.b@buas.nl::5cef929d-ecf9-4fca-bf12-bc5ee065fc99" providerId="AD" clId="Web-{CB6EECF1-A138-4063-906A-71A721E13A08}" dt="2021-05-11T19:07:09.217" v="1" actId="20577"/>
+          <ac:spMkLst>
+            <pc:docMk/>
+            <pc:sldMk cId="0" sldId="256"/>
+            <ac:spMk id="244" creationId="{70A918DD-F23E-4EA8-9376-72235BBD7039}"/>
+          </ac:spMkLst>
+        </pc:spChg>
+        <pc:spChg chg="mod">
+          <ac:chgData name="Heijligers, Bram" userId="S::heijligers.b@buas.nl::5cef929d-ecf9-4fca-bf12-bc5ee065fc99" providerId="AD" clId="Web-{CB6EECF1-A138-4063-906A-71A721E13A08}" dt="2021-05-11T19:07:40.300" v="14" actId="20577"/>
+          <ac:spMkLst>
+            <pc:docMk/>
+            <pc:sldMk cId="0" sldId="256"/>
+            <ac:spMk id="13355" creationId="{F08268F8-0F3C-40ED-A170-F6AF33D70F79}"/>
+          </ac:spMkLst>
+        </pc:spChg>
+        <pc:spChg chg="mod">
+          <ac:chgData name="Heijligers, Bram" userId="S::heijligers.b@buas.nl::5cef929d-ecf9-4fca-bf12-bc5ee065fc99" providerId="AD" clId="Web-{CB6EECF1-A138-4063-906A-71A721E13A08}" dt="2021-05-11T19:07:42.988" v="16" actId="20577"/>
+          <ac:spMkLst>
+            <pc:docMk/>
+            <pc:sldMk cId="0" sldId="256"/>
+            <ac:spMk id="13356" creationId="{F0366C27-149D-49C5-B474-1E91D44112A0}"/>
+          </ac:spMkLst>
+        </pc:spChg>
+        <pc:spChg chg="mod">
+          <ac:chgData name="Heijligers, Bram" userId="S::heijligers.b@buas.nl::5cef929d-ecf9-4fca-bf12-bc5ee065fc99" providerId="AD" clId="Web-{CB6EECF1-A138-4063-906A-71A721E13A08}" dt="2021-05-11T19:07:29.300" v="9" actId="20577"/>
+          <ac:spMkLst>
+            <pc:docMk/>
+            <pc:sldMk cId="0" sldId="256"/>
+            <ac:spMk id="13364" creationId="{2BF216DC-410E-487D-868B-3B627B09B4E2}"/>
+          </ac:spMkLst>
+        </pc:spChg>
+      </pc:sldChg>
+    </pc:docChg>
+  </pc:docChgLst>
+  <pc:docChgLst>
+    <pc:chgData name="Heijligers, Bram" userId="S::heijligers.b@buas.nl::5cef929d-ecf9-4fca-bf12-bc5ee065fc99" providerId="AD" clId="Web-{63D1EA64-FE92-4A59-9C26-06640623A5B2}"/>
+    <pc:docChg chg="modSld">
+      <pc:chgData name="Heijligers, Bram" userId="S::heijligers.b@buas.nl::5cef929d-ecf9-4fca-bf12-bc5ee065fc99" providerId="AD" clId="Web-{63D1EA64-FE92-4A59-9C26-06640623A5B2}" dt="2021-04-14T20:16:24.003" v="2" actId="20577"/>
+      <pc:docMkLst>
+        <pc:docMk/>
+      </pc:docMkLst>
+      <pc:sldChg chg="modSp">
+        <pc:chgData name="Heijligers, Bram" userId="S::heijligers.b@buas.nl::5cef929d-ecf9-4fca-bf12-bc5ee065fc99" providerId="AD" clId="Web-{63D1EA64-FE92-4A59-9C26-06640623A5B2}" dt="2021-04-14T20:16:24.003" v="2" actId="20577"/>
+        <pc:sldMkLst>
+          <pc:docMk/>
+          <pc:sldMk cId="0" sldId="256"/>
+        </pc:sldMkLst>
+        <pc:spChg chg="mod">
+          <ac:chgData name="Heijligers, Bram" userId="S::heijligers.b@buas.nl::5cef929d-ecf9-4fca-bf12-bc5ee065fc99" providerId="AD" clId="Web-{63D1EA64-FE92-4A59-9C26-06640623A5B2}" dt="2021-04-14T20:16:24.003" v="2" actId="20577"/>
+          <ac:spMkLst>
+            <pc:docMk/>
+            <pc:sldMk cId="0" sldId="256"/>
+            <ac:spMk id="244" creationId="{70A918DD-F23E-4EA8-9376-72235BBD7039}"/>
           </ac:spMkLst>
         </pc:spChg>
       </pc:sldChg>
@@ -351,7 +612,7 @@
             <a:pPr>
               <a:defRPr/>
             </a:pPr>
-            <a:endParaRPr lang="fr-FR" dirty="0"/>
+            <a:endParaRPr lang="fr-FR"/>
           </a:p>
         </p:txBody>
       </p:sp>
@@ -399,9 +660,9 @@
               <a:pPr>
                 <a:defRPr/>
               </a:pPr>
-              <a:t>21/04/2021</a:t>
+              <a:t>11/05/2021</a:t>
             </a:fld>
-            <a:endParaRPr lang="fr-FR" dirty="0"/>
+            <a:endParaRPr lang="fr-FR"/>
           </a:p>
         </p:txBody>
       </p:sp>
@@ -441,7 +702,7 @@
           <a:lstStyle/>
           <a:p>
             <a:pPr lvl="0"/>
-            <a:endParaRPr lang="fr-FR" noProof="0" dirty="0"/>
+            <a:endParaRPr lang="fr-FR" noProof="0"/>
           </a:p>
         </p:txBody>
       </p:sp>
@@ -551,7 +812,7 @@
             <a:pPr>
               <a:defRPr/>
             </a:pPr>
-            <a:endParaRPr lang="fr-FR" dirty="0"/>
+            <a:endParaRPr lang="fr-FR"/>
           </a:p>
         </p:txBody>
       </p:sp>
@@ -597,7 +858,7 @@
               <a:pPr/>
               <a:t>‹#›</a:t>
             </a:fld>
-            <a:endParaRPr lang="fr-FR" altLang="en-NL" dirty="0"/>
+            <a:endParaRPr lang="fr-FR" altLang="en-NL"/>
           </a:p>
         </p:txBody>
       </p:sp>
@@ -834,7 +1095,7 @@
                 <a:spcPct val="0"/>
               </a:spcBef>
             </a:pPr>
-            <a:endParaRPr lang="fr-FR" altLang="fr-FR" dirty="0"/>
+            <a:endParaRPr lang="fr-FR" altLang="fr-FR"/>
           </a:p>
         </p:txBody>
       </p:sp>
@@ -1008,7 +1269,7 @@
               </a:pPr>
               <a:t>1</a:t>
             </a:fld>
-            <a:endParaRPr lang="fr-FR" altLang="fr-FR" sz="1200" dirty="0">
+            <a:endParaRPr lang="fr-FR" altLang="fr-FR" sz="1200">
               <a:latin typeface="Arial" panose="020B0604020202020204" pitchFamily="34" charset="0"/>
             </a:endParaRPr>
           </a:p>
@@ -1127,7 +1388,7 @@
                 <a:spcPct val="0"/>
               </a:spcBef>
             </a:pPr>
-            <a:endParaRPr lang="fr-FR" altLang="fr-FR" dirty="0"/>
+            <a:endParaRPr lang="fr-FR" altLang="fr-FR"/>
           </a:p>
         </p:txBody>
       </p:sp>
@@ -1301,7 +1562,7 @@
               </a:pPr>
               <a:t>2</a:t>
             </a:fld>
-            <a:endParaRPr lang="fr-FR" altLang="fr-FR" sz="1200" dirty="0">
+            <a:endParaRPr lang="fr-FR" altLang="fr-FR" sz="1200">
               <a:latin typeface="Arial" panose="020B0604020202020204" pitchFamily="34" charset="0"/>
             </a:endParaRPr>
           </a:p>
@@ -1426,7 +1687,6 @@
               <a:rPr lang="en-US"/>
               <a:t>Click to edit Master title style</a:t>
             </a:r>
-            <a:endParaRPr lang="en-US" dirty="0"/>
           </a:p>
         </p:txBody>
       </p:sp>
@@ -1586,9 +1846,9 @@
               <a:pPr>
                 <a:defRPr/>
               </a:pPr>
-              <a:t>4/21/2021</a:t>
+              <a:t>5/11/2021</a:t>
             </a:fld>
-            <a:endParaRPr lang="en-US" dirty="0"/>
+            <a:endParaRPr lang="en-US"/>
           </a:p>
         </p:txBody>
       </p:sp>
@@ -1623,7 +1883,7 @@
             <a:pPr>
               <a:defRPr/>
             </a:pPr>
-            <a:endParaRPr lang="en-US" dirty="0"/>
+            <a:endParaRPr lang="en-US"/>
           </a:p>
         </p:txBody>
       </p:sp>
@@ -1763,9 +2023,9 @@
               <a:pPr>
                 <a:defRPr/>
               </a:pPr>
-              <a:t>4/21/2021</a:t>
+              <a:t>5/11/2021</a:t>
             </a:fld>
-            <a:endParaRPr lang="en-US" dirty="0"/>
+            <a:endParaRPr lang="en-US"/>
           </a:p>
         </p:txBody>
       </p:sp>
@@ -1797,7 +2057,7 @@
             <a:pPr>
               <a:defRPr/>
             </a:pPr>
-            <a:endParaRPr lang="en-US" dirty="0"/>
+            <a:endParaRPr lang="en-US"/>
           </a:p>
         </p:txBody>
       </p:sp>
@@ -1947,9 +2207,9 @@
               <a:pPr>
                 <a:defRPr/>
               </a:pPr>
-              <a:t>4/21/2021</a:t>
+              <a:t>5/11/2021</a:t>
             </a:fld>
-            <a:endParaRPr lang="en-US" dirty="0"/>
+            <a:endParaRPr lang="en-US"/>
           </a:p>
         </p:txBody>
       </p:sp>
@@ -1981,7 +2241,7 @@
             <a:pPr>
               <a:defRPr/>
             </a:pPr>
-            <a:endParaRPr lang="en-US" dirty="0"/>
+            <a:endParaRPr lang="en-US"/>
           </a:p>
         </p:txBody>
       </p:sp>
@@ -2121,9 +2381,9 @@
               <a:pPr>
                 <a:defRPr/>
               </a:pPr>
-              <a:t>4/21/2021</a:t>
+              <a:t>5/11/2021</a:t>
             </a:fld>
-            <a:endParaRPr lang="en-US" dirty="0"/>
+            <a:endParaRPr lang="en-US"/>
           </a:p>
         </p:txBody>
       </p:sp>
@@ -2155,7 +2415,7 @@
             <a:pPr>
               <a:defRPr/>
             </a:pPr>
-            <a:endParaRPr lang="en-US" dirty="0"/>
+            <a:endParaRPr lang="en-US"/>
           </a:p>
         </p:txBody>
       </p:sp>
@@ -2372,9 +2632,9 @@
               <a:pPr>
                 <a:defRPr/>
               </a:pPr>
-              <a:t>4/21/2021</a:t>
+              <a:t>5/11/2021</a:t>
             </a:fld>
-            <a:endParaRPr lang="en-US" dirty="0"/>
+            <a:endParaRPr lang="en-US"/>
           </a:p>
         </p:txBody>
       </p:sp>
@@ -2406,7 +2666,7 @@
             <a:pPr>
               <a:defRPr/>
             </a:pPr>
-            <a:endParaRPr lang="en-US" dirty="0"/>
+            <a:endParaRPr lang="en-US"/>
           </a:p>
         </p:txBody>
       </p:sp>
@@ -2663,9 +2923,9 @@
               <a:pPr>
                 <a:defRPr/>
               </a:pPr>
-              <a:t>4/21/2021</a:t>
+              <a:t>5/11/2021</a:t>
             </a:fld>
-            <a:endParaRPr lang="en-US" dirty="0"/>
+            <a:endParaRPr lang="en-US"/>
           </a:p>
         </p:txBody>
       </p:sp>
@@ -2697,7 +2957,7 @@
             <a:pPr>
               <a:defRPr/>
             </a:pPr>
-            <a:endParaRPr lang="en-US" dirty="0"/>
+            <a:endParaRPr lang="en-US"/>
           </a:p>
         </p:txBody>
       </p:sp>
@@ -3088,9 +3348,9 @@
               <a:pPr>
                 <a:defRPr/>
               </a:pPr>
-              <a:t>4/21/2021</a:t>
+              <a:t>5/11/2021</a:t>
             </a:fld>
-            <a:endParaRPr lang="en-US" dirty="0"/>
+            <a:endParaRPr lang="en-US"/>
           </a:p>
         </p:txBody>
       </p:sp>
@@ -3122,7 +3382,7 @@
             <a:pPr>
               <a:defRPr/>
             </a:pPr>
-            <a:endParaRPr lang="en-US" dirty="0"/>
+            <a:endParaRPr lang="en-US"/>
           </a:p>
         </p:txBody>
       </p:sp>
@@ -3211,9 +3471,9 @@
               <a:pPr>
                 <a:defRPr/>
               </a:pPr>
-              <a:t>4/21/2021</a:t>
+              <a:t>5/11/2021</a:t>
             </a:fld>
-            <a:endParaRPr lang="en-US" dirty="0"/>
+            <a:endParaRPr lang="en-US"/>
           </a:p>
         </p:txBody>
       </p:sp>
@@ -3245,7 +3505,7 @@
             <a:pPr>
               <a:defRPr/>
             </a:pPr>
-            <a:endParaRPr lang="en-US" dirty="0"/>
+            <a:endParaRPr lang="en-US"/>
           </a:p>
         </p:txBody>
       </p:sp>
@@ -3312,9 +3572,9 @@
               <a:pPr>
                 <a:defRPr/>
               </a:pPr>
-              <a:t>4/21/2021</a:t>
+              <a:t>5/11/2021</a:t>
             </a:fld>
-            <a:endParaRPr lang="en-US" dirty="0"/>
+            <a:endParaRPr lang="en-US"/>
           </a:p>
         </p:txBody>
       </p:sp>
@@ -3346,7 +3606,7 @@
             <a:pPr>
               <a:defRPr/>
             </a:pPr>
-            <a:endParaRPr lang="en-US" dirty="0"/>
+            <a:endParaRPr lang="en-US"/>
           </a:p>
         </p:txBody>
       </p:sp>
@@ -3593,9 +3853,9 @@
               <a:pPr>
                 <a:defRPr/>
               </a:pPr>
-              <a:t>4/21/2021</a:t>
+              <a:t>5/11/2021</a:t>
             </a:fld>
-            <a:endParaRPr lang="en-US" dirty="0"/>
+            <a:endParaRPr lang="en-US"/>
           </a:p>
         </p:txBody>
       </p:sp>
@@ -3627,7 +3887,7 @@
             <a:pPr>
               <a:defRPr/>
             </a:pPr>
-            <a:endParaRPr lang="en-US" dirty="0"/>
+            <a:endParaRPr lang="en-US"/>
           </a:p>
         </p:txBody>
       </p:sp>
@@ -3753,7 +4013,7 @@
           <a:p>
             <a:pPr lvl="0"/>
             <a:r>
-              <a:rPr lang="en-US" noProof="0" dirty="0"/>
+              <a:rPr lang="en-US" noProof="0"/>
               <a:t>Click icon to add picture</a:t>
             </a:r>
           </a:p>
@@ -3857,9 +4117,9 @@
               <a:pPr>
                 <a:defRPr/>
               </a:pPr>
-              <a:t>4/21/2021</a:t>
+              <a:t>5/11/2021</a:t>
             </a:fld>
-            <a:endParaRPr lang="en-US" dirty="0"/>
+            <a:endParaRPr lang="en-US"/>
           </a:p>
         </p:txBody>
       </p:sp>
@@ -3891,7 +4151,7 @@
             <a:pPr>
               <a:defRPr/>
             </a:pPr>
-            <a:endParaRPr lang="en-US" dirty="0"/>
+            <a:endParaRPr lang="en-US"/>
           </a:p>
         </p:txBody>
       </p:sp>
@@ -4202,9 +4462,9 @@
               <a:pPr>
                 <a:defRPr/>
               </a:pPr>
-              <a:t>4/21/2021</a:t>
+              <a:t>5/11/2021</a:t>
             </a:fld>
-            <a:endParaRPr lang="en-US" dirty="0"/>
+            <a:endParaRPr lang="en-US"/>
           </a:p>
         </p:txBody>
       </p:sp>
@@ -4256,7 +4516,7 @@
             <a:pPr>
               <a:defRPr/>
             </a:pPr>
-            <a:endParaRPr lang="en-US" dirty="0"/>
+            <a:endParaRPr lang="en-US"/>
           </a:p>
         </p:txBody>
       </p:sp>
@@ -4742,7 +5002,7 @@
               <a:defRPr/>
             </a:pPr>
             <a:r>
-              <a:rPr lang="fr-FR" dirty="0"/>
+              <a:rPr lang="fr-FR"/>
               <a:t>²</a:t>
             </a:r>
           </a:p>
@@ -4798,7 +5058,7 @@
             <a:pPr algn="ctr">
               <a:defRPr/>
             </a:pPr>
-            <a:endParaRPr lang="fr-FR" dirty="0"/>
+            <a:endParaRPr lang="fr-FR"/>
           </a:p>
         </p:txBody>
       </p:sp>
@@ -4852,7 +5112,7 @@
             <a:pPr algn="ctr">
               <a:defRPr/>
             </a:pPr>
-            <a:endParaRPr lang="fr-FR" dirty="0"/>
+            <a:endParaRPr lang="fr-FR"/>
           </a:p>
         </p:txBody>
       </p:sp>
@@ -5055,7 +5315,7 @@
               <a:buNone/>
             </a:pPr>
             <a:r>
-              <a:rPr lang="en-NL" altLang="fr-FR" sz="6600" dirty="0">
+              <a:rPr lang="en-NL" altLang="fr-FR" sz="6600">
                 <a:solidFill>
                   <a:srgbClr val="495B64"/>
                 </a:solidFill>
@@ -5064,7 +5324,7 @@
               <a:t>BREDA UNIVERSITY OF APPLIED SCIENCES</a:t>
             </a:r>
             <a:r>
-              <a:rPr lang="fr-FR" altLang="fr-FR" sz="6600" dirty="0">
+              <a:rPr lang="fr-FR" altLang="fr-FR" sz="6600">
                 <a:solidFill>
                   <a:srgbClr val="495B64"/>
                 </a:solidFill>
@@ -5072,7 +5332,7 @@
               </a:rPr>
               <a:t>, </a:t>
             </a:r>
-            <a:endParaRPr lang="en-NL" altLang="fr-FR" sz="6600" dirty="0">
+            <a:endParaRPr lang="en-NL" altLang="fr-FR" sz="6600">
               <a:solidFill>
                 <a:srgbClr val="495B64"/>
               </a:solidFill>
@@ -5088,7 +5348,7 @@
               <a:buNone/>
             </a:pPr>
             <a:r>
-              <a:rPr lang="en-NL" altLang="fr-FR" sz="6600" dirty="0">
+              <a:rPr lang="en-NL" altLang="fr-FR" sz="6600">
                 <a:solidFill>
                   <a:srgbClr val="495B64"/>
                 </a:solidFill>
@@ -5096,7 +5356,7 @@
               </a:rPr>
               <a:t>DEPARTMENT OF ARTIFICIAL INTELLIGENCE AND DATA MANAGEMENT</a:t>
             </a:r>
-            <a:endParaRPr lang="fr-FR" altLang="fr-FR" sz="6600" dirty="0">
+            <a:endParaRPr lang="fr-FR" altLang="fr-FR" sz="6600">
               <a:solidFill>
                 <a:srgbClr val="495B64"/>
               </a:solidFill>
@@ -5177,7 +5437,7 @@
               <a:pPr algn="ctr">
                 <a:defRPr/>
               </a:pPr>
-              <a:endParaRPr lang="fr-FR" dirty="0"/>
+              <a:endParaRPr lang="fr-FR"/>
             </a:p>
           </p:txBody>
         </p:sp>
@@ -5380,7 +5640,7 @@
                 <a:buNone/>
               </a:pPr>
               <a:r>
-                <a:rPr lang="en-NL" altLang="fr-FR" sz="5400" dirty="0">
+                <a:rPr lang="en-NL" altLang="fr-FR" sz="5400">
                   <a:solidFill>
                     <a:srgbClr val="FAECD1"/>
                   </a:solidFill>
@@ -5388,7 +5648,7 @@
                 </a:rPr>
                 <a:t>SCIENTIFIC POSTER:</a:t>
               </a:r>
-              <a:endParaRPr lang="fr-FR" altLang="fr-FR" sz="5400" dirty="0">
+              <a:endParaRPr lang="fr-FR" altLang="fr-FR" sz="5400">
                 <a:solidFill>
                   <a:srgbClr val="FAECD1"/>
                 </a:solidFill>
@@ -5404,7 +5664,7 @@
                 <a:buNone/>
               </a:pPr>
               <a:r>
-                <a:rPr lang="en-NL" altLang="fr-FR" sz="13000" dirty="0">
+                <a:rPr lang="en-NL" altLang="fr-FR" sz="13000">
                   <a:solidFill>
                     <a:srgbClr val="FAECD1"/>
                   </a:solidFill>
@@ -5413,7 +5673,7 @@
                 <a:t>PLACE YOUR TITLE HERE</a:t>
               </a:r>
               <a:r>
-                <a:rPr lang="fr-FR" altLang="fr-FR" sz="13000" dirty="0">
+                <a:rPr lang="fr-FR" altLang="fr-FR" sz="13000">
                   <a:solidFill>
                     <a:srgbClr val="FAECD1"/>
                   </a:solidFill>
@@ -5475,7 +5735,7 @@
             <a:pPr algn="ctr">
               <a:defRPr/>
             </a:pPr>
-            <a:endParaRPr lang="fr-FR" dirty="0"/>
+            <a:endParaRPr lang="fr-FR"/>
           </a:p>
         </p:txBody>
       </p:sp>
@@ -5529,7 +5789,7 @@
             <a:pPr algn="ctr">
               <a:defRPr/>
             </a:pPr>
-            <a:endParaRPr lang="fr-FR" dirty="0"/>
+            <a:endParaRPr lang="fr-FR"/>
           </a:p>
         </p:txBody>
       </p:sp>
@@ -5583,7 +5843,7 @@
             <a:pPr algn="ctr">
               <a:defRPr/>
             </a:pPr>
-            <a:endParaRPr lang="fr-FR" dirty="0"/>
+            <a:endParaRPr lang="fr-FR"/>
           </a:p>
         </p:txBody>
       </p:sp>
@@ -5637,7 +5897,7 @@
             <a:pPr algn="ctr">
               <a:defRPr/>
             </a:pPr>
-            <a:endParaRPr lang="fr-FR" dirty="0"/>
+            <a:endParaRPr lang="fr-FR"/>
           </a:p>
         </p:txBody>
       </p:sp>
@@ -5691,7 +5951,7 @@
             <a:pPr algn="ctr">
               <a:defRPr/>
             </a:pPr>
-            <a:endParaRPr lang="fr-FR" dirty="0"/>
+            <a:endParaRPr lang="fr-FR"/>
           </a:p>
         </p:txBody>
       </p:sp>
@@ -5745,7 +6005,7 @@
             <a:pPr algn="ctr">
               <a:defRPr/>
             </a:pPr>
-            <a:endParaRPr lang="fr-FR" dirty="0"/>
+            <a:endParaRPr lang="fr-FR"/>
           </a:p>
         </p:txBody>
       </p:sp>
@@ -5799,7 +6059,7 @@
             <a:pPr algn="ctr">
               <a:defRPr/>
             </a:pPr>
-            <a:endParaRPr lang="fr-FR" dirty="0"/>
+            <a:endParaRPr lang="fr-FR"/>
           </a:p>
         </p:txBody>
       </p:sp>
@@ -5853,7 +6113,7 @@
             <a:pPr algn="ctr">
               <a:defRPr/>
             </a:pPr>
-            <a:endParaRPr lang="fr-FR" dirty="0"/>
+            <a:endParaRPr lang="fr-FR"/>
           </a:p>
         </p:txBody>
       </p:sp>
@@ -5907,7 +6167,7 @@
             <a:pPr algn="ctr">
               <a:defRPr/>
             </a:pPr>
-            <a:endParaRPr lang="fr-FR" dirty="0"/>
+            <a:endParaRPr lang="fr-FR"/>
           </a:p>
         </p:txBody>
       </p:sp>
@@ -5961,7 +6221,7 @@
             <a:pPr algn="ctr">
               <a:defRPr/>
             </a:pPr>
-            <a:endParaRPr lang="fr-FR" dirty="0"/>
+            <a:endParaRPr lang="fr-FR"/>
           </a:p>
         </p:txBody>
       </p:sp>
@@ -6225,7 +6485,7 @@
               <a:buNone/>
             </a:pPr>
             <a:r>
-              <a:rPr lang="en-NL" altLang="fr-FR" sz="2400" b="1" dirty="0">
+              <a:rPr lang="en-NL" altLang="fr-FR" sz="2400" b="1">
                 <a:solidFill>
                   <a:srgbClr val="495B64"/>
                 </a:solidFill>
@@ -6233,7 +6493,7 @@
               <a:t>S</a:t>
             </a:r>
             <a:r>
-              <a:rPr lang="fr-FR" altLang="fr-FR" sz="2400" b="1" dirty="0">
+              <a:rPr lang="fr-FR" altLang="fr-FR" sz="2400" b="1">
                 <a:solidFill>
                   <a:srgbClr val="495B64"/>
                 </a:solidFill>
@@ -6250,7 +6510,7 @@
               <a:buNone/>
             </a:pPr>
             <a:r>
-              <a:rPr lang="en-US" altLang="fr-FR" sz="2200" dirty="0">
+              <a:rPr lang="en-US" altLang="fr-FR" sz="2200">
                 <a:solidFill>
                   <a:srgbClr val="495B64"/>
                 </a:solidFill>
@@ -6258,14 +6518,14 @@
               <a:t> </a:t>
             </a:r>
             <a:r>
-              <a:rPr lang="en-GB" altLang="fr-FR" sz="2200" dirty="0" err="1">
+              <a:rPr lang="en-GB" altLang="fr-FR" sz="2200" err="1">
                 <a:solidFill>
                   <a:srgbClr val="495B64"/>
                 </a:solidFill>
               </a:rPr>
               <a:t>yyyyyy-yyyyyy-yyyyyy-yyyyyy</a:t>
             </a:r>
-            <a:endParaRPr lang="en-GB" altLang="fr-FR" sz="2200" dirty="0">
+            <a:endParaRPr lang="en-GB" altLang="fr-FR" sz="2200">
               <a:solidFill>
                 <a:srgbClr val="495B64"/>
               </a:solidFill>
@@ -6280,14 +6540,14 @@
               <a:buNone/>
             </a:pPr>
             <a:r>
-              <a:rPr lang="en-US" altLang="fr-FR" sz="2200" dirty="0" err="1">
+              <a:rPr lang="en-US" altLang="fr-FR" sz="2200" err="1">
                 <a:solidFill>
                   <a:srgbClr val="495B64"/>
                 </a:solidFill>
               </a:rPr>
               <a:t>yyyyyy-yyyyyy-yyyyyy-yyyyyy</a:t>
             </a:r>
-            <a:endParaRPr lang="en-US" altLang="fr-FR" sz="2200" dirty="0">
+            <a:endParaRPr lang="en-US" altLang="fr-FR" sz="2200">
               <a:solidFill>
                 <a:srgbClr val="495B64"/>
               </a:solidFill>
@@ -6302,7 +6562,7 @@
               <a:buNone/>
             </a:pPr>
             <a:r>
-              <a:rPr lang="en-US" altLang="fr-FR" sz="2200" dirty="0">
+              <a:rPr lang="en-US" altLang="fr-FR" sz="2200">
                 <a:solidFill>
                   <a:srgbClr val="495B64"/>
                 </a:solidFill>
@@ -6310,14 +6570,14 @@
               <a:t> </a:t>
             </a:r>
             <a:r>
-              <a:rPr lang="en-US" altLang="fr-FR" sz="2200" dirty="0" err="1">
+              <a:rPr lang="en-US" altLang="fr-FR" sz="2200" err="1">
                 <a:solidFill>
                   <a:srgbClr val="495B64"/>
                 </a:solidFill>
               </a:rPr>
               <a:t>yyyyyy-yyyyyy-yyyyyy-yyyyyy</a:t>
             </a:r>
-            <a:endParaRPr lang="en-US" altLang="fr-FR" sz="2200" dirty="0">
+            <a:endParaRPr lang="en-US" altLang="fr-FR" sz="2200">
               <a:solidFill>
                 <a:srgbClr val="495B64"/>
               </a:solidFill>
@@ -6647,14 +6907,14 @@
               <a:buNone/>
             </a:pPr>
             <a:r>
-              <a:rPr lang="en-NL" altLang="fr-FR" sz="2400" b="1" dirty="0">
+              <a:rPr lang="en-NL" altLang="fr-FR" sz="2400" b="1">
                 <a:solidFill>
                   <a:srgbClr val="495B64"/>
                 </a:solidFill>
               </a:rPr>
               <a:t>Resources</a:t>
             </a:r>
-            <a:endParaRPr lang="fr-FR" altLang="fr-FR" sz="2400" b="1" dirty="0">
+            <a:endParaRPr lang="fr-FR" altLang="fr-FR" sz="2400" b="1">
               <a:solidFill>
                 <a:srgbClr val="495B64"/>
               </a:solidFill>
@@ -6669,7 +6929,7 @@
               <a:buNone/>
             </a:pPr>
             <a:r>
-              <a:rPr lang="en-GB" altLang="fr-FR" sz="2200" dirty="0">
+              <a:rPr lang="en-GB" altLang="fr-FR" sz="2200">
                 <a:solidFill>
                   <a:srgbClr val="495B64"/>
                 </a:solidFill>
@@ -6677,7 +6937,7 @@
               <a:t>z</a:t>
             </a:r>
             <a:r>
-              <a:rPr lang="en-NL" altLang="fr-FR" sz="2200" dirty="0" err="1">
+              <a:rPr lang="en-NL" altLang="fr-FR" sz="2200" err="1">
                 <a:solidFill>
                   <a:srgbClr val="495B64"/>
                 </a:solidFill>
@@ -6685,7 +6945,7 @@
               <a:t>zzzzz</a:t>
             </a:r>
             <a:r>
-              <a:rPr lang="en-NL" altLang="fr-FR" sz="2200" dirty="0">
+              <a:rPr lang="en-NL" altLang="fr-FR" sz="2200">
                 <a:solidFill>
                   <a:srgbClr val="495B64"/>
                 </a:solidFill>
@@ -6693,7 +6953,7 @@
               <a:t>-</a:t>
             </a:r>
             <a:r>
-              <a:rPr lang="en-GB" altLang="fr-FR" sz="2200" dirty="0">
+              <a:rPr lang="en-GB" altLang="fr-FR" sz="2200">
                 <a:solidFill>
                   <a:srgbClr val="495B64"/>
                 </a:solidFill>
@@ -6701,7 +6961,7 @@
               <a:t>z</a:t>
             </a:r>
             <a:r>
-              <a:rPr lang="en-NL" altLang="fr-FR" sz="2200" dirty="0" err="1">
+              <a:rPr lang="en-NL" altLang="fr-FR" sz="2200" err="1">
                 <a:solidFill>
                   <a:srgbClr val="495B64"/>
                 </a:solidFill>
@@ -6709,7 +6969,7 @@
               <a:t>zzzzz</a:t>
             </a:r>
             <a:r>
-              <a:rPr lang="en-NL" altLang="fr-FR" sz="2200" dirty="0">
+              <a:rPr lang="en-NL" altLang="fr-FR" sz="2200">
                 <a:solidFill>
                   <a:srgbClr val="495B64"/>
                 </a:solidFill>
@@ -6717,7 +6977,7 @@
               <a:t>-</a:t>
             </a:r>
             <a:r>
-              <a:rPr lang="en-GB" altLang="fr-FR" sz="2200" dirty="0">
+              <a:rPr lang="en-GB" altLang="fr-FR" sz="2200">
                 <a:solidFill>
                   <a:srgbClr val="495B64"/>
                 </a:solidFill>
@@ -6725,7 +6985,7 @@
               <a:t>z</a:t>
             </a:r>
             <a:r>
-              <a:rPr lang="en-NL" altLang="fr-FR" sz="2200" dirty="0" err="1">
+              <a:rPr lang="en-NL" altLang="fr-FR" sz="2200" err="1">
                 <a:solidFill>
                   <a:srgbClr val="495B64"/>
                 </a:solidFill>
@@ -6733,7 +6993,7 @@
               <a:t>zzzzz</a:t>
             </a:r>
             <a:r>
-              <a:rPr lang="en-NL" altLang="fr-FR" sz="2200" dirty="0">
+              <a:rPr lang="en-NL" altLang="fr-FR" sz="2200">
                 <a:solidFill>
                   <a:srgbClr val="495B64"/>
                 </a:solidFill>
@@ -6741,7 +7001,7 @@
               <a:t>-</a:t>
             </a:r>
             <a:r>
-              <a:rPr lang="en-GB" altLang="fr-FR" sz="2200" dirty="0">
+              <a:rPr lang="en-GB" altLang="fr-FR" sz="2200">
                 <a:solidFill>
                   <a:srgbClr val="495B64"/>
                 </a:solidFill>
@@ -6749,14 +7009,14 @@
               <a:t>z</a:t>
             </a:r>
             <a:r>
-              <a:rPr lang="en-NL" altLang="fr-FR" sz="2200" dirty="0" err="1">
+              <a:rPr lang="en-NL" altLang="fr-FR" sz="2200" err="1">
                 <a:solidFill>
                   <a:srgbClr val="495B64"/>
                 </a:solidFill>
               </a:rPr>
               <a:t>zzzzz</a:t>
             </a:r>
-            <a:endParaRPr lang="en-US" altLang="fr-FR" sz="2200" dirty="0">
+            <a:endParaRPr lang="en-US" altLang="fr-FR" sz="2200">
               <a:solidFill>
                 <a:srgbClr val="495B64"/>
               </a:solidFill>
@@ -6771,7 +7031,7 @@
               <a:buNone/>
             </a:pPr>
             <a:r>
-              <a:rPr lang="en-GB" altLang="fr-FR" sz="2200" dirty="0">
+              <a:rPr lang="en-GB" altLang="fr-FR" sz="2200">
                 <a:solidFill>
                   <a:srgbClr val="495B64"/>
                 </a:solidFill>
@@ -6779,7 +7039,7 @@
               <a:t>z</a:t>
             </a:r>
             <a:r>
-              <a:rPr lang="en-NL" altLang="fr-FR" sz="2200" dirty="0" err="1">
+              <a:rPr lang="en-NL" altLang="fr-FR" sz="2200" err="1">
                 <a:solidFill>
                   <a:srgbClr val="495B64"/>
                 </a:solidFill>
@@ -6787,7 +7047,7 @@
               <a:t>zzzzz</a:t>
             </a:r>
             <a:r>
-              <a:rPr lang="en-NL" altLang="fr-FR" sz="2200" dirty="0">
+              <a:rPr lang="en-NL" altLang="fr-FR" sz="2200">
                 <a:solidFill>
                   <a:srgbClr val="495B64"/>
                 </a:solidFill>
@@ -6795,7 +7055,7 @@
               <a:t>-</a:t>
             </a:r>
             <a:r>
-              <a:rPr lang="en-GB" altLang="fr-FR" sz="2200" dirty="0">
+              <a:rPr lang="en-GB" altLang="fr-FR" sz="2200">
                 <a:solidFill>
                   <a:srgbClr val="495B64"/>
                 </a:solidFill>
@@ -6803,7 +7063,7 @@
               <a:t>z</a:t>
             </a:r>
             <a:r>
-              <a:rPr lang="en-NL" altLang="fr-FR" sz="2200" dirty="0" err="1">
+              <a:rPr lang="en-NL" altLang="fr-FR" sz="2200" err="1">
                 <a:solidFill>
                   <a:srgbClr val="495B64"/>
                 </a:solidFill>
@@ -6811,7 +7071,7 @@
               <a:t>zzzzz</a:t>
             </a:r>
             <a:r>
-              <a:rPr lang="en-NL" altLang="fr-FR" sz="2200" dirty="0">
+              <a:rPr lang="en-NL" altLang="fr-FR" sz="2200">
                 <a:solidFill>
                   <a:srgbClr val="495B64"/>
                 </a:solidFill>
@@ -6819,7 +7079,7 @@
               <a:t>-</a:t>
             </a:r>
             <a:r>
-              <a:rPr lang="en-GB" altLang="fr-FR" sz="2200" dirty="0">
+              <a:rPr lang="en-GB" altLang="fr-FR" sz="2200">
                 <a:solidFill>
                   <a:srgbClr val="495B64"/>
                 </a:solidFill>
@@ -6827,7 +7087,7 @@
               <a:t>z</a:t>
             </a:r>
             <a:r>
-              <a:rPr lang="en-NL" altLang="fr-FR" sz="2200" dirty="0" err="1">
+              <a:rPr lang="en-NL" altLang="fr-FR" sz="2200" err="1">
                 <a:solidFill>
                   <a:srgbClr val="495B64"/>
                 </a:solidFill>
@@ -6835,7 +7095,7 @@
               <a:t>zzzzz</a:t>
             </a:r>
             <a:r>
-              <a:rPr lang="en-NL" altLang="fr-FR" sz="2200" dirty="0">
+              <a:rPr lang="en-NL" altLang="fr-FR" sz="2200">
                 <a:solidFill>
                   <a:srgbClr val="495B64"/>
                 </a:solidFill>
@@ -6843,7 +7103,7 @@
               <a:t>-</a:t>
             </a:r>
             <a:r>
-              <a:rPr lang="en-GB" altLang="fr-FR" sz="2200" dirty="0">
+              <a:rPr lang="en-GB" altLang="fr-FR" sz="2200">
                 <a:solidFill>
                   <a:srgbClr val="495B64"/>
                 </a:solidFill>
@@ -6851,14 +7111,14 @@
               <a:t>z</a:t>
             </a:r>
             <a:r>
-              <a:rPr lang="en-NL" altLang="fr-FR" sz="2200" dirty="0" err="1">
+              <a:rPr lang="en-NL" altLang="fr-FR" sz="2200" err="1">
                 <a:solidFill>
                   <a:srgbClr val="495B64"/>
                 </a:solidFill>
               </a:rPr>
               <a:t>zzzzz</a:t>
             </a:r>
-            <a:endParaRPr lang="en-US" altLang="fr-FR" sz="2200" dirty="0">
+            <a:endParaRPr lang="en-US" altLang="fr-FR" sz="2200">
               <a:solidFill>
                 <a:srgbClr val="495B64"/>
               </a:solidFill>
@@ -6873,7 +7133,7 @@
               <a:buNone/>
             </a:pPr>
             <a:r>
-              <a:rPr lang="en-GB" altLang="fr-FR" sz="2200" dirty="0">
+              <a:rPr lang="en-GB" altLang="fr-FR" sz="2200">
                 <a:solidFill>
                   <a:srgbClr val="495B64"/>
                 </a:solidFill>
@@ -6881,7 +7141,7 @@
               <a:t>z</a:t>
             </a:r>
             <a:r>
-              <a:rPr lang="en-NL" altLang="fr-FR" sz="2200" dirty="0" err="1">
+              <a:rPr lang="en-NL" altLang="fr-FR" sz="2200" err="1">
                 <a:solidFill>
                   <a:srgbClr val="495B64"/>
                 </a:solidFill>
@@ -6889,7 +7149,7 @@
               <a:t>zzzzz</a:t>
             </a:r>
             <a:r>
-              <a:rPr lang="en-NL" altLang="fr-FR" sz="2200" dirty="0">
+              <a:rPr lang="en-NL" altLang="fr-FR" sz="2200">
                 <a:solidFill>
                   <a:srgbClr val="495B64"/>
                 </a:solidFill>
@@ -6897,7 +7157,7 @@
               <a:t>-</a:t>
             </a:r>
             <a:r>
-              <a:rPr lang="en-GB" altLang="fr-FR" sz="2200" dirty="0">
+              <a:rPr lang="en-GB" altLang="fr-FR" sz="2200">
                 <a:solidFill>
                   <a:srgbClr val="495B64"/>
                 </a:solidFill>
@@ -6905,7 +7165,7 @@
               <a:t>z</a:t>
             </a:r>
             <a:r>
-              <a:rPr lang="en-NL" altLang="fr-FR" sz="2200" dirty="0" err="1">
+              <a:rPr lang="en-NL" altLang="fr-FR" sz="2200" err="1">
                 <a:solidFill>
                   <a:srgbClr val="495B64"/>
                 </a:solidFill>
@@ -6913,7 +7173,7 @@
               <a:t>zzzzz</a:t>
             </a:r>
             <a:r>
-              <a:rPr lang="en-NL" altLang="fr-FR" sz="2200" dirty="0">
+              <a:rPr lang="en-NL" altLang="fr-FR" sz="2200">
                 <a:solidFill>
                   <a:srgbClr val="495B64"/>
                 </a:solidFill>
@@ -6921,7 +7181,7 @@
               <a:t>-</a:t>
             </a:r>
             <a:r>
-              <a:rPr lang="en-GB" altLang="fr-FR" sz="2200" dirty="0">
+              <a:rPr lang="en-GB" altLang="fr-FR" sz="2200">
                 <a:solidFill>
                   <a:srgbClr val="495B64"/>
                 </a:solidFill>
@@ -6929,7 +7189,7 @@
               <a:t>z</a:t>
             </a:r>
             <a:r>
-              <a:rPr lang="en-NL" altLang="fr-FR" sz="2200" dirty="0" err="1">
+              <a:rPr lang="en-NL" altLang="fr-FR" sz="2200" err="1">
                 <a:solidFill>
                   <a:srgbClr val="495B64"/>
                 </a:solidFill>
@@ -6937,7 +7197,7 @@
               <a:t>zzzzz</a:t>
             </a:r>
             <a:r>
-              <a:rPr lang="en-NL" altLang="fr-FR" sz="2200" dirty="0">
+              <a:rPr lang="en-NL" altLang="fr-FR" sz="2200">
                 <a:solidFill>
                   <a:srgbClr val="495B64"/>
                 </a:solidFill>
@@ -6945,7 +7205,7 @@
               <a:t>-</a:t>
             </a:r>
             <a:r>
-              <a:rPr lang="en-GB" altLang="fr-FR" sz="2200" dirty="0">
+              <a:rPr lang="en-GB" altLang="fr-FR" sz="2200">
                 <a:solidFill>
                   <a:srgbClr val="495B64"/>
                 </a:solidFill>
@@ -6953,14 +7213,14 @@
               <a:t>z</a:t>
             </a:r>
             <a:r>
-              <a:rPr lang="en-NL" altLang="fr-FR" sz="2200" dirty="0" err="1">
+              <a:rPr lang="en-NL" altLang="fr-FR" sz="2200" err="1">
                 <a:solidFill>
                   <a:srgbClr val="495B64"/>
                 </a:solidFill>
               </a:rPr>
               <a:t>zzzzz</a:t>
             </a:r>
-            <a:endParaRPr lang="en-US" altLang="fr-FR" sz="2200" dirty="0">
+            <a:endParaRPr lang="en-US" altLang="fr-FR" sz="2200">
               <a:solidFill>
                 <a:srgbClr val="495B64"/>
               </a:solidFill>
@@ -7167,14 +7427,14 @@
               <a:buNone/>
             </a:pPr>
             <a:r>
-              <a:rPr lang="en-NL" altLang="fr-FR" sz="2400" b="1" dirty="0">
+              <a:rPr lang="en-NL" altLang="fr-FR" sz="2400" b="1">
                 <a:solidFill>
                   <a:srgbClr val="495B64"/>
                 </a:solidFill>
               </a:rPr>
               <a:t>Notes</a:t>
             </a:r>
-            <a:endParaRPr lang="fr-FR" altLang="fr-FR" sz="2400" b="1" dirty="0">
+            <a:endParaRPr lang="fr-FR" altLang="fr-FR" sz="2400" b="1">
               <a:solidFill>
                 <a:srgbClr val="495B64"/>
               </a:solidFill>
@@ -7189,14 +7449,14 @@
               <a:buNone/>
             </a:pPr>
             <a:r>
-              <a:rPr lang="en-US" altLang="fr-FR" sz="2200" dirty="0" err="1">
+              <a:rPr lang="en-US" altLang="fr-FR" sz="2200" err="1">
                 <a:solidFill>
                   <a:srgbClr val="495B64"/>
                 </a:solidFill>
               </a:rPr>
               <a:t>xxxxxx-xxxxxxx-xxxxxx-xxxxxxx</a:t>
             </a:r>
-            <a:endParaRPr lang="en-NL" altLang="fr-FR" sz="2200" dirty="0">
+            <a:endParaRPr lang="en-NL" altLang="fr-FR" sz="2200">
               <a:solidFill>
                 <a:srgbClr val="495B64"/>
               </a:solidFill>
@@ -7211,14 +7471,14 @@
               <a:buNone/>
             </a:pPr>
             <a:r>
-              <a:rPr lang="en-US" altLang="fr-FR" sz="2200" dirty="0" err="1">
+              <a:rPr lang="en-US" altLang="fr-FR" sz="2200" err="1">
                 <a:solidFill>
                   <a:srgbClr val="495B64"/>
                 </a:solidFill>
               </a:rPr>
               <a:t>xxxxxx-xxxxxxx-xxxxxx-xxxxxxx</a:t>
             </a:r>
-            <a:endParaRPr lang="en-US" altLang="fr-FR" sz="2200" dirty="0">
+            <a:endParaRPr lang="en-US" altLang="fr-FR" sz="2200">
               <a:solidFill>
                 <a:srgbClr val="495B64"/>
               </a:solidFill>
@@ -7233,14 +7493,14 @@
               <a:buNone/>
             </a:pPr>
             <a:r>
-              <a:rPr lang="en-US" altLang="fr-FR" sz="2200" dirty="0" err="1">
+              <a:rPr lang="en-US" altLang="fr-FR" sz="2200" err="1">
                 <a:solidFill>
                   <a:srgbClr val="495B64"/>
                 </a:solidFill>
               </a:rPr>
               <a:t>xxxxxx-xxxxxxx-xxxxxx-xxxxxxx</a:t>
             </a:r>
-            <a:endParaRPr lang="en-US" altLang="fr-FR" sz="2200" dirty="0">
+            <a:endParaRPr lang="en-US" altLang="fr-FR" sz="2200">
               <a:solidFill>
                 <a:srgbClr val="495B64"/>
               </a:solidFill>
@@ -7499,7 +7759,7 @@
         <p:spPr bwMode="auto">
           <a:xfrm>
             <a:off x="646113" y="17883188"/>
-            <a:ext cx="9372600" cy="1446212"/>
+            <a:ext cx="9372600" cy="1446550"/>
           </a:xfrm>
           <a:prstGeom prst="rect">
             <a:avLst/>
@@ -7529,7 +7789,7 @@
           </a:extLst>
         </p:spPr>
         <p:txBody>
-          <a:bodyPr>
+          <a:bodyPr lIns="91440" tIns="45720" rIns="91440" bIns="45720" anchor="t">
             <a:spAutoFit/>
           </a:bodyPr>
           <a:lstStyle>
@@ -7677,7 +7937,6 @@
               <a:spcBef>
                 <a:spcPct val="0"/>
               </a:spcBef>
-              <a:buFontTx/>
               <a:buNone/>
             </a:pPr>
             <a:r>
@@ -7685,16 +7944,18 @@
                 <a:solidFill>
                   <a:srgbClr val="495B64"/>
                 </a:solidFill>
-                <a:latin typeface="Futura-CondensedLight" pitchFamily="34" charset="0"/>
+                <a:latin typeface="Futura-CondensedLight"/>
+                <a:cs typeface="Arial"/>
               </a:rPr>
-              <a:t>03  </a:t>
+              <a:t>03 </a:t>
             </a:r>
             <a:r>
               <a:rPr lang="en-GB" altLang="fr-FR" sz="8800" dirty="0">
                 <a:solidFill>
                   <a:srgbClr val="495B64"/>
                 </a:solidFill>
-                <a:latin typeface="Futura-CondensedLight" pitchFamily="34" charset="0"/>
+                <a:latin typeface="Futura-CondensedLight"/>
+                <a:cs typeface="Arial"/>
               </a:rPr>
               <a:t>DISCUSSION</a:t>
             </a:r>
@@ -7802,7 +8063,7 @@
           </a:extLst>
         </p:spPr>
         <p:txBody>
-          <a:bodyPr>
+          <a:bodyPr lIns="91440" tIns="45720" rIns="91440" bIns="45720" anchor="t">
             <a:spAutoFit/>
           </a:bodyPr>
           <a:lstStyle>
@@ -7950,7 +8211,6 @@
               <a:spcBef>
                 <a:spcPct val="0"/>
               </a:spcBef>
-              <a:buFontTx/>
               <a:buNone/>
             </a:pPr>
             <a:r>
@@ -7958,20 +8218,32 @@
                 <a:solidFill>
                   <a:srgbClr val="FAECD1"/>
                 </a:solidFill>
-                <a:latin typeface="Futura-CondensedLight" pitchFamily="34" charset="0"/>
+                <a:latin typeface="Futura-CondensedLight"/>
+                <a:cs typeface="Arial"/>
               </a:rPr>
-              <a:t>01  </a:t>
+              <a:t>01  </a:t>
             </a:r>
             <a:r>
               <a:rPr lang="en-NL" altLang="fr-FR" sz="7700" dirty="0">
                 <a:solidFill>
                   <a:srgbClr val="FAECD1"/>
                 </a:solidFill>
-                <a:latin typeface="Futura-CondensedLight" pitchFamily="34" charset="0"/>
+                <a:latin typeface="Futura-CondensedLight"/>
+                <a:cs typeface="Arial"/>
               </a:rPr>
-              <a:t>EDA Methodology</a:t>
+              <a:t>EDA </a:t>
             </a:r>
-            <a:endParaRPr lang="fr-FR" altLang="fr-FR" sz="7700" dirty="0">
+            <a:r>
+              <a:rPr lang="en-NL" altLang="fr-FR" sz="7700">
+                <a:solidFill>
+                  <a:srgbClr val="FAECD1"/>
+                </a:solidFill>
+                <a:latin typeface="Futura-CondensedLight"/>
+                <a:cs typeface="Arial"/>
+              </a:rPr>
+              <a:t>METHODOLOGY</a:t>
+            </a:r>
+            <a:endParaRPr lang="fr-FR" altLang="fr-FR" sz="7700">
               <a:solidFill>
                 <a:srgbClr val="FAECD1"/>
               </a:solidFill>
@@ -8081,7 +8353,7 @@
           </a:extLst>
         </p:spPr>
         <p:txBody>
-          <a:bodyPr>
+          <a:bodyPr lIns="91440" tIns="45720" rIns="91440" bIns="45720" anchor="t">
             <a:spAutoFit/>
           </a:bodyPr>
           <a:lstStyle>
@@ -8229,28 +8501,19 @@
               <a:spcBef>
                 <a:spcPct val="0"/>
               </a:spcBef>
-              <a:buFontTx/>
               <a:buNone/>
             </a:pPr>
             <a:r>
-              <a:rPr lang="fr-FR" altLang="fr-FR" sz="8800" dirty="0">
+              <a:rPr lang="fr-FR" altLang="fr-FR" sz="8800">
                 <a:solidFill>
                   <a:srgbClr val="FFC000"/>
                 </a:solidFill>
-                <a:latin typeface="Futura-CondensedLight" pitchFamily="34" charset="0"/>
+                <a:latin typeface="Futura-CondensedLight"/>
+                <a:cs typeface="Arial"/>
               </a:rPr>
-              <a:t>02  </a:t>
+              <a:t>02  FINDINGS</a:t>
             </a:r>
-            <a:r>
-              <a:rPr lang="en-NL" altLang="fr-FR" sz="8800" dirty="0">
-                <a:solidFill>
-                  <a:srgbClr val="FFC000"/>
-                </a:solidFill>
-                <a:latin typeface="Futura-CondensedLight" pitchFamily="34" charset="0"/>
-              </a:rPr>
-              <a:t>Findings</a:t>
-            </a:r>
-            <a:endParaRPr lang="fr-FR" altLang="fr-FR" sz="8800" dirty="0">
+            <a:endParaRPr lang="nl-NL" altLang="fr-FR" sz="8800">
               <a:solidFill>
                 <a:srgbClr val="FFC000"/>
               </a:solidFill>
@@ -8512,7 +8775,7 @@
               <a:buNone/>
             </a:pPr>
             <a:r>
-              <a:rPr lang="fr-FR" altLang="fr-FR" sz="7200" dirty="0">
+              <a:rPr lang="fr-FR" altLang="fr-FR" sz="7200">
                 <a:solidFill>
                   <a:srgbClr val="495B64"/>
                 </a:solidFill>
@@ -8521,7 +8784,7 @@
               <a:t>0</a:t>
             </a:r>
             <a:r>
-              <a:rPr lang="en-NL" altLang="fr-FR" sz="7200" dirty="0">
+              <a:rPr lang="en-NL" altLang="fr-FR" sz="7200">
                 <a:solidFill>
                   <a:srgbClr val="495B64"/>
                 </a:solidFill>
@@ -8530,7 +8793,7 @@
               <a:t>4</a:t>
             </a:r>
             <a:r>
-              <a:rPr lang="fr-FR" altLang="fr-FR" sz="7200" dirty="0">
+              <a:rPr lang="fr-FR" altLang="fr-FR" sz="7200">
                 <a:solidFill>
                   <a:srgbClr val="495B64"/>
                 </a:solidFill>
@@ -8538,7 +8801,7 @@
               </a:rPr>
               <a:t>  CONCLUSION</a:t>
             </a:r>
-            <a:endParaRPr lang="fr-FR" altLang="fr-FR" sz="8800" dirty="0">
+            <a:endParaRPr lang="fr-FR" altLang="fr-FR" sz="8800">
               <a:solidFill>
                 <a:srgbClr val="495B64"/>
               </a:solidFill>
@@ -8587,7 +8850,7 @@
               <a:defRPr/>
             </a:pPr>
             <a:r>
-              <a:rPr lang="en-NL" sz="2200">
+              <a:rPr lang="en-NL" sz="2200" dirty="0">
                 <a:solidFill>
                   <a:srgbClr val="4E4748"/>
                 </a:solidFill>
@@ -8597,24 +8860,14 @@
               <a:t>[</a:t>
             </a:r>
             <a:r>
-              <a:rPr lang="en-GB" sz="2200" b="1">
+              <a:rPr lang="en-GB" sz="2200" b="1" dirty="0">
                 <a:solidFill>
                   <a:srgbClr val="4E4748"/>
                 </a:solidFill>
                 <a:latin typeface="Arial"/>
                 <a:cs typeface="Arial"/>
               </a:rPr>
-              <a:t>data-driven research </a:t>
-            </a:r>
-            <a:r>
-              <a:rPr lang="en-GB" sz="2200" b="1" dirty="0">
-                <a:solidFill>
-                  <a:srgbClr val="4E4748"/>
-                </a:solidFill>
-                <a:latin typeface="Arial"/>
-                <a:cs typeface="Arial"/>
-              </a:rPr>
-              <a:t>question</a:t>
+              <a:t>data-driven research question</a:t>
             </a:r>
             <a:r>
               <a:rPr lang="en-NL" sz="2200" b="1" dirty="0">
@@ -8627,16 +8880,96 @@
               <a:t>]? </a:t>
             </a:r>
             <a:r>
-              <a:rPr lang="en-NL" sz="2200" dirty="0">
+              <a:rPr lang="en-NL" sz="2200" dirty="0" err="1">
                 <a:solidFill>
                   <a:srgbClr val="4E4748"/>
                 </a:solidFill>
                 <a:latin typeface="Arial"/>
                 <a:cs typeface="Arial"/>
               </a:rPr>
-              <a:t>Well written text communicating stuff</a:t>
+              <a:t>Well</a:t>
             </a:r>
-            <a:endParaRPr lang="fr-FR" sz="2200" dirty="0">
+            <a:r>
+              <a:rPr lang="en-NL" sz="2200" dirty="0">
+                <a:solidFill>
+                  <a:srgbClr val="4E4748"/>
+                </a:solidFill>
+                <a:latin typeface="Arial"/>
+                <a:cs typeface="Arial"/>
+              </a:rPr>
+              <a:t> </a:t>
+            </a:r>
+            <a:r>
+              <a:rPr lang="en-NL" sz="2200" dirty="0" err="1">
+                <a:solidFill>
+                  <a:srgbClr val="4E4748"/>
+                </a:solidFill>
+                <a:latin typeface="Arial"/>
+                <a:cs typeface="Arial"/>
+              </a:rPr>
+              <a:t>written</a:t>
+            </a:r>
+            <a:r>
+              <a:rPr lang="en-NL" sz="2200" dirty="0">
+                <a:solidFill>
+                  <a:srgbClr val="4E4748"/>
+                </a:solidFill>
+                <a:latin typeface="Arial"/>
+                <a:cs typeface="Arial"/>
+              </a:rPr>
+              <a:t> </a:t>
+            </a:r>
+            <a:r>
+              <a:rPr lang="en-NL" sz="2200" dirty="0" err="1">
+                <a:solidFill>
+                  <a:srgbClr val="4E4748"/>
+                </a:solidFill>
+                <a:latin typeface="Arial"/>
+                <a:cs typeface="Arial"/>
+              </a:rPr>
+              <a:t>text</a:t>
+            </a:r>
+            <a:r>
+              <a:rPr lang="en-NL" sz="2200" dirty="0">
+                <a:solidFill>
+                  <a:srgbClr val="4E4748"/>
+                </a:solidFill>
+                <a:latin typeface="Arial"/>
+                <a:cs typeface="Arial"/>
+              </a:rPr>
+              <a:t> </a:t>
+            </a:r>
+            <a:r>
+              <a:rPr lang="en-NL" sz="2200" dirty="0" err="1">
+                <a:solidFill>
+                  <a:srgbClr val="4E4748"/>
+                </a:solidFill>
+                <a:latin typeface="Arial"/>
+                <a:cs typeface="Arial"/>
+              </a:rPr>
+              <a:t>communicating</a:t>
+            </a:r>
+            <a:r>
+              <a:rPr lang="en-NL" sz="2200" dirty="0">
+                <a:solidFill>
+                  <a:srgbClr val="4E4748"/>
+                </a:solidFill>
+                <a:latin typeface="Arial"/>
+                <a:cs typeface="Arial"/>
+              </a:rPr>
+              <a:t> </a:t>
+            </a:r>
+            <a:r>
+              <a:rPr lang="en-NL" sz="2200" dirty="0" err="1">
+                <a:solidFill>
+                  <a:srgbClr val="4E4748"/>
+                </a:solidFill>
+                <a:latin typeface="Arial"/>
+                <a:cs typeface="Arial"/>
+              </a:rPr>
+              <a:t>stuff</a:t>
+            </a:r>
+            <a:endParaRPr lang="fr-FR" sz="2200" dirty="0" err="1">
               <a:solidFill>
                 <a:srgbClr val="4E4748"/>
               </a:solidFill>
@@ -8648,7 +8981,7 @@
             <a:pPr algn="just">
               <a:defRPr/>
             </a:pPr>
-            <a:endParaRPr lang="en-NL" sz="2200" dirty="0">
+            <a:endParaRPr lang="en-NL" sz="2200">
               <a:solidFill>
                 <a:srgbClr val="4E4748"/>
               </a:solidFill>
@@ -8661,7 +8994,7 @@
               <a:defRPr/>
             </a:pPr>
             <a:r>
-              <a:rPr lang="en-NL" sz="2200" b="1" dirty="0">
+              <a:rPr lang="en-NL" sz="2200" b="1">
                 <a:solidFill>
                   <a:srgbClr val="4E4748"/>
                 </a:solidFill>
@@ -8670,7 +9003,7 @@
               </a:rPr>
               <a:t>Background.</a:t>
             </a:r>
-            <a:endParaRPr lang="fr-FR" sz="2200" b="1" dirty="0">
+            <a:endParaRPr lang="fr-FR" sz="2200" b="1">
               <a:solidFill>
                 <a:srgbClr val="4E4748"/>
               </a:solidFill>
@@ -8687,18 +9020,18 @@
                 <a:solidFill>
                   <a:srgbClr val="4E4748"/>
                 </a:solidFill>
-                <a:latin typeface="Arial" charset="0"/>
-                <a:cs typeface="Arial" charset="0"/>
+                <a:latin typeface="Arial"/>
+                <a:cs typeface="Arial"/>
               </a:rPr>
               <a:t>-</a:t>
             </a:r>
             <a:r>
-              <a:rPr lang="en-NL" sz="2200" dirty="0">
+              <a:rPr lang="en-NL" sz="2200">
                 <a:solidFill>
                   <a:srgbClr val="4E4748"/>
                 </a:solidFill>
-                <a:latin typeface="Arial" charset="0"/>
-                <a:cs typeface="Arial" charset="0"/>
+                <a:latin typeface="Arial"/>
+                <a:cs typeface="Arial"/>
               </a:rPr>
               <a:t> Create context: What are the important factors(or variables) for the reader to know?</a:t>
             </a:r>
@@ -8708,7 +9041,7 @@
               <a:defRPr/>
             </a:pPr>
             <a:r>
-              <a:rPr lang="en-NL" sz="2200" b="1" dirty="0">
+              <a:rPr lang="en-NL" sz="2200" b="1">
                 <a:solidFill>
                   <a:srgbClr val="4E4748"/>
                 </a:solidFill>
@@ -8717,7 +9050,7 @@
               </a:rPr>
               <a:t>Closing Statement/Justification.</a:t>
             </a:r>
-            <a:endParaRPr lang="fr-FR" sz="2200" b="1" dirty="0">
+            <a:endParaRPr lang="fr-FR" sz="2200" b="1">
               <a:solidFill>
                 <a:srgbClr val="4E4748"/>
               </a:solidFill>
@@ -8734,18 +9067,18 @@
                 <a:solidFill>
                   <a:srgbClr val="4E4748"/>
                 </a:solidFill>
-                <a:latin typeface="Arial" charset="0"/>
-                <a:cs typeface="Arial" charset="0"/>
+                <a:latin typeface="Arial"/>
+                <a:cs typeface="Arial"/>
               </a:rPr>
-              <a:t> -</a:t>
+              <a:t> -</a:t>
             </a:r>
             <a:r>
-              <a:rPr lang="en-NL" sz="2200" dirty="0">
+              <a:rPr lang="en-NL" sz="2200">
                 <a:solidFill>
                   <a:srgbClr val="4E4748"/>
                 </a:solidFill>
-                <a:latin typeface="Arial" charset="0"/>
-                <a:cs typeface="Arial" charset="0"/>
+                <a:latin typeface="Arial"/>
+                <a:cs typeface="Arial"/>
               </a:rPr>
               <a:t> What is the problem? Why is it a problem? How is your question going to provide insight in into the problem?</a:t>
             </a:r>
@@ -8754,7 +9087,7 @@
             <a:pPr algn="just">
               <a:defRPr/>
             </a:pPr>
-            <a:endParaRPr lang="fr-FR" sz="2200" dirty="0">
+            <a:endParaRPr lang="fr-FR" sz="2200">
               <a:solidFill>
                 <a:srgbClr val="4E4748"/>
               </a:solidFill>
@@ -8767,45 +9100,75 @@
               <a:defRPr/>
             </a:pPr>
             <a:r>
-              <a:rPr lang="en-NL" sz="2200" dirty="0">
+              <a:rPr lang="en-NL" sz="2200">
                 <a:solidFill>
                   <a:srgbClr val="4E4748"/>
                 </a:solidFill>
-                <a:latin typeface="Arial" charset="0"/>
-                <a:cs typeface="Arial" charset="0"/>
+                <a:latin typeface="Arial"/>
+                <a:cs typeface="Arial"/>
               </a:rPr>
               <a:t>ILO: </a:t>
             </a:r>
             <a:r>
-              <a:rPr lang="en-GB" sz="2400" b="0" i="0" dirty="0">
-                <a:solidFill>
-                  <a:srgbClr val="333333"/>
-                </a:solidFill>
-                <a:effectLst/>
-                <a:latin typeface="WordVisi_MSFontService"/>
+              <a:rPr lang="en-GB" sz="2200">
+                <a:solidFill>
+                  <a:srgbClr val="4E4748"/>
+                </a:solidFill>
+                <a:latin typeface="Arial"/>
+                <a:cs typeface="Arial"/>
               </a:rPr>
-              <a:t>Question articulation</a:t>
+              <a:t>5. Researching and Analysing</a:t>
+            </a:r>
+            <a:endParaRPr lang="en-NL" sz="2400">
+              <a:solidFill>
+                <a:srgbClr val="333333"/>
+              </a:solidFill>
+              <a:latin typeface="WordVisi_MSFontService"/>
+            </a:endParaRPr>
+          </a:p>
+          <a:p>
+            <a:pPr algn="just"/>
+            <a:endParaRPr lang="en-GB" sz="2200">
+              <a:solidFill>
+                <a:srgbClr val="4E4748"/>
+              </a:solidFill>
+              <a:latin typeface="Arial"/>
+              <a:cs typeface="Arial"/>
+            </a:endParaRPr>
+          </a:p>
+          <a:p>
+            <a:pPr algn="just"/>
+            <a:r>
+              <a:rPr lang="en-NL" altLang="fr-FR" sz="2200">
+                <a:solidFill>
+                  <a:srgbClr val="4E4748"/>
+                </a:solidFill>
+                <a:latin typeface="Arial"/>
+                <a:cs typeface="Arial"/>
+              </a:rPr>
+              <a:t>Dublin </a:t>
             </a:r>
             <a:r>
-              <a:rPr lang="en-NL" sz="2400" b="0" i="0" dirty="0">
-                <a:solidFill>
-                  <a:srgbClr val="333333"/>
-                </a:solidFill>
-                <a:effectLst/>
-                <a:latin typeface="WordVisi_MSFontService"/>
+              <a:rPr lang="en-NL" altLang="fr-FR" sz="2200" err="1">
+                <a:solidFill>
+                  <a:srgbClr val="4E4748"/>
+                </a:solidFill>
+                <a:latin typeface="Arial"/>
+                <a:cs typeface="Arial"/>
               </a:rPr>
-              <a:t>, Domain Knowledge</a:t>
+              <a:t>Descriptiors</a:t>
             </a:r>
-          </a:p>
-          <a:p>
-            <a:pPr algn="just" eaLnBrk="1" hangingPunct="1">
-              <a:spcBef>
-                <a:spcPct val="0"/>
-              </a:spcBef>
-              <a:buFontTx/>
-              <a:buNone/>
-            </a:pPr>
-            <a:endParaRPr lang="en-NL" altLang="fr-FR" sz="2200" b="1" dirty="0">
+            <a:r>
+              <a:rPr lang="en-NL" altLang="fr-FR" sz="2200">
+                <a:solidFill>
+                  <a:srgbClr val="4E4748"/>
+                </a:solidFill>
+                <a:latin typeface="Arial"/>
+                <a:cs typeface="Arial"/>
+              </a:rPr>
+              <a:t>: 1. Knowledge &amp; Insight</a:t>
+            </a:r>
+            <a:endParaRPr lang="en-NL" altLang="fr-FR" sz="2200">
               <a:solidFill>
                 <a:srgbClr val="4E4748"/>
               </a:solidFill>
@@ -8819,43 +9182,12 @@
               <a:buFontTx/>
               <a:buNone/>
             </a:pPr>
-            <a:r>
-              <a:rPr lang="en-NL" altLang="fr-FR" sz="2200" dirty="0">
-                <a:solidFill>
-                  <a:srgbClr val="4E4748"/>
-                </a:solidFill>
-              </a:rPr>
-              <a:t>Dublin </a:t>
-            </a:r>
-            <a:r>
-              <a:rPr lang="en-NL" altLang="fr-FR" sz="2200" dirty="0" err="1">
-                <a:solidFill>
-                  <a:srgbClr val="4E4748"/>
-                </a:solidFill>
-              </a:rPr>
-              <a:t>Descriptiors</a:t>
-            </a:r>
-            <a:r>
-              <a:rPr lang="en-NL" altLang="fr-FR" sz="2200" dirty="0">
-                <a:solidFill>
-                  <a:srgbClr val="4E4748"/>
-                </a:solidFill>
-              </a:rPr>
-              <a:t>: 1</a:t>
-            </a:r>
-          </a:p>
-          <a:p>
-            <a:pPr algn="just" eaLnBrk="1" hangingPunct="1">
-              <a:spcBef>
-                <a:spcPct val="0"/>
-              </a:spcBef>
-              <a:buFontTx/>
-              <a:buNone/>
-            </a:pPr>
-            <a:endParaRPr lang="en-NL" altLang="fr-FR" sz="2200" dirty="0">
+            <a:endParaRPr lang="fr-FR" sz="2200">
               <a:solidFill>
                 <a:srgbClr val="4E4748"/>
               </a:solidFill>
+              <a:latin typeface="Arial" charset="0"/>
+              <a:cs typeface="Arial" charset="0"/>
             </a:endParaRPr>
           </a:p>
           <a:p>
@@ -8866,38 +9198,10 @@
               <a:buFontTx/>
               <a:buNone/>
             </a:pPr>
-            <a:r>
-              <a:rPr lang="en-NL" altLang="fr-FR" sz="2200" dirty="0" err="1">
-                <a:solidFill>
-                  <a:srgbClr val="4E4748"/>
-                </a:solidFill>
-              </a:rPr>
-              <a:t>BoKS</a:t>
-            </a:r>
-            <a:r>
-              <a:rPr lang="en-NL" altLang="fr-FR" sz="2200" dirty="0">
-                <a:solidFill>
-                  <a:srgbClr val="4E4748"/>
-                </a:solidFill>
-              </a:rPr>
-              <a:t>:  2K1, 2S1</a:t>
-            </a:r>
-            <a:endParaRPr lang="fr-FR" altLang="fr-FR" sz="2200" dirty="0">
+            <a:endParaRPr lang="fr-FR" altLang="fr-FR" sz="2200">
               <a:solidFill>
                 <a:srgbClr val="4E4748"/>
               </a:solidFill>
-            </a:endParaRPr>
-          </a:p>
-          <a:p>
-            <a:pPr algn="just">
-              <a:defRPr/>
-            </a:pPr>
-            <a:endParaRPr lang="fr-FR" sz="2200" dirty="0">
-              <a:solidFill>
-                <a:srgbClr val="4E4748"/>
-              </a:solidFill>
-              <a:latin typeface="Arial" charset="0"/>
-              <a:cs typeface="Arial" charset="0"/>
             </a:endParaRPr>
           </a:p>
         </p:txBody>
@@ -9369,7 +9673,7 @@
                 <a:buNone/>
               </a:pPr>
               <a:r>
-                <a:rPr lang="en-NL" altLang="fr-FR" sz="4800" dirty="0">
+                <a:rPr lang="en-NL" altLang="fr-FR" sz="4800">
                   <a:solidFill>
                     <a:srgbClr val="495B64"/>
                   </a:solidFill>
@@ -9378,7 +9682,7 @@
                 <a:t>DATA VISUALISATION</a:t>
               </a:r>
               <a:r>
-                <a:rPr lang="fr-FR" altLang="fr-FR" sz="4800" dirty="0">
+                <a:rPr lang="fr-FR" altLang="fr-FR" sz="4800">
                   <a:solidFill>
                     <a:srgbClr val="495B64"/>
                   </a:solidFill>
@@ -9836,7 +10140,7 @@
                 <a:buNone/>
               </a:pPr>
               <a:r>
-                <a:rPr lang="en-NL" altLang="fr-FR" sz="4800" dirty="0">
+                <a:rPr lang="en-NL" altLang="fr-FR" sz="4800">
                   <a:solidFill>
                     <a:srgbClr val="495B64"/>
                   </a:solidFill>
@@ -9845,7 +10149,7 @@
                 <a:t>DATA CLEANING</a:t>
               </a:r>
               <a:r>
-                <a:rPr lang="fr-FR" altLang="fr-FR" sz="4800" dirty="0">
+                <a:rPr lang="fr-FR" altLang="fr-FR" sz="4800">
                   <a:solidFill>
                     <a:srgbClr val="495B64"/>
                   </a:solidFill>
@@ -10189,7 +10493,7 @@
                 <a:buNone/>
               </a:pPr>
               <a:r>
-                <a:rPr lang="en-NL" altLang="fr-FR" sz="4800" dirty="0">
+                <a:rPr lang="en-NL" altLang="fr-FR" sz="4800">
                   <a:solidFill>
                     <a:srgbClr val="495B64"/>
                   </a:solidFill>
@@ -10198,7 +10502,7 @@
                 </a:rPr>
                 <a:t>EDA METHODOLOGICAL STEPS</a:t>
               </a:r>
-              <a:endParaRPr lang="fr-FR" altLang="fr-FR" sz="4800" dirty="0">
+              <a:endParaRPr lang="fr-FR" altLang="fr-FR" sz="4800">
                 <a:solidFill>
                   <a:srgbClr val="495B64"/>
                 </a:solidFill>
@@ -10460,7 +10764,7 @@
                 <a:buNone/>
               </a:pPr>
               <a:r>
-                <a:rPr lang="en-NL" altLang="fr-FR" sz="4800" dirty="0">
+                <a:rPr lang="en-NL" altLang="fr-FR" sz="4800">
                   <a:solidFill>
                     <a:srgbClr val="495B64"/>
                   </a:solidFill>
@@ -10469,7 +10773,7 @@
                 <a:t>DATA SELECTION</a:t>
               </a:r>
               <a:r>
-                <a:rPr lang="fr-FR" altLang="fr-FR" sz="4800" dirty="0">
+                <a:rPr lang="fr-FR" altLang="fr-FR" sz="4800">
                   <a:solidFill>
                     <a:srgbClr val="495B64"/>
                   </a:solidFill>
@@ -10679,7 +10983,7 @@
                 <a:buNone/>
               </a:pPr>
               <a:r>
-                <a:rPr lang="fr-FR" altLang="fr-FR" sz="2400" dirty="0" err="1">
+                <a:rPr lang="fr-FR" altLang="fr-FR" sz="2400" err="1">
                   <a:solidFill>
                     <a:srgbClr val="495B64"/>
                   </a:solidFill>
@@ -10688,7 +10992,7 @@
                 <a:t>Text</a:t>
               </a:r>
               <a:r>
-                <a:rPr lang="fr-FR" altLang="fr-FR" sz="2400" dirty="0">
+                <a:rPr lang="fr-FR" altLang="fr-FR" sz="2400">
                   <a:solidFill>
                     <a:srgbClr val="495B64"/>
                   </a:solidFill>
@@ -10697,7 +11001,7 @@
                 <a:t> </a:t>
               </a:r>
               <a:r>
-                <a:rPr lang="fr-FR" altLang="fr-FR" sz="2400" dirty="0" err="1">
+                <a:rPr lang="fr-FR" altLang="fr-FR" sz="2400" err="1">
                   <a:solidFill>
                     <a:srgbClr val="495B64"/>
                   </a:solidFill>
@@ -10706,7 +11010,7 @@
                 <a:t>Text</a:t>
               </a:r>
               <a:r>
-                <a:rPr lang="fr-FR" altLang="fr-FR" sz="2400" dirty="0">
+                <a:rPr lang="fr-FR" altLang="fr-FR" sz="2400">
                   <a:solidFill>
                     <a:srgbClr val="495B64"/>
                   </a:solidFill>
@@ -10715,7 +11019,7 @@
                 <a:t> </a:t>
               </a:r>
               <a:r>
-                <a:rPr lang="fr-FR" altLang="fr-FR" sz="2400" dirty="0" err="1">
+                <a:rPr lang="fr-FR" altLang="fr-FR" sz="2400" err="1">
                   <a:solidFill>
                     <a:srgbClr val="495B64"/>
                   </a:solidFill>
@@ -10724,7 +11028,7 @@
                 <a:t>Text</a:t>
               </a:r>
               <a:r>
-                <a:rPr lang="fr-FR" altLang="fr-FR" sz="2400" dirty="0">
+                <a:rPr lang="fr-FR" altLang="fr-FR" sz="2400">
                   <a:solidFill>
                     <a:srgbClr val="495B64"/>
                   </a:solidFill>
@@ -10733,7 +11037,7 @@
                 <a:t> </a:t>
               </a:r>
               <a:r>
-                <a:rPr lang="fr-FR" altLang="fr-FR" sz="2400" dirty="0" err="1">
+                <a:rPr lang="fr-FR" altLang="fr-FR" sz="2400" err="1">
                   <a:solidFill>
                     <a:srgbClr val="495B64"/>
                   </a:solidFill>
@@ -10742,7 +11046,7 @@
                 <a:t>Text</a:t>
               </a:r>
               <a:r>
-                <a:rPr lang="fr-FR" altLang="fr-FR" sz="2400" dirty="0">
+                <a:rPr lang="fr-FR" altLang="fr-FR" sz="2400">
                   <a:solidFill>
                     <a:srgbClr val="495B64"/>
                   </a:solidFill>
@@ -10751,7 +11055,7 @@
                 <a:t> </a:t>
               </a:r>
               <a:r>
-                <a:rPr lang="fr-FR" altLang="fr-FR" sz="2400" dirty="0" err="1">
+                <a:rPr lang="fr-FR" altLang="fr-FR" sz="2400" err="1">
                   <a:solidFill>
                     <a:srgbClr val="495B64"/>
                   </a:solidFill>
@@ -10760,7 +11064,7 @@
                 <a:t>Text</a:t>
               </a:r>
               <a:r>
-                <a:rPr lang="fr-FR" altLang="fr-FR" sz="2400" dirty="0">
+                <a:rPr lang="fr-FR" altLang="fr-FR" sz="2400">
                   <a:solidFill>
                     <a:srgbClr val="495B64"/>
                   </a:solidFill>
@@ -10769,7 +11073,7 @@
                 <a:t> </a:t>
               </a:r>
               <a:r>
-                <a:rPr lang="fr-FR" altLang="fr-FR" sz="2400" dirty="0" err="1">
+                <a:rPr lang="fr-FR" altLang="fr-FR" sz="2400" err="1">
                   <a:solidFill>
                     <a:srgbClr val="495B64"/>
                   </a:solidFill>
@@ -10778,7 +11082,7 @@
                 <a:t>Text</a:t>
               </a:r>
               <a:r>
-                <a:rPr lang="fr-FR" altLang="fr-FR" sz="2400" dirty="0">
+                <a:rPr lang="fr-FR" altLang="fr-FR" sz="2400">
                   <a:solidFill>
                     <a:srgbClr val="495B64"/>
                   </a:solidFill>
@@ -10787,7 +11091,7 @@
                 <a:t> </a:t>
               </a:r>
               <a:r>
-                <a:rPr lang="fr-FR" altLang="fr-FR" sz="2400" dirty="0" err="1">
+                <a:rPr lang="fr-FR" altLang="fr-FR" sz="2400" err="1">
                   <a:solidFill>
                     <a:srgbClr val="495B64"/>
                   </a:solidFill>
@@ -10796,7 +11100,7 @@
                 <a:t>Text</a:t>
               </a:r>
               <a:r>
-                <a:rPr lang="fr-FR" altLang="fr-FR" sz="2400" dirty="0">
+                <a:rPr lang="fr-FR" altLang="fr-FR" sz="2400">
                   <a:solidFill>
                     <a:srgbClr val="495B64"/>
                   </a:solidFill>
@@ -10805,7 +11109,7 @@
                 <a:t> </a:t>
               </a:r>
               <a:r>
-                <a:rPr lang="fr-FR" altLang="fr-FR" sz="2400" dirty="0" err="1">
+                <a:rPr lang="fr-FR" altLang="fr-FR" sz="2400" err="1">
                   <a:solidFill>
                     <a:srgbClr val="495B64"/>
                   </a:solidFill>
@@ -10814,7 +11118,7 @@
                 <a:t>Text</a:t>
               </a:r>
               <a:r>
-                <a:rPr lang="fr-FR" altLang="fr-FR" sz="2400" dirty="0">
+                <a:rPr lang="fr-FR" altLang="fr-FR" sz="2400">
                   <a:solidFill>
                     <a:srgbClr val="495B64"/>
                   </a:solidFill>
@@ -10823,7 +11127,7 @@
                 <a:t> </a:t>
               </a:r>
               <a:r>
-                <a:rPr lang="fr-FR" altLang="fr-FR" sz="2400" dirty="0" err="1">
+                <a:rPr lang="fr-FR" altLang="fr-FR" sz="2400" err="1">
                   <a:solidFill>
                     <a:srgbClr val="495B64"/>
                   </a:solidFill>
@@ -10832,7 +11136,7 @@
                 <a:t>Text</a:t>
               </a:r>
               <a:r>
-                <a:rPr lang="fr-FR" altLang="fr-FR" sz="2400" dirty="0">
+                <a:rPr lang="fr-FR" altLang="fr-FR" sz="2400">
                   <a:solidFill>
                     <a:srgbClr val="495B64"/>
                   </a:solidFill>
@@ -10841,7 +11145,7 @@
                 <a:t> </a:t>
               </a:r>
               <a:r>
-                <a:rPr lang="fr-FR" altLang="fr-FR" sz="2400" dirty="0" err="1">
+                <a:rPr lang="fr-FR" altLang="fr-FR" sz="2400" err="1">
                   <a:solidFill>
                     <a:srgbClr val="495B64"/>
                   </a:solidFill>
@@ -10850,7 +11154,7 @@
                 <a:t>Text</a:t>
               </a:r>
               <a:r>
-                <a:rPr lang="fr-FR" altLang="fr-FR" sz="2400" dirty="0">
+                <a:rPr lang="fr-FR" altLang="fr-FR" sz="2400">
                   <a:solidFill>
                     <a:srgbClr val="495B64"/>
                   </a:solidFill>
@@ -10859,7 +11163,7 @@
                 <a:t> </a:t>
               </a:r>
               <a:r>
-                <a:rPr lang="fr-FR" altLang="fr-FR" sz="2400" dirty="0" err="1">
+                <a:rPr lang="fr-FR" altLang="fr-FR" sz="2400" err="1">
                   <a:solidFill>
                     <a:srgbClr val="495B64"/>
                   </a:solidFill>
@@ -10868,7 +11172,7 @@
                 <a:t>Text</a:t>
               </a:r>
               <a:r>
-                <a:rPr lang="fr-FR" altLang="fr-FR" sz="2400" dirty="0">
+                <a:rPr lang="fr-FR" altLang="fr-FR" sz="2400">
                   <a:solidFill>
                     <a:srgbClr val="495B64"/>
                   </a:solidFill>
@@ -10877,7 +11181,7 @@
                 <a:t> </a:t>
               </a:r>
               <a:r>
-                <a:rPr lang="fr-FR" altLang="fr-FR" sz="2400" dirty="0" err="1">
+                <a:rPr lang="fr-FR" altLang="fr-FR" sz="2400" err="1">
                   <a:solidFill>
                     <a:srgbClr val="495B64"/>
                   </a:solidFill>
@@ -10886,7 +11190,7 @@
                 <a:t>Text</a:t>
               </a:r>
               <a:r>
-                <a:rPr lang="fr-FR" altLang="fr-FR" sz="2400" dirty="0">
+                <a:rPr lang="fr-FR" altLang="fr-FR" sz="2400">
                   <a:solidFill>
                     <a:srgbClr val="495B64"/>
                   </a:solidFill>
@@ -10895,7 +11199,7 @@
                 <a:t> </a:t>
               </a:r>
               <a:r>
-                <a:rPr lang="fr-FR" altLang="fr-FR" sz="2400" dirty="0" err="1">
+                <a:rPr lang="fr-FR" altLang="fr-FR" sz="2400" err="1">
                   <a:solidFill>
                     <a:srgbClr val="495B64"/>
                   </a:solidFill>
@@ -10904,7 +11208,7 @@
                 <a:t>Text</a:t>
               </a:r>
               <a:r>
-                <a:rPr lang="fr-FR" altLang="fr-FR" sz="2400" dirty="0">
+                <a:rPr lang="fr-FR" altLang="fr-FR" sz="2400">
                   <a:solidFill>
                     <a:srgbClr val="495B64"/>
                   </a:solidFill>
@@ -10913,7 +11217,7 @@
                 <a:t> </a:t>
               </a:r>
               <a:r>
-                <a:rPr lang="fr-FR" altLang="fr-FR" sz="2400" dirty="0" err="1">
+                <a:rPr lang="fr-FR" altLang="fr-FR" sz="2400" err="1">
                   <a:solidFill>
                     <a:srgbClr val="495B64"/>
                   </a:solidFill>
@@ -10922,7 +11226,7 @@
                 <a:t>Text</a:t>
               </a:r>
               <a:r>
-                <a:rPr lang="fr-FR" altLang="fr-FR" sz="2400" dirty="0">
+                <a:rPr lang="fr-FR" altLang="fr-FR" sz="2400">
                   <a:solidFill>
                     <a:srgbClr val="495B64"/>
                   </a:solidFill>
@@ -10931,7 +11235,7 @@
                 <a:t> </a:t>
               </a:r>
               <a:r>
-                <a:rPr lang="fr-FR" altLang="fr-FR" sz="2400" dirty="0" err="1">
+                <a:rPr lang="fr-FR" altLang="fr-FR" sz="2400" err="1">
                   <a:solidFill>
                     <a:srgbClr val="495B64"/>
                   </a:solidFill>
@@ -10940,7 +11244,7 @@
                 <a:t>Text</a:t>
               </a:r>
               <a:r>
-                <a:rPr lang="fr-FR" altLang="fr-FR" sz="2400" dirty="0">
+                <a:rPr lang="fr-FR" altLang="fr-FR" sz="2400">
                   <a:solidFill>
                     <a:srgbClr val="495B64"/>
                   </a:solidFill>
@@ -10949,7 +11253,7 @@
                 <a:t> </a:t>
               </a:r>
               <a:r>
-                <a:rPr lang="fr-FR" altLang="fr-FR" sz="2400" dirty="0" err="1">
+                <a:rPr lang="fr-FR" altLang="fr-FR" sz="2400" err="1">
                   <a:solidFill>
                     <a:srgbClr val="495B64"/>
                   </a:solidFill>
@@ -10958,7 +11262,7 @@
                 <a:t>Text</a:t>
               </a:r>
               <a:r>
-                <a:rPr lang="fr-FR" altLang="fr-FR" sz="2400" dirty="0">
+                <a:rPr lang="fr-FR" altLang="fr-FR" sz="2400">
                   <a:solidFill>
                     <a:srgbClr val="495B64"/>
                   </a:solidFill>
@@ -10967,7 +11271,7 @@
                 <a:t> </a:t>
               </a:r>
               <a:r>
-                <a:rPr lang="fr-FR" altLang="fr-FR" sz="2400" dirty="0" err="1">
+                <a:rPr lang="fr-FR" altLang="fr-FR" sz="2400" err="1">
                   <a:solidFill>
                     <a:srgbClr val="495B64"/>
                   </a:solidFill>
@@ -10976,7 +11280,7 @@
                 <a:t>Text</a:t>
               </a:r>
               <a:r>
-                <a:rPr lang="fr-FR" altLang="fr-FR" sz="2400" dirty="0">
+                <a:rPr lang="fr-FR" altLang="fr-FR" sz="2400">
                   <a:solidFill>
                     <a:srgbClr val="495B64"/>
                   </a:solidFill>
@@ -10985,7 +11289,7 @@
                 <a:t> </a:t>
               </a:r>
               <a:r>
-                <a:rPr lang="fr-FR" altLang="fr-FR" sz="2400" dirty="0" err="1">
+                <a:rPr lang="fr-FR" altLang="fr-FR" sz="2400" err="1">
                   <a:solidFill>
                     <a:srgbClr val="495B64"/>
                   </a:solidFill>
@@ -10994,7 +11298,7 @@
                 <a:t>Text</a:t>
               </a:r>
               <a:r>
-                <a:rPr lang="fr-FR" altLang="fr-FR" sz="2400" dirty="0">
+                <a:rPr lang="fr-FR" altLang="fr-FR" sz="2400">
                   <a:solidFill>
                     <a:srgbClr val="495B64"/>
                   </a:solidFill>
@@ -11003,7 +11307,7 @@
                 <a:t> </a:t>
               </a:r>
               <a:r>
-                <a:rPr lang="fr-FR" altLang="fr-FR" sz="2400" dirty="0" err="1">
+                <a:rPr lang="fr-FR" altLang="fr-FR" sz="2400" err="1">
                   <a:solidFill>
                     <a:srgbClr val="495B64"/>
                   </a:solidFill>
@@ -11012,7 +11316,7 @@
                 <a:t>Text</a:t>
               </a:r>
               <a:r>
-                <a:rPr lang="fr-FR" altLang="fr-FR" sz="2400" dirty="0">
+                <a:rPr lang="fr-FR" altLang="fr-FR" sz="2400">
                   <a:solidFill>
                     <a:srgbClr val="495B64"/>
                   </a:solidFill>
@@ -11021,7 +11325,7 @@
                 <a:t> </a:t>
               </a:r>
               <a:r>
-                <a:rPr lang="fr-FR" altLang="fr-FR" sz="2400" dirty="0" err="1">
+                <a:rPr lang="fr-FR" altLang="fr-FR" sz="2400" err="1">
                   <a:solidFill>
                     <a:srgbClr val="495B64"/>
                   </a:solidFill>
@@ -11030,7 +11334,7 @@
                 <a:t>Text</a:t>
               </a:r>
               <a:r>
-                <a:rPr lang="fr-FR" altLang="fr-FR" sz="2400" dirty="0">
+                <a:rPr lang="fr-FR" altLang="fr-FR" sz="2400">
                   <a:solidFill>
                     <a:srgbClr val="495B64"/>
                   </a:solidFill>
@@ -11039,7 +11343,7 @@
                 <a:t> </a:t>
               </a:r>
               <a:r>
-                <a:rPr lang="fr-FR" altLang="fr-FR" sz="2400" dirty="0" err="1">
+                <a:rPr lang="fr-FR" altLang="fr-FR" sz="2400" err="1">
                   <a:solidFill>
                     <a:srgbClr val="495B64"/>
                   </a:solidFill>
@@ -11048,7 +11352,7 @@
                 <a:t>Text</a:t>
               </a:r>
               <a:r>
-                <a:rPr lang="fr-FR" altLang="fr-FR" sz="2400" dirty="0">
+                <a:rPr lang="fr-FR" altLang="fr-FR" sz="2400">
                   <a:solidFill>
                     <a:srgbClr val="495B64"/>
                   </a:solidFill>
@@ -11057,7 +11361,7 @@
                 <a:t> </a:t>
               </a:r>
               <a:r>
-                <a:rPr lang="fr-FR" altLang="fr-FR" sz="2400" dirty="0" err="1">
+                <a:rPr lang="fr-FR" altLang="fr-FR" sz="2400" err="1">
                   <a:solidFill>
                     <a:srgbClr val="495B64"/>
                   </a:solidFill>
@@ -11066,7 +11370,7 @@
                 <a:t>Text</a:t>
               </a:r>
               <a:r>
-                <a:rPr lang="fr-FR" altLang="fr-FR" sz="2400" dirty="0">
+                <a:rPr lang="fr-FR" altLang="fr-FR" sz="2400">
                   <a:solidFill>
                     <a:srgbClr val="495B64"/>
                   </a:solidFill>
@@ -11075,7 +11379,7 @@
                 <a:t> </a:t>
               </a:r>
               <a:r>
-                <a:rPr lang="fr-FR" altLang="fr-FR" sz="2400" dirty="0" err="1">
+                <a:rPr lang="fr-FR" altLang="fr-FR" sz="2400" err="1">
                   <a:solidFill>
                     <a:srgbClr val="495B64"/>
                   </a:solidFill>
@@ -11084,7 +11388,7 @@
                 <a:t>Text</a:t>
               </a:r>
               <a:r>
-                <a:rPr lang="fr-FR" altLang="fr-FR" sz="2400" dirty="0">
+                <a:rPr lang="fr-FR" altLang="fr-FR" sz="2400">
                   <a:solidFill>
                     <a:srgbClr val="495B64"/>
                   </a:solidFill>
@@ -11093,7 +11397,7 @@
                 <a:t> </a:t>
               </a:r>
               <a:r>
-                <a:rPr lang="fr-FR" altLang="fr-FR" sz="2400" dirty="0" err="1">
+                <a:rPr lang="fr-FR" altLang="fr-FR" sz="2400" err="1">
                   <a:solidFill>
                     <a:srgbClr val="495B64"/>
                   </a:solidFill>
@@ -11102,7 +11406,7 @@
                 <a:t>Text</a:t>
               </a:r>
               <a:r>
-                <a:rPr lang="fr-FR" altLang="fr-FR" sz="2400" dirty="0">
+                <a:rPr lang="fr-FR" altLang="fr-FR" sz="2400">
                   <a:solidFill>
                     <a:srgbClr val="495B64"/>
                   </a:solidFill>
@@ -11111,7 +11415,7 @@
                 <a:t> </a:t>
               </a:r>
               <a:r>
-                <a:rPr lang="fr-FR" altLang="fr-FR" sz="2400" dirty="0" err="1">
+                <a:rPr lang="fr-FR" altLang="fr-FR" sz="2400" err="1">
                   <a:solidFill>
                     <a:srgbClr val="495B64"/>
                   </a:solidFill>
@@ -11120,7 +11424,7 @@
                 <a:t>Text</a:t>
               </a:r>
               <a:r>
-                <a:rPr lang="fr-FR" altLang="fr-FR" sz="2400" dirty="0">
+                <a:rPr lang="fr-FR" altLang="fr-FR" sz="2400">
                   <a:solidFill>
                     <a:srgbClr val="495B64"/>
                   </a:solidFill>
@@ -11129,7 +11433,7 @@
                 <a:t> </a:t>
               </a:r>
               <a:r>
-                <a:rPr lang="fr-FR" altLang="fr-FR" sz="2400" dirty="0" err="1">
+                <a:rPr lang="fr-FR" altLang="fr-FR" sz="2400" err="1">
                   <a:solidFill>
                     <a:srgbClr val="495B64"/>
                   </a:solidFill>
@@ -11138,7 +11442,7 @@
                 <a:t>Text</a:t>
               </a:r>
               <a:r>
-                <a:rPr lang="fr-FR" altLang="fr-FR" sz="2400" dirty="0">
+                <a:rPr lang="fr-FR" altLang="fr-FR" sz="2400">
                   <a:solidFill>
                     <a:srgbClr val="495B64"/>
                   </a:solidFill>
@@ -11147,7 +11451,7 @@
                 <a:t> </a:t>
               </a:r>
               <a:r>
-                <a:rPr lang="fr-FR" altLang="fr-FR" sz="2400" dirty="0" err="1">
+                <a:rPr lang="fr-FR" altLang="fr-FR" sz="2400" err="1">
                   <a:solidFill>
                     <a:srgbClr val="495B64"/>
                   </a:solidFill>
@@ -11156,7 +11460,7 @@
                 <a:t>Text</a:t>
               </a:r>
               <a:r>
-                <a:rPr lang="fr-FR" altLang="fr-FR" sz="2400" dirty="0">
+                <a:rPr lang="fr-FR" altLang="fr-FR" sz="2400">
                   <a:solidFill>
                     <a:srgbClr val="495B64"/>
                   </a:solidFill>
@@ -11165,7 +11469,7 @@
                 <a:t> </a:t>
               </a:r>
               <a:r>
-                <a:rPr lang="fr-FR" altLang="fr-FR" sz="2400" dirty="0" err="1">
+                <a:rPr lang="fr-FR" altLang="fr-FR" sz="2400" err="1">
                   <a:solidFill>
                     <a:srgbClr val="495B64"/>
                   </a:solidFill>
@@ -11174,7 +11478,7 @@
                 <a:t>Text</a:t>
               </a:r>
               <a:r>
-                <a:rPr lang="fr-FR" altLang="fr-FR" sz="2400" dirty="0">
+                <a:rPr lang="fr-FR" altLang="fr-FR" sz="2400">
                   <a:solidFill>
                     <a:srgbClr val="495B64"/>
                   </a:solidFill>
@@ -11183,7 +11487,7 @@
                 <a:t> </a:t>
               </a:r>
               <a:r>
-                <a:rPr lang="fr-FR" altLang="fr-FR" sz="2400" dirty="0" err="1">
+                <a:rPr lang="fr-FR" altLang="fr-FR" sz="2400" err="1">
                   <a:solidFill>
                     <a:srgbClr val="495B64"/>
                   </a:solidFill>
@@ -11192,7 +11496,7 @@
                 <a:t>Text</a:t>
               </a:r>
               <a:r>
-                <a:rPr lang="fr-FR" altLang="fr-FR" sz="2400" dirty="0">
+                <a:rPr lang="fr-FR" altLang="fr-FR" sz="2400">
                   <a:solidFill>
                     <a:srgbClr val="495B64"/>
                   </a:solidFill>
@@ -11201,7 +11505,7 @@
                 <a:t> </a:t>
               </a:r>
               <a:r>
-                <a:rPr lang="fr-FR" altLang="fr-FR" sz="2400" dirty="0" err="1">
+                <a:rPr lang="fr-FR" altLang="fr-FR" sz="2400" err="1">
                   <a:solidFill>
                     <a:srgbClr val="495B64"/>
                   </a:solidFill>
@@ -11210,7 +11514,7 @@
                 <a:t>Text</a:t>
               </a:r>
               <a:r>
-                <a:rPr lang="fr-FR" altLang="fr-FR" sz="2400" dirty="0">
+                <a:rPr lang="fr-FR" altLang="fr-FR" sz="2400">
                   <a:solidFill>
                     <a:srgbClr val="495B64"/>
                   </a:solidFill>
@@ -11420,7 +11724,7 @@
                 <a:buNone/>
               </a:pPr>
               <a:r>
-                <a:rPr lang="fr-FR" altLang="fr-FR" sz="2400" dirty="0" err="1">
+                <a:rPr lang="fr-FR" altLang="fr-FR" sz="2400" err="1">
                   <a:solidFill>
                     <a:srgbClr val="495B64"/>
                   </a:solidFill>
@@ -11429,7 +11733,7 @@
                 <a:t>Text</a:t>
               </a:r>
               <a:r>
-                <a:rPr lang="fr-FR" altLang="fr-FR" sz="2400" dirty="0">
+                <a:rPr lang="fr-FR" altLang="fr-FR" sz="2400">
                   <a:solidFill>
                     <a:srgbClr val="495B64"/>
                   </a:solidFill>
@@ -11438,7 +11742,7 @@
                 <a:t> </a:t>
               </a:r>
               <a:r>
-                <a:rPr lang="fr-FR" altLang="fr-FR" sz="2400" dirty="0" err="1">
+                <a:rPr lang="fr-FR" altLang="fr-FR" sz="2400" err="1">
                   <a:solidFill>
                     <a:srgbClr val="495B64"/>
                   </a:solidFill>
@@ -11447,7 +11751,7 @@
                 <a:t>Text</a:t>
               </a:r>
               <a:r>
-                <a:rPr lang="fr-FR" altLang="fr-FR" sz="2400" dirty="0">
+                <a:rPr lang="fr-FR" altLang="fr-FR" sz="2400">
                   <a:solidFill>
                     <a:srgbClr val="495B64"/>
                   </a:solidFill>
@@ -11456,7 +11760,7 @@
                 <a:t> </a:t>
               </a:r>
               <a:r>
-                <a:rPr lang="fr-FR" altLang="fr-FR" sz="2400" dirty="0" err="1">
+                <a:rPr lang="fr-FR" altLang="fr-FR" sz="2400" err="1">
                   <a:solidFill>
                     <a:srgbClr val="495B64"/>
                   </a:solidFill>
@@ -11465,7 +11769,7 @@
                 <a:t>Text</a:t>
               </a:r>
               <a:r>
-                <a:rPr lang="fr-FR" altLang="fr-FR" sz="2400" dirty="0">
+                <a:rPr lang="fr-FR" altLang="fr-FR" sz="2400">
                   <a:solidFill>
                     <a:srgbClr val="495B64"/>
                   </a:solidFill>
@@ -11474,7 +11778,7 @@
                 <a:t> </a:t>
               </a:r>
               <a:r>
-                <a:rPr lang="fr-FR" altLang="fr-FR" sz="2400" dirty="0" err="1">
+                <a:rPr lang="fr-FR" altLang="fr-FR" sz="2400" err="1">
                   <a:solidFill>
                     <a:srgbClr val="495B64"/>
                   </a:solidFill>
@@ -11483,7 +11787,7 @@
                 <a:t>Text</a:t>
               </a:r>
               <a:r>
-                <a:rPr lang="fr-FR" altLang="fr-FR" sz="2400" dirty="0">
+                <a:rPr lang="fr-FR" altLang="fr-FR" sz="2400">
                   <a:solidFill>
                     <a:srgbClr val="495B64"/>
                   </a:solidFill>
@@ -11492,7 +11796,7 @@
                 <a:t> </a:t>
               </a:r>
               <a:r>
-                <a:rPr lang="fr-FR" altLang="fr-FR" sz="2400" dirty="0" err="1">
+                <a:rPr lang="fr-FR" altLang="fr-FR" sz="2400" err="1">
                   <a:solidFill>
                     <a:srgbClr val="495B64"/>
                   </a:solidFill>
@@ -11501,7 +11805,7 @@
                 <a:t>Text</a:t>
               </a:r>
               <a:r>
-                <a:rPr lang="fr-FR" altLang="fr-FR" sz="2400" dirty="0">
+                <a:rPr lang="fr-FR" altLang="fr-FR" sz="2400">
                   <a:solidFill>
                     <a:srgbClr val="495B64"/>
                   </a:solidFill>
@@ -11510,7 +11814,7 @@
                 <a:t> </a:t>
               </a:r>
               <a:r>
-                <a:rPr lang="fr-FR" altLang="fr-FR" sz="2400" dirty="0" err="1">
+                <a:rPr lang="fr-FR" altLang="fr-FR" sz="2400" err="1">
                   <a:solidFill>
                     <a:srgbClr val="495B64"/>
                   </a:solidFill>
@@ -11519,7 +11823,7 @@
                 <a:t>Text</a:t>
               </a:r>
               <a:r>
-                <a:rPr lang="fr-FR" altLang="fr-FR" sz="2400" dirty="0">
+                <a:rPr lang="fr-FR" altLang="fr-FR" sz="2400">
                   <a:solidFill>
                     <a:srgbClr val="495B64"/>
                   </a:solidFill>
@@ -11528,7 +11832,7 @@
                 <a:t> </a:t>
               </a:r>
               <a:r>
-                <a:rPr lang="fr-FR" altLang="fr-FR" sz="2400" dirty="0" err="1">
+                <a:rPr lang="fr-FR" altLang="fr-FR" sz="2400" err="1">
                   <a:solidFill>
                     <a:srgbClr val="495B64"/>
                   </a:solidFill>
@@ -11537,7 +11841,7 @@
                 <a:t>Text</a:t>
               </a:r>
               <a:r>
-                <a:rPr lang="fr-FR" altLang="fr-FR" sz="2400" dirty="0">
+                <a:rPr lang="fr-FR" altLang="fr-FR" sz="2400">
                   <a:solidFill>
                     <a:srgbClr val="495B64"/>
                   </a:solidFill>
@@ -11546,7 +11850,7 @@
                 <a:t> </a:t>
               </a:r>
               <a:r>
-                <a:rPr lang="fr-FR" altLang="fr-FR" sz="2400" dirty="0" err="1">
+                <a:rPr lang="fr-FR" altLang="fr-FR" sz="2400" err="1">
                   <a:solidFill>
                     <a:srgbClr val="495B64"/>
                   </a:solidFill>
@@ -11555,7 +11859,7 @@
                 <a:t>Text</a:t>
               </a:r>
               <a:r>
-                <a:rPr lang="fr-FR" altLang="fr-FR" sz="2400" dirty="0">
+                <a:rPr lang="fr-FR" altLang="fr-FR" sz="2400">
                   <a:solidFill>
                     <a:srgbClr val="495B64"/>
                   </a:solidFill>
@@ -11564,7 +11868,7 @@
                 <a:t> </a:t>
               </a:r>
               <a:r>
-                <a:rPr lang="fr-FR" altLang="fr-FR" sz="2400" dirty="0" err="1">
+                <a:rPr lang="fr-FR" altLang="fr-FR" sz="2400" err="1">
                   <a:solidFill>
                     <a:srgbClr val="495B64"/>
                   </a:solidFill>
@@ -11573,7 +11877,7 @@
                 <a:t>Text</a:t>
               </a:r>
               <a:r>
-                <a:rPr lang="fr-FR" altLang="fr-FR" sz="2400" dirty="0">
+                <a:rPr lang="fr-FR" altLang="fr-FR" sz="2400">
                   <a:solidFill>
                     <a:srgbClr val="495B64"/>
                   </a:solidFill>
@@ -11582,7 +11886,7 @@
                 <a:t> </a:t>
               </a:r>
               <a:r>
-                <a:rPr lang="fr-FR" altLang="fr-FR" sz="2400" dirty="0" err="1">
+                <a:rPr lang="fr-FR" altLang="fr-FR" sz="2400" err="1">
                   <a:solidFill>
                     <a:srgbClr val="495B64"/>
                   </a:solidFill>
@@ -11591,7 +11895,7 @@
                 <a:t>Text</a:t>
               </a:r>
               <a:r>
-                <a:rPr lang="fr-FR" altLang="fr-FR" sz="2400" dirty="0">
+                <a:rPr lang="fr-FR" altLang="fr-FR" sz="2400">
                   <a:solidFill>
                     <a:srgbClr val="495B64"/>
                   </a:solidFill>
@@ -11600,7 +11904,7 @@
                 <a:t> </a:t>
               </a:r>
               <a:r>
-                <a:rPr lang="fr-FR" altLang="fr-FR" sz="2400" dirty="0" err="1">
+                <a:rPr lang="fr-FR" altLang="fr-FR" sz="2400" err="1">
                   <a:solidFill>
                     <a:srgbClr val="495B64"/>
                   </a:solidFill>
@@ -11609,7 +11913,7 @@
                 <a:t>Text</a:t>
               </a:r>
               <a:r>
-                <a:rPr lang="fr-FR" altLang="fr-FR" sz="2400" dirty="0">
+                <a:rPr lang="fr-FR" altLang="fr-FR" sz="2400">
                   <a:solidFill>
                     <a:srgbClr val="495B64"/>
                   </a:solidFill>
@@ -11618,7 +11922,7 @@
                 <a:t> </a:t>
               </a:r>
               <a:r>
-                <a:rPr lang="fr-FR" altLang="fr-FR" sz="2400" dirty="0" err="1">
+                <a:rPr lang="fr-FR" altLang="fr-FR" sz="2400" err="1">
                   <a:solidFill>
                     <a:srgbClr val="495B64"/>
                   </a:solidFill>
@@ -11627,7 +11931,7 @@
                 <a:t>Text</a:t>
               </a:r>
               <a:r>
-                <a:rPr lang="fr-FR" altLang="fr-FR" sz="2400" dirty="0">
+                <a:rPr lang="fr-FR" altLang="fr-FR" sz="2400">
                   <a:solidFill>
                     <a:srgbClr val="495B64"/>
                   </a:solidFill>
@@ -11636,7 +11940,7 @@
                 <a:t> </a:t>
               </a:r>
               <a:r>
-                <a:rPr lang="fr-FR" altLang="fr-FR" sz="2400" dirty="0" err="1">
+                <a:rPr lang="fr-FR" altLang="fr-FR" sz="2400" err="1">
                   <a:solidFill>
                     <a:srgbClr val="495B64"/>
                   </a:solidFill>
@@ -11645,7 +11949,7 @@
                 <a:t>Text</a:t>
               </a:r>
               <a:r>
-                <a:rPr lang="fr-FR" altLang="fr-FR" sz="2400" dirty="0">
+                <a:rPr lang="fr-FR" altLang="fr-FR" sz="2400">
                   <a:solidFill>
                     <a:srgbClr val="495B64"/>
                   </a:solidFill>
@@ -11654,7 +11958,7 @@
                 <a:t> </a:t>
               </a:r>
               <a:r>
-                <a:rPr lang="fr-FR" altLang="fr-FR" sz="2400" dirty="0" err="1">
+                <a:rPr lang="fr-FR" altLang="fr-FR" sz="2400" err="1">
                   <a:solidFill>
                     <a:srgbClr val="495B64"/>
                   </a:solidFill>
@@ -11663,7 +11967,7 @@
                 <a:t>Text</a:t>
               </a:r>
               <a:r>
-                <a:rPr lang="fr-FR" altLang="fr-FR" sz="2400" dirty="0">
+                <a:rPr lang="fr-FR" altLang="fr-FR" sz="2400">
                   <a:solidFill>
                     <a:srgbClr val="495B64"/>
                   </a:solidFill>
@@ -11672,7 +11976,7 @@
                 <a:t> </a:t>
               </a:r>
               <a:r>
-                <a:rPr lang="fr-FR" altLang="fr-FR" sz="2400" dirty="0" err="1">
+                <a:rPr lang="fr-FR" altLang="fr-FR" sz="2400" err="1">
                   <a:solidFill>
                     <a:srgbClr val="495B64"/>
                   </a:solidFill>
@@ -11681,7 +11985,7 @@
                 <a:t>Text</a:t>
               </a:r>
               <a:r>
-                <a:rPr lang="fr-FR" altLang="fr-FR" sz="2400" dirty="0">
+                <a:rPr lang="fr-FR" altLang="fr-FR" sz="2400">
                   <a:solidFill>
                     <a:srgbClr val="495B64"/>
                   </a:solidFill>
@@ -11690,7 +11994,7 @@
                 <a:t> </a:t>
               </a:r>
               <a:r>
-                <a:rPr lang="fr-FR" altLang="fr-FR" sz="2400" dirty="0" err="1">
+                <a:rPr lang="fr-FR" altLang="fr-FR" sz="2400" err="1">
                   <a:solidFill>
                     <a:srgbClr val="495B64"/>
                   </a:solidFill>
@@ -11699,7 +12003,7 @@
                 <a:t>Text</a:t>
               </a:r>
               <a:r>
-                <a:rPr lang="fr-FR" altLang="fr-FR" sz="2400" dirty="0">
+                <a:rPr lang="fr-FR" altLang="fr-FR" sz="2400">
                   <a:solidFill>
                     <a:srgbClr val="495B64"/>
                   </a:solidFill>
@@ -11708,7 +12012,7 @@
                 <a:t> </a:t>
               </a:r>
               <a:r>
-                <a:rPr lang="fr-FR" altLang="fr-FR" sz="2400" dirty="0" err="1">
+                <a:rPr lang="fr-FR" altLang="fr-FR" sz="2400" err="1">
                   <a:solidFill>
                     <a:srgbClr val="495B64"/>
                   </a:solidFill>
@@ -11717,7 +12021,7 @@
                 <a:t>Text</a:t>
               </a:r>
               <a:r>
-                <a:rPr lang="fr-FR" altLang="fr-FR" sz="2400" dirty="0">
+                <a:rPr lang="fr-FR" altLang="fr-FR" sz="2400">
                   <a:solidFill>
                     <a:srgbClr val="495B64"/>
                   </a:solidFill>
@@ -11726,7 +12030,7 @@
                 <a:t> </a:t>
               </a:r>
               <a:r>
-                <a:rPr lang="fr-FR" altLang="fr-FR" sz="2400" dirty="0" err="1">
+                <a:rPr lang="fr-FR" altLang="fr-FR" sz="2400" err="1">
                   <a:solidFill>
                     <a:srgbClr val="495B64"/>
                   </a:solidFill>
@@ -11735,7 +12039,7 @@
                 <a:t>Text</a:t>
               </a:r>
               <a:r>
-                <a:rPr lang="fr-FR" altLang="fr-FR" sz="2400" dirty="0">
+                <a:rPr lang="fr-FR" altLang="fr-FR" sz="2400">
                   <a:solidFill>
                     <a:srgbClr val="495B64"/>
                   </a:solidFill>
@@ -11744,7 +12048,7 @@
                 <a:t> </a:t>
               </a:r>
               <a:r>
-                <a:rPr lang="fr-FR" altLang="fr-FR" sz="2400" dirty="0" err="1">
+                <a:rPr lang="fr-FR" altLang="fr-FR" sz="2400" err="1">
                   <a:solidFill>
                     <a:srgbClr val="495B64"/>
                   </a:solidFill>
@@ -11753,7 +12057,7 @@
                 <a:t>Text</a:t>
               </a:r>
               <a:r>
-                <a:rPr lang="fr-FR" altLang="fr-FR" sz="2400" dirty="0">
+                <a:rPr lang="fr-FR" altLang="fr-FR" sz="2400">
                   <a:solidFill>
                     <a:srgbClr val="495B64"/>
                   </a:solidFill>
@@ -11762,7 +12066,7 @@
                 <a:t> </a:t>
               </a:r>
               <a:r>
-                <a:rPr lang="fr-FR" altLang="fr-FR" sz="2400" dirty="0" err="1">
+                <a:rPr lang="fr-FR" altLang="fr-FR" sz="2400" err="1">
                   <a:solidFill>
                     <a:srgbClr val="495B64"/>
                   </a:solidFill>
@@ -11771,7 +12075,7 @@
                 <a:t>Text</a:t>
               </a:r>
               <a:r>
-                <a:rPr lang="fr-FR" altLang="fr-FR" sz="2400" dirty="0">
+                <a:rPr lang="fr-FR" altLang="fr-FR" sz="2400">
                   <a:solidFill>
                     <a:srgbClr val="495B64"/>
                   </a:solidFill>
@@ -11780,7 +12084,7 @@
                 <a:t> </a:t>
               </a:r>
               <a:r>
-                <a:rPr lang="fr-FR" altLang="fr-FR" sz="2400" dirty="0" err="1">
+                <a:rPr lang="fr-FR" altLang="fr-FR" sz="2400" err="1">
                   <a:solidFill>
                     <a:srgbClr val="495B64"/>
                   </a:solidFill>
@@ -11789,7 +12093,7 @@
                 <a:t>Text</a:t>
               </a:r>
               <a:r>
-                <a:rPr lang="fr-FR" altLang="fr-FR" sz="2400" dirty="0">
+                <a:rPr lang="fr-FR" altLang="fr-FR" sz="2400">
                   <a:solidFill>
                     <a:srgbClr val="495B64"/>
                   </a:solidFill>
@@ -11798,7 +12102,7 @@
                 <a:t> </a:t>
               </a:r>
               <a:r>
-                <a:rPr lang="fr-FR" altLang="fr-FR" sz="2400" dirty="0" err="1">
+                <a:rPr lang="fr-FR" altLang="fr-FR" sz="2400" err="1">
                   <a:solidFill>
                     <a:srgbClr val="495B64"/>
                   </a:solidFill>
@@ -11807,7 +12111,7 @@
                 <a:t>Text</a:t>
               </a:r>
               <a:r>
-                <a:rPr lang="fr-FR" altLang="fr-FR" sz="2400" dirty="0">
+                <a:rPr lang="fr-FR" altLang="fr-FR" sz="2400">
                   <a:solidFill>
                     <a:srgbClr val="495B64"/>
                   </a:solidFill>
@@ -11816,7 +12120,7 @@
                 <a:t> </a:t>
               </a:r>
               <a:r>
-                <a:rPr lang="fr-FR" altLang="fr-FR" sz="2400" dirty="0" err="1">
+                <a:rPr lang="fr-FR" altLang="fr-FR" sz="2400" err="1">
                   <a:solidFill>
                     <a:srgbClr val="495B64"/>
                   </a:solidFill>
@@ -11825,7 +12129,7 @@
                 <a:t>Text</a:t>
               </a:r>
               <a:r>
-                <a:rPr lang="fr-FR" altLang="fr-FR" sz="2400" dirty="0">
+                <a:rPr lang="fr-FR" altLang="fr-FR" sz="2400">
                   <a:solidFill>
                     <a:srgbClr val="495B64"/>
                   </a:solidFill>
@@ -11834,7 +12138,7 @@
                 <a:t> </a:t>
               </a:r>
               <a:r>
-                <a:rPr lang="fr-FR" altLang="fr-FR" sz="2400" dirty="0" err="1">
+                <a:rPr lang="fr-FR" altLang="fr-FR" sz="2400" err="1">
                   <a:solidFill>
                     <a:srgbClr val="495B64"/>
                   </a:solidFill>
@@ -11843,7 +12147,7 @@
                 <a:t>Text</a:t>
               </a:r>
               <a:r>
-                <a:rPr lang="fr-FR" altLang="fr-FR" sz="2400" dirty="0">
+                <a:rPr lang="fr-FR" altLang="fr-FR" sz="2400">
                   <a:solidFill>
                     <a:srgbClr val="495B64"/>
                   </a:solidFill>
@@ -11852,7 +12156,7 @@
                 <a:t> </a:t>
               </a:r>
               <a:r>
-                <a:rPr lang="fr-FR" altLang="fr-FR" sz="2400" dirty="0" err="1">
+                <a:rPr lang="fr-FR" altLang="fr-FR" sz="2400" err="1">
                   <a:solidFill>
                     <a:srgbClr val="495B64"/>
                   </a:solidFill>
@@ -11861,7 +12165,7 @@
                 <a:t>Text</a:t>
               </a:r>
               <a:r>
-                <a:rPr lang="fr-FR" altLang="fr-FR" sz="2400" dirty="0">
+                <a:rPr lang="fr-FR" altLang="fr-FR" sz="2400">
                   <a:solidFill>
                     <a:srgbClr val="495B64"/>
                   </a:solidFill>
@@ -11870,7 +12174,7 @@
                 <a:t> </a:t>
               </a:r>
               <a:r>
-                <a:rPr lang="fr-FR" altLang="fr-FR" sz="2400" dirty="0" err="1">
+                <a:rPr lang="fr-FR" altLang="fr-FR" sz="2400" err="1">
                   <a:solidFill>
                     <a:srgbClr val="495B64"/>
                   </a:solidFill>
@@ -11879,7 +12183,7 @@
                 <a:t>Text</a:t>
               </a:r>
               <a:r>
-                <a:rPr lang="fr-FR" altLang="fr-FR" sz="2400" dirty="0">
+                <a:rPr lang="fr-FR" altLang="fr-FR" sz="2400">
                   <a:solidFill>
                     <a:srgbClr val="495B64"/>
                   </a:solidFill>
@@ -11888,7 +12192,7 @@
                 <a:t> </a:t>
               </a:r>
               <a:r>
-                <a:rPr lang="fr-FR" altLang="fr-FR" sz="2400" dirty="0" err="1">
+                <a:rPr lang="fr-FR" altLang="fr-FR" sz="2400" err="1">
                   <a:solidFill>
                     <a:srgbClr val="495B64"/>
                   </a:solidFill>
@@ -11897,7 +12201,7 @@
                 <a:t>Text</a:t>
               </a:r>
               <a:r>
-                <a:rPr lang="fr-FR" altLang="fr-FR" sz="2400" dirty="0">
+                <a:rPr lang="fr-FR" altLang="fr-FR" sz="2400">
                   <a:solidFill>
                     <a:srgbClr val="495B64"/>
                   </a:solidFill>
@@ -11906,7 +12210,7 @@
                 <a:t> </a:t>
               </a:r>
               <a:r>
-                <a:rPr lang="fr-FR" altLang="fr-FR" sz="2400" dirty="0" err="1">
+                <a:rPr lang="fr-FR" altLang="fr-FR" sz="2400" err="1">
                   <a:solidFill>
                     <a:srgbClr val="495B64"/>
                   </a:solidFill>
@@ -11915,7 +12219,7 @@
                 <a:t>Text</a:t>
               </a:r>
               <a:r>
-                <a:rPr lang="fr-FR" altLang="fr-FR" sz="2400" dirty="0">
+                <a:rPr lang="fr-FR" altLang="fr-FR" sz="2400">
                   <a:solidFill>
                     <a:srgbClr val="495B64"/>
                   </a:solidFill>
@@ -11924,7 +12228,7 @@
                 <a:t> </a:t>
               </a:r>
               <a:r>
-                <a:rPr lang="fr-FR" altLang="fr-FR" sz="2400" dirty="0" err="1">
+                <a:rPr lang="fr-FR" altLang="fr-FR" sz="2400" err="1">
                   <a:solidFill>
                     <a:srgbClr val="495B64"/>
                   </a:solidFill>
@@ -11933,7 +12237,7 @@
                 <a:t>Text</a:t>
               </a:r>
               <a:r>
-                <a:rPr lang="fr-FR" altLang="fr-FR" sz="2400" dirty="0">
+                <a:rPr lang="fr-FR" altLang="fr-FR" sz="2400">
                   <a:solidFill>
                     <a:srgbClr val="495B64"/>
                   </a:solidFill>
@@ -11942,7 +12246,7 @@
                 <a:t> </a:t>
               </a:r>
               <a:r>
-                <a:rPr lang="fr-FR" altLang="fr-FR" sz="2400" dirty="0" err="1">
+                <a:rPr lang="fr-FR" altLang="fr-FR" sz="2400" err="1">
                   <a:solidFill>
                     <a:srgbClr val="495B64"/>
                   </a:solidFill>
@@ -11951,7 +12255,7 @@
                 <a:t>Text</a:t>
               </a:r>
               <a:r>
-                <a:rPr lang="fr-FR" altLang="fr-FR" sz="2400" dirty="0">
+                <a:rPr lang="fr-FR" altLang="fr-FR" sz="2400">
                   <a:solidFill>
                     <a:srgbClr val="495B64"/>
                   </a:solidFill>
@@ -12161,7 +12465,7 @@
                 <a:buNone/>
               </a:pPr>
               <a:r>
-                <a:rPr lang="fr-FR" altLang="fr-FR" sz="2400" dirty="0" err="1">
+                <a:rPr lang="fr-FR" altLang="fr-FR" sz="2400" err="1">
                   <a:solidFill>
                     <a:srgbClr val="495B64"/>
                   </a:solidFill>
@@ -12170,7 +12474,7 @@
                 <a:t>Text</a:t>
               </a:r>
               <a:r>
-                <a:rPr lang="fr-FR" altLang="fr-FR" sz="2400" dirty="0">
+                <a:rPr lang="fr-FR" altLang="fr-FR" sz="2400">
                   <a:solidFill>
                     <a:srgbClr val="495B64"/>
                   </a:solidFill>
@@ -12179,7 +12483,7 @@
                 <a:t> </a:t>
               </a:r>
               <a:r>
-                <a:rPr lang="fr-FR" altLang="fr-FR" sz="2400" dirty="0" err="1">
+                <a:rPr lang="fr-FR" altLang="fr-FR" sz="2400" err="1">
                   <a:solidFill>
                     <a:srgbClr val="495B64"/>
                   </a:solidFill>
@@ -12188,7 +12492,7 @@
                 <a:t>Text</a:t>
               </a:r>
               <a:r>
-                <a:rPr lang="fr-FR" altLang="fr-FR" sz="2400" dirty="0">
+                <a:rPr lang="fr-FR" altLang="fr-FR" sz="2400">
                   <a:solidFill>
                     <a:srgbClr val="495B64"/>
                   </a:solidFill>
@@ -12197,7 +12501,7 @@
                 <a:t> </a:t>
               </a:r>
               <a:r>
-                <a:rPr lang="en-GB" altLang="fr-FR" sz="2400" dirty="0">
+                <a:rPr lang="en-GB" altLang="fr-FR" sz="2400">
                   <a:solidFill>
                     <a:srgbClr val="495B64"/>
                   </a:solidFill>
@@ -12206,7 +12510,7 @@
                 <a:t>Text</a:t>
               </a:r>
               <a:r>
-                <a:rPr lang="fr-FR" altLang="fr-FR" sz="2400" dirty="0">
+                <a:rPr lang="fr-FR" altLang="fr-FR" sz="2400">
                   <a:solidFill>
                     <a:srgbClr val="495B64"/>
                   </a:solidFill>
@@ -12215,7 +12519,7 @@
                 <a:t> </a:t>
               </a:r>
               <a:r>
-                <a:rPr lang="fr-FR" altLang="fr-FR" sz="2400" dirty="0" err="1">
+                <a:rPr lang="fr-FR" altLang="fr-FR" sz="2400" err="1">
                   <a:solidFill>
                     <a:srgbClr val="495B64"/>
                   </a:solidFill>
@@ -12224,7 +12528,7 @@
                 <a:t>Text</a:t>
               </a:r>
               <a:r>
-                <a:rPr lang="fr-FR" altLang="fr-FR" sz="2400" dirty="0">
+                <a:rPr lang="fr-FR" altLang="fr-FR" sz="2400">
                   <a:solidFill>
                     <a:srgbClr val="495B64"/>
                   </a:solidFill>
@@ -12233,7 +12537,7 @@
                 <a:t> </a:t>
               </a:r>
               <a:r>
-                <a:rPr lang="fr-FR" altLang="fr-FR" sz="2400" dirty="0" err="1">
+                <a:rPr lang="fr-FR" altLang="fr-FR" sz="2400" err="1">
                   <a:solidFill>
                     <a:srgbClr val="495B64"/>
                   </a:solidFill>
@@ -12242,7 +12546,7 @@
                 <a:t>Text</a:t>
               </a:r>
               <a:r>
-                <a:rPr lang="fr-FR" altLang="fr-FR" sz="2400" dirty="0">
+                <a:rPr lang="fr-FR" altLang="fr-FR" sz="2400">
                   <a:solidFill>
                     <a:srgbClr val="495B64"/>
                   </a:solidFill>
@@ -12251,7 +12555,7 @@
                 <a:t> </a:t>
               </a:r>
               <a:r>
-                <a:rPr lang="fr-FR" altLang="fr-FR" sz="2400" dirty="0" err="1">
+                <a:rPr lang="fr-FR" altLang="fr-FR" sz="2400" err="1">
                   <a:solidFill>
                     <a:srgbClr val="495B64"/>
                   </a:solidFill>
@@ -12260,7 +12564,7 @@
                 <a:t>Text</a:t>
               </a:r>
               <a:r>
-                <a:rPr lang="fr-FR" altLang="fr-FR" sz="2400" dirty="0">
+                <a:rPr lang="fr-FR" altLang="fr-FR" sz="2400">
                   <a:solidFill>
                     <a:srgbClr val="495B64"/>
                   </a:solidFill>
@@ -12269,7 +12573,7 @@
                 <a:t> </a:t>
               </a:r>
               <a:r>
-                <a:rPr lang="fr-FR" altLang="fr-FR" sz="2400" dirty="0" err="1">
+                <a:rPr lang="fr-FR" altLang="fr-FR" sz="2400" err="1">
                   <a:solidFill>
                     <a:srgbClr val="495B64"/>
                   </a:solidFill>
@@ -12278,7 +12582,7 @@
                 <a:t>Text</a:t>
               </a:r>
               <a:r>
-                <a:rPr lang="fr-FR" altLang="fr-FR" sz="2400" dirty="0">
+                <a:rPr lang="fr-FR" altLang="fr-FR" sz="2400">
                   <a:solidFill>
                     <a:srgbClr val="495B64"/>
                   </a:solidFill>
@@ -12287,7 +12591,7 @@
                 <a:t> </a:t>
               </a:r>
               <a:r>
-                <a:rPr lang="fr-FR" altLang="fr-FR" sz="2400" dirty="0" err="1">
+                <a:rPr lang="fr-FR" altLang="fr-FR" sz="2400" err="1">
                   <a:solidFill>
                     <a:srgbClr val="495B64"/>
                   </a:solidFill>
@@ -12296,7 +12600,7 @@
                 <a:t>Text</a:t>
               </a:r>
               <a:r>
-                <a:rPr lang="fr-FR" altLang="fr-FR" sz="2400" dirty="0">
+                <a:rPr lang="fr-FR" altLang="fr-FR" sz="2400">
                   <a:solidFill>
                     <a:srgbClr val="495B64"/>
                   </a:solidFill>
@@ -12305,7 +12609,7 @@
                 <a:t> </a:t>
               </a:r>
               <a:r>
-                <a:rPr lang="fr-FR" altLang="fr-FR" sz="2400" dirty="0" err="1">
+                <a:rPr lang="fr-FR" altLang="fr-FR" sz="2400" err="1">
                   <a:solidFill>
                     <a:srgbClr val="495B64"/>
                   </a:solidFill>
@@ -12314,7 +12618,7 @@
                 <a:t>Text</a:t>
               </a:r>
               <a:r>
-                <a:rPr lang="fr-FR" altLang="fr-FR" sz="2400" dirty="0">
+                <a:rPr lang="fr-FR" altLang="fr-FR" sz="2400">
                   <a:solidFill>
                     <a:srgbClr val="495B64"/>
                   </a:solidFill>
@@ -12323,7 +12627,7 @@
                 <a:t> </a:t>
               </a:r>
               <a:r>
-                <a:rPr lang="fr-FR" altLang="fr-FR" sz="2400" dirty="0" err="1">
+                <a:rPr lang="fr-FR" altLang="fr-FR" sz="2400" err="1">
                   <a:solidFill>
                     <a:srgbClr val="495B64"/>
                   </a:solidFill>
@@ -12332,7 +12636,7 @@
                 <a:t>Text</a:t>
               </a:r>
               <a:r>
-                <a:rPr lang="fr-FR" altLang="fr-FR" sz="2400" dirty="0">
+                <a:rPr lang="fr-FR" altLang="fr-FR" sz="2400">
                   <a:solidFill>
                     <a:srgbClr val="495B64"/>
                   </a:solidFill>
@@ -12341,7 +12645,7 @@
                 <a:t> </a:t>
               </a:r>
               <a:r>
-                <a:rPr lang="fr-FR" altLang="fr-FR" sz="2400" dirty="0" err="1">
+                <a:rPr lang="fr-FR" altLang="fr-FR" sz="2400" err="1">
                   <a:solidFill>
                     <a:srgbClr val="495B64"/>
                   </a:solidFill>
@@ -12350,7 +12654,7 @@
                 <a:t>Text</a:t>
               </a:r>
               <a:r>
-                <a:rPr lang="fr-FR" altLang="fr-FR" sz="2400" dirty="0">
+                <a:rPr lang="fr-FR" altLang="fr-FR" sz="2400">
                   <a:solidFill>
                     <a:srgbClr val="495B64"/>
                   </a:solidFill>
@@ -12359,7 +12663,7 @@
                 <a:t> </a:t>
               </a:r>
               <a:r>
-                <a:rPr lang="fr-FR" altLang="fr-FR" sz="2400" dirty="0" err="1">
+                <a:rPr lang="fr-FR" altLang="fr-FR" sz="2400" err="1">
                   <a:solidFill>
                     <a:srgbClr val="495B64"/>
                   </a:solidFill>
@@ -12368,7 +12672,7 @@
                 <a:t>Text</a:t>
               </a:r>
               <a:r>
-                <a:rPr lang="fr-FR" altLang="fr-FR" sz="2400" dirty="0">
+                <a:rPr lang="fr-FR" altLang="fr-FR" sz="2400">
                   <a:solidFill>
                     <a:srgbClr val="495B64"/>
                   </a:solidFill>
@@ -12377,7 +12681,7 @@
                 <a:t> </a:t>
               </a:r>
               <a:r>
-                <a:rPr lang="fr-FR" altLang="fr-FR" sz="2400" dirty="0" err="1">
+                <a:rPr lang="fr-FR" altLang="fr-FR" sz="2400" err="1">
                   <a:solidFill>
                     <a:srgbClr val="495B64"/>
                   </a:solidFill>
@@ -12386,7 +12690,7 @@
                 <a:t>Text</a:t>
               </a:r>
               <a:r>
-                <a:rPr lang="fr-FR" altLang="fr-FR" sz="2400" dirty="0">
+                <a:rPr lang="fr-FR" altLang="fr-FR" sz="2400">
                   <a:solidFill>
                     <a:srgbClr val="495B64"/>
                   </a:solidFill>
@@ -12395,7 +12699,7 @@
                 <a:t> </a:t>
               </a:r>
               <a:r>
-                <a:rPr lang="fr-FR" altLang="fr-FR" sz="2400" dirty="0" err="1">
+                <a:rPr lang="fr-FR" altLang="fr-FR" sz="2400" err="1">
                   <a:solidFill>
                     <a:srgbClr val="495B64"/>
                   </a:solidFill>
@@ -12404,7 +12708,7 @@
                 <a:t>Text</a:t>
               </a:r>
               <a:r>
-                <a:rPr lang="fr-FR" altLang="fr-FR" sz="2400" dirty="0">
+                <a:rPr lang="fr-FR" altLang="fr-FR" sz="2400">
                   <a:solidFill>
                     <a:srgbClr val="495B64"/>
                   </a:solidFill>
@@ -12413,7 +12717,7 @@
                 <a:t> </a:t>
               </a:r>
               <a:r>
-                <a:rPr lang="fr-FR" altLang="fr-FR" sz="2400" dirty="0" err="1">
+                <a:rPr lang="fr-FR" altLang="fr-FR" sz="2400" err="1">
                   <a:solidFill>
                     <a:srgbClr val="495B64"/>
                   </a:solidFill>
@@ -12422,7 +12726,7 @@
                 <a:t>Text</a:t>
               </a:r>
               <a:r>
-                <a:rPr lang="fr-FR" altLang="fr-FR" sz="2400" dirty="0">
+                <a:rPr lang="fr-FR" altLang="fr-FR" sz="2400">
                   <a:solidFill>
                     <a:srgbClr val="495B64"/>
                   </a:solidFill>
@@ -12431,7 +12735,7 @@
                 <a:t> </a:t>
               </a:r>
               <a:r>
-                <a:rPr lang="fr-FR" altLang="fr-FR" sz="2400" dirty="0" err="1">
+                <a:rPr lang="fr-FR" altLang="fr-FR" sz="2400" err="1">
                   <a:solidFill>
                     <a:srgbClr val="495B64"/>
                   </a:solidFill>
@@ -12440,7 +12744,7 @@
                 <a:t>Text</a:t>
               </a:r>
               <a:r>
-                <a:rPr lang="fr-FR" altLang="fr-FR" sz="2400" dirty="0">
+                <a:rPr lang="fr-FR" altLang="fr-FR" sz="2400">
                   <a:solidFill>
                     <a:srgbClr val="495B64"/>
                   </a:solidFill>
@@ -12449,7 +12753,7 @@
                 <a:t> </a:t>
               </a:r>
               <a:r>
-                <a:rPr lang="fr-FR" altLang="fr-FR" sz="2400" dirty="0" err="1">
+                <a:rPr lang="fr-FR" altLang="fr-FR" sz="2400" err="1">
                   <a:solidFill>
                     <a:srgbClr val="495B64"/>
                   </a:solidFill>
@@ -12458,7 +12762,7 @@
                 <a:t>Text</a:t>
               </a:r>
               <a:r>
-                <a:rPr lang="fr-FR" altLang="fr-FR" sz="2400" dirty="0">
+                <a:rPr lang="fr-FR" altLang="fr-FR" sz="2400">
                   <a:solidFill>
                     <a:srgbClr val="495B64"/>
                   </a:solidFill>
@@ -12467,7 +12771,7 @@
                 <a:t> </a:t>
               </a:r>
               <a:r>
-                <a:rPr lang="fr-FR" altLang="fr-FR" sz="2400" dirty="0" err="1">
+                <a:rPr lang="fr-FR" altLang="fr-FR" sz="2400" err="1">
                   <a:solidFill>
                     <a:srgbClr val="495B64"/>
                   </a:solidFill>
@@ -12476,7 +12780,7 @@
                 <a:t>Text</a:t>
               </a:r>
               <a:r>
-                <a:rPr lang="fr-FR" altLang="fr-FR" sz="2400" dirty="0">
+                <a:rPr lang="fr-FR" altLang="fr-FR" sz="2400">
                   <a:solidFill>
                     <a:srgbClr val="495B64"/>
                   </a:solidFill>
@@ -12485,7 +12789,7 @@
                 <a:t> </a:t>
               </a:r>
               <a:r>
-                <a:rPr lang="fr-FR" altLang="fr-FR" sz="2400" dirty="0" err="1">
+                <a:rPr lang="fr-FR" altLang="fr-FR" sz="2400" err="1">
                   <a:solidFill>
                     <a:srgbClr val="495B64"/>
                   </a:solidFill>
@@ -12494,7 +12798,7 @@
                 <a:t>Text</a:t>
               </a:r>
               <a:r>
-                <a:rPr lang="fr-FR" altLang="fr-FR" sz="2400" dirty="0">
+                <a:rPr lang="fr-FR" altLang="fr-FR" sz="2400">
                   <a:solidFill>
                     <a:srgbClr val="495B64"/>
                   </a:solidFill>
@@ -12503,7 +12807,7 @@
                 <a:t> </a:t>
               </a:r>
               <a:r>
-                <a:rPr lang="fr-FR" altLang="fr-FR" sz="2400" dirty="0" err="1">
+                <a:rPr lang="fr-FR" altLang="fr-FR" sz="2400" err="1">
                   <a:solidFill>
                     <a:srgbClr val="495B64"/>
                   </a:solidFill>
@@ -12512,7 +12816,7 @@
                 <a:t>Text</a:t>
               </a:r>
               <a:r>
-                <a:rPr lang="fr-FR" altLang="fr-FR" sz="2400" dirty="0">
+                <a:rPr lang="fr-FR" altLang="fr-FR" sz="2400">
                   <a:solidFill>
                     <a:srgbClr val="495B64"/>
                   </a:solidFill>
@@ -12521,7 +12825,7 @@
                 <a:t> </a:t>
               </a:r>
               <a:r>
-                <a:rPr lang="fr-FR" altLang="fr-FR" sz="2400" dirty="0" err="1">
+                <a:rPr lang="fr-FR" altLang="fr-FR" sz="2400" err="1">
                   <a:solidFill>
                     <a:srgbClr val="495B64"/>
                   </a:solidFill>
@@ -12530,7 +12834,7 @@
                 <a:t>Text</a:t>
               </a:r>
               <a:r>
-                <a:rPr lang="fr-FR" altLang="fr-FR" sz="2400" dirty="0">
+                <a:rPr lang="fr-FR" altLang="fr-FR" sz="2400">
                   <a:solidFill>
                     <a:srgbClr val="495B64"/>
                   </a:solidFill>
@@ -12539,7 +12843,7 @@
                 <a:t> </a:t>
               </a:r>
               <a:r>
-                <a:rPr lang="fr-FR" altLang="fr-FR" sz="2400" dirty="0" err="1">
+                <a:rPr lang="fr-FR" altLang="fr-FR" sz="2400" err="1">
                   <a:solidFill>
                     <a:srgbClr val="495B64"/>
                   </a:solidFill>
@@ -12548,7 +12852,7 @@
                 <a:t>Text</a:t>
               </a:r>
               <a:r>
-                <a:rPr lang="fr-FR" altLang="fr-FR" sz="2400" dirty="0">
+                <a:rPr lang="fr-FR" altLang="fr-FR" sz="2400">
                   <a:solidFill>
                     <a:srgbClr val="495B64"/>
                   </a:solidFill>
@@ -12557,7 +12861,7 @@
                 <a:t> </a:t>
               </a:r>
               <a:r>
-                <a:rPr lang="fr-FR" altLang="fr-FR" sz="2400" dirty="0" err="1">
+                <a:rPr lang="fr-FR" altLang="fr-FR" sz="2400" err="1">
                   <a:solidFill>
                     <a:srgbClr val="495B64"/>
                   </a:solidFill>
@@ -12566,7 +12870,7 @@
                 <a:t>Text</a:t>
               </a:r>
               <a:r>
-                <a:rPr lang="fr-FR" altLang="fr-FR" sz="2400" dirty="0">
+                <a:rPr lang="fr-FR" altLang="fr-FR" sz="2400">
                   <a:solidFill>
                     <a:srgbClr val="495B64"/>
                   </a:solidFill>
@@ -12575,7 +12879,7 @@
                 <a:t> </a:t>
               </a:r>
               <a:r>
-                <a:rPr lang="fr-FR" altLang="fr-FR" sz="2400" dirty="0" err="1">
+                <a:rPr lang="fr-FR" altLang="fr-FR" sz="2400" err="1">
                   <a:solidFill>
                     <a:srgbClr val="495B64"/>
                   </a:solidFill>
@@ -12584,7 +12888,7 @@
                 <a:t>Text</a:t>
               </a:r>
               <a:r>
-                <a:rPr lang="fr-FR" altLang="fr-FR" sz="2400" dirty="0">
+                <a:rPr lang="fr-FR" altLang="fr-FR" sz="2400">
                   <a:solidFill>
                     <a:srgbClr val="495B64"/>
                   </a:solidFill>
@@ -12593,7 +12897,7 @@
                 <a:t> </a:t>
               </a:r>
               <a:r>
-                <a:rPr lang="fr-FR" altLang="fr-FR" sz="2400" dirty="0" err="1">
+                <a:rPr lang="fr-FR" altLang="fr-FR" sz="2400" err="1">
                   <a:solidFill>
                     <a:srgbClr val="495B64"/>
                   </a:solidFill>
@@ -12602,7 +12906,7 @@
                 <a:t>Text</a:t>
               </a:r>
               <a:r>
-                <a:rPr lang="fr-FR" altLang="fr-FR" sz="2400" dirty="0">
+                <a:rPr lang="fr-FR" altLang="fr-FR" sz="2400">
                   <a:solidFill>
                     <a:srgbClr val="495B64"/>
                   </a:solidFill>
@@ -12611,7 +12915,7 @@
                 <a:t> </a:t>
               </a:r>
               <a:r>
-                <a:rPr lang="fr-FR" altLang="fr-FR" sz="2400" dirty="0" err="1">
+                <a:rPr lang="fr-FR" altLang="fr-FR" sz="2400" err="1">
                   <a:solidFill>
                     <a:srgbClr val="495B64"/>
                   </a:solidFill>
@@ -12620,7 +12924,7 @@
                 <a:t>Text</a:t>
               </a:r>
               <a:r>
-                <a:rPr lang="fr-FR" altLang="fr-FR" sz="2400" dirty="0">
+                <a:rPr lang="fr-FR" altLang="fr-FR" sz="2400">
                   <a:solidFill>
                     <a:srgbClr val="495B64"/>
                   </a:solidFill>
@@ -12629,7 +12933,7 @@
                 <a:t> </a:t>
               </a:r>
               <a:r>
-                <a:rPr lang="fr-FR" altLang="fr-FR" sz="2400" dirty="0" err="1">
+                <a:rPr lang="fr-FR" altLang="fr-FR" sz="2400" err="1">
                   <a:solidFill>
                     <a:srgbClr val="495B64"/>
                   </a:solidFill>
@@ -12638,7 +12942,7 @@
                 <a:t>Text</a:t>
               </a:r>
               <a:r>
-                <a:rPr lang="fr-FR" altLang="fr-FR" sz="2400" dirty="0">
+                <a:rPr lang="fr-FR" altLang="fr-FR" sz="2400">
                   <a:solidFill>
                     <a:srgbClr val="495B64"/>
                   </a:solidFill>
@@ -12647,7 +12951,7 @@
                 <a:t> </a:t>
               </a:r>
               <a:r>
-                <a:rPr lang="fr-FR" altLang="fr-FR" sz="2400" dirty="0" err="1">
+                <a:rPr lang="fr-FR" altLang="fr-FR" sz="2400" err="1">
                   <a:solidFill>
                     <a:srgbClr val="495B64"/>
                   </a:solidFill>
@@ -12656,7 +12960,7 @@
                 <a:t>Text</a:t>
               </a:r>
               <a:r>
-                <a:rPr lang="fr-FR" altLang="fr-FR" sz="2400" dirty="0">
+                <a:rPr lang="fr-FR" altLang="fr-FR" sz="2400">
                   <a:solidFill>
                     <a:srgbClr val="495B64"/>
                   </a:solidFill>
@@ -12665,7 +12969,7 @@
                 <a:t> </a:t>
               </a:r>
               <a:r>
-                <a:rPr lang="fr-FR" altLang="fr-FR" sz="2400" dirty="0" err="1">
+                <a:rPr lang="fr-FR" altLang="fr-FR" sz="2400" err="1">
                   <a:solidFill>
                     <a:srgbClr val="495B64"/>
                   </a:solidFill>
@@ -12674,7 +12978,7 @@
                 <a:t>Text</a:t>
               </a:r>
               <a:r>
-                <a:rPr lang="fr-FR" altLang="fr-FR" sz="2400" dirty="0">
+                <a:rPr lang="fr-FR" altLang="fr-FR" sz="2400">
                   <a:solidFill>
                     <a:srgbClr val="495B64"/>
                   </a:solidFill>
@@ -12683,7 +12987,7 @@
                 <a:t> </a:t>
               </a:r>
               <a:r>
-                <a:rPr lang="fr-FR" altLang="fr-FR" sz="2400" dirty="0" err="1">
+                <a:rPr lang="fr-FR" altLang="fr-FR" sz="2400" err="1">
                   <a:solidFill>
                     <a:srgbClr val="495B64"/>
                   </a:solidFill>
@@ -12692,7 +12996,7 @@
                 <a:t>Text</a:t>
               </a:r>
               <a:r>
-                <a:rPr lang="fr-FR" altLang="fr-FR" sz="2400" dirty="0">
+                <a:rPr lang="fr-FR" altLang="fr-FR" sz="2400">
                   <a:solidFill>
                     <a:srgbClr val="495B64"/>
                   </a:solidFill>
@@ -12888,7 +13192,7 @@
             <a:pPr algn="ctr">
               <a:defRPr/>
             </a:pPr>
-            <a:endParaRPr lang="fr-FR" sz="9600" dirty="0">
+            <a:endParaRPr lang="fr-FR" sz="9600">
               <a:cs typeface="Calibri"/>
             </a:endParaRPr>
           </a:p>
@@ -13093,14 +13397,14 @@
               <a:buNone/>
             </a:pPr>
             <a:r>
-              <a:rPr lang="en-NL" altLang="fr-FR" sz="2400" b="1" dirty="0">
+              <a:rPr lang="en-NL" altLang="fr-FR" sz="2400" b="1">
                 <a:solidFill>
                   <a:srgbClr val="495B64"/>
                 </a:solidFill>
               </a:rPr>
               <a:t>Author</a:t>
             </a:r>
-            <a:endParaRPr lang="fr-FR" altLang="fr-FR" sz="2400" b="1" dirty="0">
+            <a:endParaRPr lang="fr-FR" altLang="fr-FR" sz="2400" b="1">
               <a:solidFill>
                 <a:srgbClr val="495B64"/>
               </a:solidFill>
@@ -13115,7 +13419,7 @@
               <a:buNone/>
             </a:pPr>
             <a:r>
-              <a:rPr lang="en-US" altLang="fr-FR" sz="2200" dirty="0">
+              <a:rPr lang="en-US" altLang="fr-FR" sz="2200">
                 <a:solidFill>
                   <a:srgbClr val="495B64"/>
                 </a:solidFill>
@@ -13123,7 +13427,7 @@
               <a:t>email </a:t>
             </a:r>
             <a:r>
-              <a:rPr lang="en-US" altLang="fr-FR" sz="2200" dirty="0" err="1">
+              <a:rPr lang="en-US" altLang="fr-FR" sz="2200" err="1">
                 <a:solidFill>
                   <a:srgbClr val="495B64"/>
                 </a:solidFill>
@@ -13131,7 +13435,7 @@
               <a:t>ppppp</a:t>
             </a:r>
             <a:r>
-              <a:rPr lang="en-NL" altLang="fr-FR" sz="2200" dirty="0">
+              <a:rPr lang="en-NL" altLang="fr-FR" sz="2200">
                 <a:solidFill>
                   <a:srgbClr val="495B64"/>
                 </a:solidFill>
@@ -13139,7 +13443,7 @@
               <a:t>p-</a:t>
             </a:r>
             <a:r>
-              <a:rPr lang="en-US" altLang="fr-FR" sz="2200" dirty="0" err="1">
+              <a:rPr lang="en-US" altLang="fr-FR" sz="2200" err="1">
                 <a:solidFill>
                   <a:srgbClr val="495B64"/>
                 </a:solidFill>
@@ -13147,7 +13451,7 @@
               <a:t>ppppp</a:t>
             </a:r>
             <a:r>
-              <a:rPr lang="en-NL" altLang="fr-FR" sz="2200" dirty="0">
+              <a:rPr lang="en-NL" altLang="fr-FR" sz="2200">
                 <a:solidFill>
                   <a:srgbClr val="495B64"/>
                 </a:solidFill>
@@ -13155,7 +13459,7 @@
               <a:t>p-p</a:t>
             </a:r>
             <a:r>
-              <a:rPr lang="en-US" altLang="fr-FR" sz="2200" dirty="0" err="1">
+              <a:rPr lang="en-US" altLang="fr-FR" sz="2200" err="1">
                 <a:solidFill>
                   <a:srgbClr val="495B64"/>
                 </a:solidFill>
@@ -13163,7 +13467,7 @@
               <a:t>ppppp</a:t>
             </a:r>
             <a:r>
-              <a:rPr lang="en-NL" altLang="fr-FR" sz="2200" dirty="0">
+              <a:rPr lang="en-NL" altLang="fr-FR" sz="2200">
                 <a:solidFill>
                   <a:srgbClr val="495B64"/>
                 </a:solidFill>
@@ -13171,14 +13475,14 @@
               <a:t>-</a:t>
             </a:r>
             <a:r>
-              <a:rPr lang="en-NL" altLang="fr-FR" sz="2200" dirty="0" err="1">
+              <a:rPr lang="en-NL" altLang="fr-FR" sz="2200" err="1">
                 <a:solidFill>
                   <a:srgbClr val="495B64"/>
                 </a:solidFill>
               </a:rPr>
               <a:t>pppppp</a:t>
             </a:r>
-            <a:endParaRPr lang="en-US" altLang="fr-FR" sz="2200" dirty="0">
+            <a:endParaRPr lang="en-US" altLang="fr-FR" sz="2200">
               <a:solidFill>
                 <a:srgbClr val="495B64"/>
               </a:solidFill>
@@ -13193,7 +13497,7 @@
               <a:buNone/>
             </a:pPr>
             <a:r>
-              <a:rPr lang="en-US" altLang="fr-FR" sz="2200" dirty="0">
+              <a:rPr lang="en-US" altLang="fr-FR" sz="2200">
                 <a:solidFill>
                   <a:srgbClr val="495B64"/>
                 </a:solidFill>
@@ -13201,7 +13505,7 @@
               <a:t>web </a:t>
             </a:r>
             <a:r>
-              <a:rPr lang="en-NL" altLang="fr-FR" sz="2200" dirty="0">
+              <a:rPr lang="en-NL" altLang="fr-FR" sz="2200">
                 <a:solidFill>
                   <a:srgbClr val="495B64"/>
                 </a:solidFill>
@@ -13209,7 +13513,7 @@
               <a:t>  </a:t>
             </a:r>
             <a:r>
-              <a:rPr lang="en-US" altLang="fr-FR" sz="2200" dirty="0" err="1">
+              <a:rPr lang="en-US" altLang="fr-FR" sz="2200" err="1">
                 <a:solidFill>
                   <a:srgbClr val="495B64"/>
                 </a:solidFill>
@@ -13217,7 +13521,7 @@
               <a:t>ppppp</a:t>
             </a:r>
             <a:r>
-              <a:rPr lang="en-NL" altLang="fr-FR" sz="2200" dirty="0">
+              <a:rPr lang="en-NL" altLang="fr-FR" sz="2200">
                 <a:solidFill>
                   <a:srgbClr val="495B64"/>
                 </a:solidFill>
@@ -13225,7 +13529,7 @@
               <a:t>p-</a:t>
             </a:r>
             <a:r>
-              <a:rPr lang="en-US" altLang="fr-FR" sz="2200" dirty="0" err="1">
+              <a:rPr lang="en-US" altLang="fr-FR" sz="2200" err="1">
                 <a:solidFill>
                   <a:srgbClr val="495B64"/>
                 </a:solidFill>
@@ -13233,7 +13537,7 @@
               <a:t>ppppp</a:t>
             </a:r>
             <a:r>
-              <a:rPr lang="en-NL" altLang="fr-FR" sz="2200" dirty="0">
+              <a:rPr lang="en-NL" altLang="fr-FR" sz="2200">
                 <a:solidFill>
                   <a:srgbClr val="495B64"/>
                 </a:solidFill>
@@ -13241,7 +13545,7 @@
               <a:t>p-p</a:t>
             </a:r>
             <a:r>
-              <a:rPr lang="en-US" altLang="fr-FR" sz="2200" dirty="0" err="1">
+              <a:rPr lang="en-US" altLang="fr-FR" sz="2200" err="1">
                 <a:solidFill>
                   <a:srgbClr val="495B64"/>
                 </a:solidFill>
@@ -13249,7 +13553,7 @@
               <a:t>ppppp</a:t>
             </a:r>
             <a:r>
-              <a:rPr lang="en-NL" altLang="fr-FR" sz="2200" dirty="0">
+              <a:rPr lang="en-NL" altLang="fr-FR" sz="2200">
                 <a:solidFill>
                   <a:srgbClr val="495B64"/>
                 </a:solidFill>
@@ -13257,14 +13561,14 @@
               <a:t>-</a:t>
             </a:r>
             <a:r>
-              <a:rPr lang="en-NL" altLang="fr-FR" sz="2200" dirty="0" err="1">
+              <a:rPr lang="en-NL" altLang="fr-FR" sz="2200" err="1">
                 <a:solidFill>
                   <a:srgbClr val="495B64"/>
                 </a:solidFill>
               </a:rPr>
               <a:t>pppppp</a:t>
             </a:r>
-            <a:endParaRPr lang="en-US" altLang="fr-FR" sz="2200" dirty="0">
+            <a:endParaRPr lang="en-US" altLang="fr-FR" sz="2200">
               <a:solidFill>
                 <a:srgbClr val="495B64"/>
               </a:solidFill>
@@ -13279,7 +13583,7 @@
               <a:buNone/>
             </a:pPr>
             <a:r>
-              <a:rPr lang="en-US" altLang="fr-FR" sz="2200" dirty="0">
+              <a:rPr lang="en-US" altLang="fr-FR" sz="2200">
                 <a:solidFill>
                   <a:srgbClr val="495B64"/>
                 </a:solidFill>
@@ -13287,7 +13591,7 @@
               <a:t>date </a:t>
             </a:r>
             <a:r>
-              <a:rPr lang="en-NL" altLang="fr-FR" sz="2200" dirty="0">
+              <a:rPr lang="en-NL" altLang="fr-FR" sz="2200">
                 <a:solidFill>
                   <a:srgbClr val="495B64"/>
                 </a:solidFill>
@@ -13295,7 +13599,7 @@
               <a:t>  </a:t>
             </a:r>
             <a:r>
-              <a:rPr lang="en-US" altLang="fr-FR" sz="2200" dirty="0" err="1">
+              <a:rPr lang="en-US" altLang="fr-FR" sz="2200" err="1">
                 <a:solidFill>
                   <a:srgbClr val="495B64"/>
                 </a:solidFill>
@@ -13303,7 +13607,7 @@
               <a:t>ppppp</a:t>
             </a:r>
             <a:r>
-              <a:rPr lang="en-NL" altLang="fr-FR" sz="2200" dirty="0">
+              <a:rPr lang="en-NL" altLang="fr-FR" sz="2200">
                 <a:solidFill>
                   <a:srgbClr val="495B64"/>
                 </a:solidFill>
@@ -13311,7 +13615,7 @@
               <a:t>p-</a:t>
             </a:r>
             <a:r>
-              <a:rPr lang="en-US" altLang="fr-FR" sz="2200" dirty="0" err="1">
+              <a:rPr lang="en-US" altLang="fr-FR" sz="2200" err="1">
                 <a:solidFill>
                   <a:srgbClr val="495B64"/>
                 </a:solidFill>
@@ -13319,7 +13623,7 @@
               <a:t>ppppp</a:t>
             </a:r>
             <a:r>
-              <a:rPr lang="en-NL" altLang="fr-FR" sz="2200" dirty="0">
+              <a:rPr lang="en-NL" altLang="fr-FR" sz="2200">
                 <a:solidFill>
                   <a:srgbClr val="495B64"/>
                 </a:solidFill>
@@ -13327,7 +13631,7 @@
               <a:t>p-p</a:t>
             </a:r>
             <a:r>
-              <a:rPr lang="en-US" altLang="fr-FR" sz="2200" dirty="0" err="1">
+              <a:rPr lang="en-US" altLang="fr-FR" sz="2200" err="1">
                 <a:solidFill>
                   <a:srgbClr val="495B64"/>
                 </a:solidFill>
@@ -13335,7 +13639,7 @@
               <a:t>ppppp</a:t>
             </a:r>
             <a:r>
-              <a:rPr lang="en-NL" altLang="fr-FR" sz="2200" dirty="0">
+              <a:rPr lang="en-NL" altLang="fr-FR" sz="2200">
                 <a:solidFill>
                   <a:srgbClr val="495B64"/>
                 </a:solidFill>
@@ -13343,14 +13647,14 @@
               <a:t>-</a:t>
             </a:r>
             <a:r>
-              <a:rPr lang="en-NL" altLang="fr-FR" sz="2200" dirty="0" err="1">
+              <a:rPr lang="en-NL" altLang="fr-FR" sz="2200" err="1">
                 <a:solidFill>
                   <a:srgbClr val="495B64"/>
                 </a:solidFill>
               </a:rPr>
               <a:t>pppppp</a:t>
             </a:r>
-            <a:endParaRPr lang="en-US" altLang="fr-FR" sz="2200" dirty="0">
+            <a:endParaRPr lang="en-US" altLang="fr-FR" sz="2200">
               <a:solidFill>
                 <a:srgbClr val="495B64"/>
               </a:solidFill>
@@ -13405,7 +13709,7 @@
           </a:extLst>
         </p:spPr>
         <p:txBody>
-          <a:bodyPr numCol="2" spcCol="324000">
+          <a:bodyPr lIns="91440" tIns="45720" rIns="91440" bIns="45720" numCol="2" spcCol="324000" anchor="t">
             <a:spAutoFit/>
           </a:bodyPr>
           <a:lstStyle>
@@ -13524,6 +13828,8 @@
                 <a:solidFill>
                   <a:srgbClr val="4E4748"/>
                 </a:solidFill>
+                <a:latin typeface="Arial"/>
+                <a:cs typeface="Arial"/>
               </a:rPr>
               <a:t>TITLE</a:t>
             </a:r>
@@ -13531,6 +13837,8 @@
               <a:solidFill>
                 <a:srgbClr val="4E4748"/>
               </a:solidFill>
+              <a:latin typeface="Arial"/>
+              <a:cs typeface="Arial"/>
             </a:endParaRPr>
           </a:p>
           <a:p>
@@ -13542,6 +13850,8 @@
                 <a:solidFill>
                   <a:srgbClr val="4E4748"/>
                 </a:solidFill>
+                <a:latin typeface="Arial"/>
+                <a:cs typeface="Arial"/>
               </a:rPr>
               <a:t>S</a:t>
             </a:r>
@@ -13550,6 +13860,8 @@
                 <a:solidFill>
                   <a:srgbClr val="4E4748"/>
                 </a:solidFill>
+                <a:latin typeface="Arial"/>
+                <a:cs typeface="Arial"/>
               </a:rPr>
               <a:t>ubtitle</a:t>
             </a:r>
@@ -13558,6 +13870,8 @@
                 <a:solidFill>
                   <a:srgbClr val="4E4748"/>
                 </a:solidFill>
+                <a:latin typeface="Arial"/>
+                <a:cs typeface="Arial"/>
               </a:rPr>
               <a:t>?</a:t>
             </a:r>
@@ -13565,13 +13879,15 @@
               <a:solidFill>
                 <a:srgbClr val="4E4748"/>
               </a:solidFill>
+              <a:latin typeface="Arial"/>
+              <a:cs typeface="Arial"/>
             </a:endParaRPr>
           </a:p>
           <a:p>
             <a:pPr algn="just" eaLnBrk="1" hangingPunct="1">
               <a:defRPr/>
             </a:pPr>
-            <a:endParaRPr lang="fr-FR" altLang="fr-FR" dirty="0">
+            <a:endParaRPr lang="fr-FR" altLang="fr-FR">
               <a:solidFill>
                 <a:srgbClr val="4E4748"/>
               </a:solidFill>
@@ -13584,13 +13900,20 @@
                 <a:solidFill>
                   <a:srgbClr val="4E4748"/>
                 </a:solidFill>
+                <a:latin typeface="Arial"/>
+                <a:cs typeface="Arial"/>
               </a:rPr>
-              <a:t>ILO: Data collection and management</a:t>
+              <a:t>ILO: 4. Conceptualizing</a:t>
             </a:r>
+            <a:endParaRPr lang="en-NL" altLang="fr-FR" dirty="0">
+              <a:solidFill>
+                <a:srgbClr val="4E4748"/>
+              </a:solidFill>
+            </a:endParaRPr>
           </a:p>
           <a:p>
             <a:pPr algn="just" eaLnBrk="1" hangingPunct="1"/>
-            <a:endParaRPr lang="en-NL" altLang="fr-FR" b="1" dirty="0">
+            <a:endParaRPr lang="en-NL" altLang="fr-FR" b="1">
               <a:solidFill>
                 <a:srgbClr val="4E4748"/>
               </a:solidFill>
@@ -13603,6 +13926,8 @@
                 <a:solidFill>
                   <a:srgbClr val="4E4748"/>
                 </a:solidFill>
+                <a:latin typeface="Arial"/>
+                <a:cs typeface="Arial"/>
               </a:rPr>
               <a:t>Dublin </a:t>
             </a:r>
@@ -13611,6 +13936,8 @@
                 <a:solidFill>
                   <a:srgbClr val="4E4748"/>
                 </a:solidFill>
+                <a:latin typeface="Arial"/>
+                <a:cs typeface="Arial"/>
               </a:rPr>
               <a:t>Descriptiors</a:t>
             </a:r>
@@ -13619,47 +13946,25 @@
                 <a:solidFill>
                   <a:srgbClr val="4E4748"/>
                 </a:solidFill>
+                <a:latin typeface="Arial"/>
+                <a:cs typeface="Arial"/>
               </a:rPr>
-              <a:t>: 1, 2</a:t>
+              <a:t>: 1. Knowledge &amp; Insight, 2. </a:t>
+            </a:r>
+            <a:r>
+              <a:rPr lang="en-NL" altLang="fr-FR">
+                <a:solidFill>
+                  <a:srgbClr val="4E4748"/>
+                </a:solidFill>
+                <a:latin typeface="Arial"/>
+                <a:cs typeface="Arial"/>
+              </a:rPr>
+              <a:t>Application of K&amp;I</a:t>
             </a:r>
           </a:p>
           <a:p>
-            <a:pPr algn="just" eaLnBrk="1" hangingPunct="1"/>
-            <a:endParaRPr lang="en-NL" altLang="fr-FR" dirty="0">
-              <a:solidFill>
-                <a:srgbClr val="4E4748"/>
-              </a:solidFill>
-            </a:endParaRPr>
-          </a:p>
-          <a:p>
-            <a:pPr algn="just" eaLnBrk="1" hangingPunct="1"/>
-            <a:r>
-              <a:rPr lang="en-NL" altLang="fr-FR" dirty="0" err="1">
-                <a:solidFill>
-                  <a:srgbClr val="4E4748"/>
-                </a:solidFill>
-              </a:rPr>
-              <a:t>BoKS</a:t>
-            </a:r>
-            <a:r>
-              <a:rPr lang="en-NL" altLang="fr-FR" dirty="0">
-                <a:solidFill>
-                  <a:srgbClr val="4E4748"/>
-                </a:solidFill>
-              </a:rPr>
-              <a:t>:  2K4, 2K5( Process and prepare data for analysis), 2S1, 2S5</a:t>
-            </a:r>
-            <a:endParaRPr lang="fr-FR" altLang="fr-FR" dirty="0">
-              <a:solidFill>
-                <a:srgbClr val="4E4748"/>
-              </a:solidFill>
-            </a:endParaRPr>
-          </a:p>
-          <a:p>
-            <a:pPr eaLnBrk="1" hangingPunct="1">
-              <a:defRPr/>
-            </a:pPr>
-            <a:endParaRPr lang="fr-FR" altLang="fr-FR" dirty="0">
+            <a:pPr eaLnBrk="1" hangingPunct="1"/>
+            <a:endParaRPr lang="fr-FR" altLang="fr-FR">
               <a:solidFill>
                 <a:srgbClr val="4E4748"/>
               </a:solidFill>
@@ -13674,6 +13979,8 @@
                 <a:solidFill>
                   <a:srgbClr val="4E4748"/>
                 </a:solidFill>
+                <a:latin typeface="Arial"/>
+                <a:cs typeface="Arial"/>
               </a:rPr>
               <a:t>Data Selection.</a:t>
             </a:r>
@@ -13682,6 +13989,8 @@
                 <a:solidFill>
                   <a:srgbClr val="4E4748"/>
                 </a:solidFill>
+                <a:latin typeface="Arial"/>
+                <a:cs typeface="Arial"/>
               </a:rPr>
               <a:t> </a:t>
             </a:r>
@@ -13690,6 +13999,8 @@
                 <a:solidFill>
                   <a:srgbClr val="4E4748"/>
                 </a:solidFill>
+                <a:latin typeface="Arial"/>
+                <a:cs typeface="Arial"/>
               </a:rPr>
               <a:t>U</a:t>
             </a:r>
@@ -13698,6 +14009,8 @@
                 <a:solidFill>
                   <a:srgbClr val="4E4748"/>
                 </a:solidFill>
+                <a:latin typeface="Arial"/>
+                <a:cs typeface="Arial"/>
               </a:rPr>
               <a:t>nderstand</a:t>
             </a:r>
@@ -13706,14 +14019,14 @@
                 <a:solidFill>
                   <a:srgbClr val="4E4748"/>
                 </a:solidFill>
+                <a:latin typeface="Arial"/>
+                <a:cs typeface="Arial"/>
               </a:rPr>
-              <a:t>: </a:t>
+              <a:t>: </a:t>
             </a:r>
           </a:p>
           <a:p>
-            <a:pPr marL="342900" indent="-342900" algn="just" eaLnBrk="1" hangingPunct="1">
-              <a:buFontTx/>
-              <a:buChar char="-"/>
+            <a:pPr algn="just" eaLnBrk="1" hangingPunct="1">
               <a:defRPr/>
             </a:pPr>
             <a:r>
@@ -13721,6 +14034,8 @@
                 <a:solidFill>
                   <a:srgbClr val="4E4748"/>
                 </a:solidFill>
+                <a:latin typeface="Arial"/>
+                <a:cs typeface="Arial"/>
               </a:rPr>
               <a:t>Which data is exist in the world</a:t>
             </a:r>
@@ -13736,6 +14051,8 @@
                 <a:solidFill>
                   <a:srgbClr val="4E4748"/>
                 </a:solidFill>
+                <a:latin typeface="Arial"/>
+                <a:cs typeface="Arial"/>
               </a:rPr>
               <a:t>Which data is needed,</a:t>
             </a:r>
@@ -13751,14 +14068,38 @@
                 <a:solidFill>
                   <a:srgbClr val="4E4748"/>
                 </a:solidFill>
+                <a:latin typeface="Arial"/>
+                <a:cs typeface="Arial"/>
               </a:rPr>
-              <a:t>How the data can be </a:t>
+              <a:t>How the data can </a:t>
             </a:r>
             <a:r>
               <a:rPr lang="en-NL" altLang="fr-FR" sz="2200" dirty="0" err="1">
                 <a:solidFill>
                   <a:srgbClr val="4E4748"/>
                 </a:solidFill>
+                <a:latin typeface="Arial"/>
+                <a:cs typeface="Arial"/>
+              </a:rPr>
+              <a:t>be</a:t>
+            </a:r>
+            <a:r>
+              <a:rPr lang="en-NL" altLang="fr-FR" sz="2200" dirty="0">
+                <a:solidFill>
+                  <a:srgbClr val="4E4748"/>
+                </a:solidFill>
+                <a:latin typeface="Arial"/>
+                <a:cs typeface="Arial"/>
+              </a:rPr>
+              <a:t> </a:t>
+            </a:r>
+            <a:r>
+              <a:rPr lang="en-NL" altLang="fr-FR" sz="2200" dirty="0" err="1">
+                <a:solidFill>
+                  <a:srgbClr val="4E4748"/>
+                </a:solidFill>
+                <a:latin typeface="Arial"/>
+                <a:cs typeface="Arial"/>
               </a:rPr>
               <a:t>aquired</a:t>
             </a:r>
@@ -13766,13 +14107,15 @@
               <a:solidFill>
                 <a:srgbClr val="4E4748"/>
               </a:solidFill>
+              <a:latin typeface="Arial"/>
+              <a:cs typeface="Arial"/>
             </a:endParaRPr>
           </a:p>
           <a:p>
             <a:pPr algn="just" eaLnBrk="1" hangingPunct="1">
               <a:defRPr/>
             </a:pPr>
-            <a:endParaRPr lang="en-NL" altLang="fr-FR" sz="2400" b="1" dirty="0">
+            <a:endParaRPr lang="en-NL" altLang="fr-FR" sz="2400" b="1">
               <a:solidFill>
                 <a:srgbClr val="4E4748"/>
               </a:solidFill>
@@ -13787,6 +14130,8 @@
                 <a:solidFill>
                   <a:srgbClr val="4E4748"/>
                 </a:solidFill>
+                <a:latin typeface="Arial"/>
+                <a:cs typeface="Arial"/>
               </a:rPr>
               <a:t>consectetur</a:t>
             </a:r>
@@ -13795,6 +14140,8 @@
                 <a:solidFill>
                   <a:srgbClr val="4E4748"/>
                 </a:solidFill>
+                <a:latin typeface="Arial"/>
+                <a:cs typeface="Arial"/>
               </a:rPr>
               <a:t> </a:t>
             </a:r>
@@ -13803,6 +14150,8 @@
                 <a:solidFill>
                   <a:srgbClr val="4E4748"/>
                 </a:solidFill>
+                <a:latin typeface="Arial"/>
+                <a:cs typeface="Arial"/>
               </a:rPr>
               <a:t>adipisicing</a:t>
             </a:r>
@@ -13811,6 +14160,8 @@
                 <a:solidFill>
                   <a:srgbClr val="4E4748"/>
                 </a:solidFill>
+                <a:latin typeface="Arial"/>
+                <a:cs typeface="Arial"/>
               </a:rPr>
               <a:t> </a:t>
             </a:r>
@@ -13819,6 +14170,8 @@
                 <a:solidFill>
                   <a:srgbClr val="4E4748"/>
                 </a:solidFill>
+                <a:latin typeface="Arial"/>
+                <a:cs typeface="Arial"/>
               </a:rPr>
               <a:t>elit</a:t>
             </a:r>
@@ -13827,6 +14180,8 @@
                 <a:solidFill>
                   <a:srgbClr val="4E4748"/>
                 </a:solidFill>
+                <a:latin typeface="Arial"/>
+                <a:cs typeface="Arial"/>
               </a:rPr>
               <a:t>, </a:t>
             </a:r>
@@ -13835,6 +14190,8 @@
                 <a:solidFill>
                   <a:srgbClr val="4E4748"/>
                 </a:solidFill>
+                <a:latin typeface="Arial"/>
+                <a:cs typeface="Arial"/>
               </a:rPr>
               <a:t>sed</a:t>
             </a:r>
@@ -13843,6 +14200,8 @@
                 <a:solidFill>
                   <a:srgbClr val="4E4748"/>
                 </a:solidFill>
+                <a:latin typeface="Arial"/>
+                <a:cs typeface="Arial"/>
               </a:rPr>
               <a:t> do </a:t>
             </a:r>
@@ -13851,6 +14210,8 @@
                 <a:solidFill>
                   <a:srgbClr val="4E4748"/>
                 </a:solidFill>
+                <a:latin typeface="Arial"/>
+                <a:cs typeface="Arial"/>
               </a:rPr>
               <a:t>eiusmod</a:t>
             </a:r>
@@ -13859,6 +14220,8 @@
                 <a:solidFill>
                   <a:srgbClr val="4E4748"/>
                 </a:solidFill>
+                <a:latin typeface="Arial"/>
+                <a:cs typeface="Arial"/>
               </a:rPr>
               <a:t> </a:t>
             </a:r>
@@ -13867,6 +14230,8 @@
                 <a:solidFill>
                   <a:srgbClr val="4E4748"/>
                 </a:solidFill>
+                <a:latin typeface="Arial"/>
+                <a:cs typeface="Arial"/>
               </a:rPr>
               <a:t>tempor</a:t>
             </a:r>
@@ -13875,6 +14240,8 @@
                 <a:solidFill>
                   <a:srgbClr val="4E4748"/>
                 </a:solidFill>
+                <a:latin typeface="Arial"/>
+                <a:cs typeface="Arial"/>
               </a:rPr>
               <a:t> </a:t>
             </a:r>
@@ -13883,6 +14250,8 @@
                 <a:solidFill>
                   <a:srgbClr val="4E4748"/>
                 </a:solidFill>
+                <a:latin typeface="Arial"/>
+                <a:cs typeface="Arial"/>
               </a:rPr>
               <a:t>incididunt</a:t>
             </a:r>
@@ -13891,14 +14260,18 @@
                 <a:solidFill>
                   <a:srgbClr val="4E4748"/>
                 </a:solidFill>
+                <a:latin typeface="Arial"/>
+                <a:cs typeface="Arial"/>
               </a:rPr>
               <a:t> ut </a:t>
             </a:r>
             <a:r>
-              <a:rPr lang="en-GB" altLang="fr-FR" sz="2400" dirty="0" err="1">
+              <a:rPr lang="en-GB" altLang="fr-FR" sz="2400" dirty="0">
                 <a:solidFill>
                   <a:srgbClr val="4E4748"/>
                 </a:solidFill>
+                <a:latin typeface="Arial"/>
+                <a:cs typeface="Arial"/>
               </a:rPr>
               <a:t>labore</a:t>
             </a:r>
@@ -13907,6 +14280,8 @@
                 <a:solidFill>
                   <a:srgbClr val="4E4748"/>
                 </a:solidFill>
+                <a:latin typeface="Arial"/>
+                <a:cs typeface="Arial"/>
               </a:rPr>
               <a:t> et </a:t>
             </a:r>
@@ -13915,6 +14290,8 @@
                 <a:solidFill>
                   <a:srgbClr val="4E4748"/>
                 </a:solidFill>
+                <a:latin typeface="Arial"/>
+                <a:cs typeface="Arial"/>
               </a:rPr>
               <a:t>dolore</a:t>
             </a:r>
@@ -13923,6 +14300,8 @@
                 <a:solidFill>
                   <a:srgbClr val="4E4748"/>
                 </a:solidFill>
+                <a:latin typeface="Arial"/>
+                <a:cs typeface="Arial"/>
               </a:rPr>
               <a:t> magna </a:t>
             </a:r>
@@ -13931,6 +14310,8 @@
                 <a:solidFill>
                   <a:srgbClr val="4E4748"/>
                 </a:solidFill>
+                <a:latin typeface="Arial"/>
+                <a:cs typeface="Arial"/>
               </a:rPr>
               <a:t>ullamco</a:t>
             </a:r>
@@ -13939,6 +14320,8 @@
                 <a:solidFill>
                   <a:srgbClr val="4E4748"/>
                 </a:solidFill>
+                <a:latin typeface="Arial"/>
+                <a:cs typeface="Arial"/>
               </a:rPr>
               <a:t> </a:t>
             </a:r>
@@ -13947,6 +14330,8 @@
                 <a:solidFill>
                   <a:srgbClr val="4E4748"/>
                 </a:solidFill>
+                <a:latin typeface="Arial"/>
+                <a:cs typeface="Arial"/>
               </a:rPr>
               <a:t>laboris</a:t>
             </a:r>
@@ -13955,6 +14340,8 @@
                 <a:solidFill>
                   <a:srgbClr val="4E4748"/>
                 </a:solidFill>
+                <a:latin typeface="Arial"/>
+                <a:cs typeface="Arial"/>
               </a:rPr>
               <a:t> </a:t>
             </a:r>
@@ -13963,6 +14350,8 @@
                 <a:solidFill>
                   <a:srgbClr val="4E4748"/>
                 </a:solidFill>
+                <a:latin typeface="Arial"/>
+                <a:cs typeface="Arial"/>
               </a:rPr>
               <a:t>nisi</a:t>
             </a:r>
@@ -13971,6 +14360,8 @@
                 <a:solidFill>
                   <a:srgbClr val="4E4748"/>
                 </a:solidFill>
+                <a:latin typeface="Arial"/>
+                <a:cs typeface="Arial"/>
               </a:rPr>
               <a:t> ut </a:t>
             </a:r>
@@ -13979,6 +14370,8 @@
                 <a:solidFill>
                   <a:srgbClr val="4E4748"/>
                 </a:solidFill>
+                <a:latin typeface="Arial"/>
+                <a:cs typeface="Arial"/>
               </a:rPr>
               <a:t>aliquip</a:t>
             </a:r>
@@ -13987,6 +14380,8 @@
                 <a:solidFill>
                   <a:srgbClr val="4E4748"/>
                 </a:solidFill>
+                <a:latin typeface="Arial"/>
+                <a:cs typeface="Arial"/>
               </a:rPr>
               <a:t> ex </a:t>
             </a:r>
@@ -13995,6 +14390,8 @@
                 <a:solidFill>
                   <a:srgbClr val="4E4748"/>
                 </a:solidFill>
+                <a:latin typeface="Arial"/>
+                <a:cs typeface="Arial"/>
               </a:rPr>
               <a:t>ea</a:t>
             </a:r>
@@ -14003,6 +14400,8 @@
                 <a:solidFill>
                   <a:srgbClr val="4E4748"/>
                 </a:solidFill>
+                <a:latin typeface="Arial"/>
+                <a:cs typeface="Arial"/>
               </a:rPr>
               <a:t> commodo </a:t>
             </a:r>
@@ -14011,6 +14410,8 @@
                 <a:solidFill>
                   <a:srgbClr val="4E4748"/>
                 </a:solidFill>
+                <a:latin typeface="Arial"/>
+                <a:cs typeface="Arial"/>
               </a:rPr>
               <a:t>consequat</a:t>
             </a:r>
@@ -14019,6 +14420,8 @@
                 <a:solidFill>
                   <a:srgbClr val="4E4748"/>
                 </a:solidFill>
+                <a:latin typeface="Arial"/>
+                <a:cs typeface="Arial"/>
               </a:rPr>
               <a:t>. Duis </a:t>
             </a:r>
@@ -14027,6 +14430,8 @@
                 <a:solidFill>
                   <a:srgbClr val="4E4748"/>
                 </a:solidFill>
+                <a:latin typeface="Arial"/>
+                <a:cs typeface="Arial"/>
               </a:rPr>
               <a:t>aute</a:t>
             </a:r>
@@ -14035,6 +14440,8 @@
                 <a:solidFill>
                   <a:srgbClr val="4E4748"/>
                 </a:solidFill>
+                <a:latin typeface="Arial"/>
+                <a:cs typeface="Arial"/>
               </a:rPr>
               <a:t> </a:t>
             </a:r>
@@ -14043,6 +14450,8 @@
                 <a:solidFill>
                   <a:srgbClr val="4E4748"/>
                 </a:solidFill>
+                <a:latin typeface="Arial"/>
+                <a:cs typeface="Arial"/>
               </a:rPr>
               <a:t>irure</a:t>
             </a:r>
@@ -14051,6 +14460,8 @@
                 <a:solidFill>
                   <a:srgbClr val="4E4748"/>
                 </a:solidFill>
+                <a:latin typeface="Arial"/>
+                <a:cs typeface="Arial"/>
               </a:rPr>
               <a:t> </a:t>
             </a:r>
@@ -14059,6 +14470,8 @@
                 <a:solidFill>
                   <a:srgbClr val="4E4748"/>
                 </a:solidFill>
+                <a:latin typeface="Arial"/>
+                <a:cs typeface="Arial"/>
               </a:rPr>
               <a:t>dolor</a:t>
             </a:r>
@@ -14067,6 +14480,8 @@
                 <a:solidFill>
                   <a:srgbClr val="4E4748"/>
                 </a:solidFill>
+                <a:latin typeface="Arial"/>
+                <a:cs typeface="Arial"/>
               </a:rPr>
               <a:t>.</a:t>
             </a:r>
@@ -14074,13 +14489,15 @@
               <a:solidFill>
                 <a:srgbClr val="4E4748"/>
               </a:solidFill>
+              <a:latin typeface="Arial"/>
+              <a:cs typeface="Arial"/>
             </a:endParaRPr>
           </a:p>
           <a:p>
             <a:pPr algn="just" eaLnBrk="1" hangingPunct="1">
               <a:defRPr/>
             </a:pPr>
-            <a:endParaRPr lang="en-NL" altLang="fr-FR" sz="2400" b="1" dirty="0">
+            <a:endParaRPr lang="en-NL" altLang="fr-FR" sz="2400" b="1">
               <a:solidFill>
                 <a:srgbClr val="4E4748"/>
               </a:solidFill>
@@ -14095,6 +14512,8 @@
                 <a:solidFill>
                   <a:srgbClr val="4E4748"/>
                 </a:solidFill>
+                <a:latin typeface="Arial"/>
+                <a:cs typeface="Arial"/>
               </a:rPr>
               <a:t>Data Cleaning</a:t>
             </a:r>
@@ -14103,6 +14522,8 @@
                 <a:solidFill>
                   <a:srgbClr val="4E4748"/>
                 </a:solidFill>
+                <a:latin typeface="Arial"/>
+                <a:cs typeface="Arial"/>
               </a:rPr>
               <a:t>.</a:t>
             </a:r>
@@ -14111,6 +14532,8 @@
                 <a:solidFill>
                   <a:srgbClr val="4E4748"/>
                 </a:solidFill>
+                <a:latin typeface="Arial"/>
+                <a:cs typeface="Arial"/>
               </a:rPr>
               <a:t> </a:t>
             </a:r>
@@ -14119,9 +14542,16 @@
                 <a:solidFill>
                   <a:srgbClr val="4E4748"/>
                 </a:solidFill>
+                <a:latin typeface="Arial"/>
+                <a:cs typeface="Arial"/>
               </a:rPr>
-              <a:t>Apply: </a:t>
+              <a:t>Apply: </a:t>
             </a:r>
+            <a:endParaRPr lang="en-NL" altLang="fr-FR" sz="2200" dirty="0">
+              <a:solidFill>
+                <a:srgbClr val="4E4748"/>
+              </a:solidFill>
+            </a:endParaRPr>
           </a:p>
           <a:p>
             <a:pPr marL="342900" indent="-342900" algn="just" eaLnBrk="1" hangingPunct="1">
@@ -14134,6 +14564,8 @@
                 <a:solidFill>
                   <a:srgbClr val="4E4748"/>
                 </a:solidFill>
+                <a:latin typeface="Arial"/>
+                <a:cs typeface="Arial"/>
               </a:rPr>
               <a:t>Understand the data format given and the required data format</a:t>
             </a:r>
@@ -14149,6 +14581,8 @@
                 <a:solidFill>
                   <a:srgbClr val="4E4748"/>
                 </a:solidFill>
+                <a:latin typeface="Arial"/>
+                <a:cs typeface="Arial"/>
               </a:rPr>
               <a:t>Determine a method: Which data cleaning techniques to apply?</a:t>
             </a:r>
@@ -14164,6 +14598,8 @@
                 <a:solidFill>
                   <a:srgbClr val="4E4748"/>
                 </a:solidFill>
+                <a:latin typeface="Arial"/>
+                <a:cs typeface="Arial"/>
               </a:rPr>
               <a:t>Create Summary Statistics</a:t>
             </a:r>
@@ -14175,14 +14611,88 @@
               <a:defRPr/>
             </a:pPr>
             <a:r>
+              <a:rPr lang="en-NL" altLang="fr-FR" sz="2200" dirty="0" err="1">
+                <a:solidFill>
+                  <a:srgbClr val="4E4748"/>
+                </a:solidFill>
+                <a:latin typeface="Arial"/>
+                <a:cs typeface="Arial"/>
+              </a:rPr>
+              <a:t>Which</a:t>
+            </a:r>
+            <a:r>
               <a:rPr lang="en-NL" altLang="fr-FR" sz="2200" dirty="0">
                 <a:solidFill>
                   <a:srgbClr val="4E4748"/>
                 </a:solidFill>
+                <a:latin typeface="Arial"/>
+                <a:cs typeface="Arial"/>
               </a:rPr>
-              <a:t>Which packages and software will be used</a:t>
+              <a:t> packages and software </a:t>
             </a:r>
-            <a:endParaRPr lang="fr-FR" altLang="fr-FR" sz="2200" dirty="0">
+            <a:r>
+              <a:rPr lang="en-NL" altLang="fr-FR" sz="2200" dirty="0" err="1">
+                <a:solidFill>
+                  <a:srgbClr val="4E4748"/>
+                </a:solidFill>
+                <a:latin typeface="Arial"/>
+                <a:cs typeface="Arial"/>
+              </a:rPr>
+              <a:t>will</a:t>
+            </a:r>
+            <a:r>
+              <a:rPr lang="en-NL" altLang="fr-FR" sz="2200" dirty="0">
+                <a:solidFill>
+                  <a:srgbClr val="4E4748"/>
+                </a:solidFill>
+                <a:latin typeface="Arial"/>
+                <a:cs typeface="Arial"/>
+              </a:rPr>
+              <a:t> </a:t>
+            </a:r>
+            <a:r>
+              <a:rPr lang="en-NL" altLang="fr-FR" sz="2200" dirty="0" err="1">
+                <a:solidFill>
+                  <a:srgbClr val="4E4748"/>
+                </a:solidFill>
+                <a:latin typeface="Arial"/>
+                <a:cs typeface="Arial"/>
+              </a:rPr>
+              <a:t>be</a:t>
+            </a:r>
+            <a:r>
+              <a:rPr lang="en-NL" altLang="fr-FR" sz="2200" dirty="0">
+                <a:solidFill>
+                  <a:srgbClr val="4E4748"/>
+                </a:solidFill>
+                <a:latin typeface="Arial"/>
+                <a:cs typeface="Arial"/>
+              </a:rPr>
+              <a:t> </a:t>
+            </a:r>
+            <a:r>
+              <a:rPr lang="en-NL" altLang="fr-FR" sz="2200" dirty="0" err="1">
+                <a:solidFill>
+                  <a:srgbClr val="4E4748"/>
+                </a:solidFill>
+                <a:latin typeface="Arial"/>
+                <a:cs typeface="Arial"/>
+              </a:rPr>
+              <a:t>used</a:t>
+            </a:r>
+            <a:endParaRPr lang="fr-FR" altLang="fr-FR" sz="2200" dirty="0" err="1">
+              <a:solidFill>
+                <a:srgbClr val="4E4748"/>
+              </a:solidFill>
+              <a:latin typeface="Arial"/>
+              <a:cs typeface="Arial"/>
+            </a:endParaRPr>
+          </a:p>
+          <a:p>
+            <a:pPr algn="just" eaLnBrk="1" hangingPunct="1">
+              <a:defRPr/>
+            </a:pPr>
+            <a:endParaRPr lang="en-NL" altLang="fr-FR" sz="2200">
               <a:solidFill>
                 <a:srgbClr val="4E4748"/>
               </a:solidFill>
@@ -14192,17 +14702,7 @@
             <a:pPr algn="just" eaLnBrk="1" hangingPunct="1">
               <a:defRPr/>
             </a:pPr>
-            <a:endParaRPr lang="en-NL" altLang="fr-FR" sz="2200" dirty="0">
-              <a:solidFill>
-                <a:srgbClr val="4E4748"/>
-              </a:solidFill>
-            </a:endParaRPr>
-          </a:p>
-          <a:p>
-            <a:pPr algn="just" eaLnBrk="1" hangingPunct="1">
-              <a:defRPr/>
-            </a:pPr>
-            <a:endParaRPr lang="fr-FR" altLang="fr-FR" sz="2200" dirty="0">
+            <a:endParaRPr lang="fr-FR" altLang="fr-FR" sz="2200">
               <a:solidFill>
                 <a:srgbClr val="4E4748"/>
               </a:solidFill>
@@ -14217,6 +14717,8 @@
                 <a:solidFill>
                   <a:srgbClr val="4E4748"/>
                 </a:solidFill>
+                <a:latin typeface="Arial"/>
+                <a:cs typeface="Arial"/>
               </a:rPr>
               <a:t>pariatur</a:t>
             </a:r>
@@ -14225,6 +14727,8 @@
                 <a:solidFill>
                   <a:srgbClr val="4E4748"/>
                 </a:solidFill>
+                <a:latin typeface="Arial"/>
+                <a:cs typeface="Arial"/>
               </a:rPr>
               <a:t>. </a:t>
             </a:r>
@@ -14233,6 +14737,8 @@
                 <a:solidFill>
                   <a:srgbClr val="4E4748"/>
                 </a:solidFill>
+                <a:latin typeface="Arial"/>
+                <a:cs typeface="Arial"/>
               </a:rPr>
               <a:t>Excepteur</a:t>
             </a:r>
@@ -14241,6 +14747,8 @@
                 <a:solidFill>
                   <a:srgbClr val="4E4748"/>
                 </a:solidFill>
+                <a:latin typeface="Arial"/>
+                <a:cs typeface="Arial"/>
               </a:rPr>
               <a:t> </a:t>
             </a:r>
@@ -14249,6 +14757,8 @@
                 <a:solidFill>
                   <a:srgbClr val="4E4748"/>
                 </a:solidFill>
+                <a:latin typeface="Arial"/>
+                <a:cs typeface="Arial"/>
               </a:rPr>
               <a:t>sint</a:t>
             </a:r>
@@ -14257,6 +14767,8 @@
                 <a:solidFill>
                   <a:srgbClr val="4E4748"/>
                 </a:solidFill>
+                <a:latin typeface="Arial"/>
+                <a:cs typeface="Arial"/>
               </a:rPr>
               <a:t> </a:t>
             </a:r>
@@ -14265,6 +14777,8 @@
                 <a:solidFill>
                   <a:srgbClr val="4E4748"/>
                 </a:solidFill>
+                <a:latin typeface="Arial"/>
+                <a:cs typeface="Arial"/>
               </a:rPr>
               <a:t>occaecat</a:t>
             </a:r>
@@ -14273,6 +14787,8 @@
                 <a:solidFill>
                   <a:srgbClr val="4E4748"/>
                 </a:solidFill>
+                <a:latin typeface="Arial"/>
+                <a:cs typeface="Arial"/>
               </a:rPr>
               <a:t> </a:t>
             </a:r>
@@ -14281,6 +14797,8 @@
                 <a:solidFill>
                   <a:srgbClr val="4E4748"/>
                 </a:solidFill>
+                <a:latin typeface="Arial"/>
+                <a:cs typeface="Arial"/>
               </a:rPr>
               <a:t>cupidatat</a:t>
             </a:r>
@@ -14289,6 +14807,8 @@
                 <a:solidFill>
                   <a:srgbClr val="4E4748"/>
                 </a:solidFill>
+                <a:latin typeface="Arial"/>
+                <a:cs typeface="Arial"/>
               </a:rPr>
               <a:t> non </a:t>
             </a:r>
@@ -14297,6 +14817,8 @@
                 <a:solidFill>
                   <a:srgbClr val="4E4748"/>
                 </a:solidFill>
+                <a:latin typeface="Arial"/>
+                <a:cs typeface="Arial"/>
               </a:rPr>
               <a:t>proident</a:t>
             </a:r>
@@ -14305,6 +14827,8 @@
                 <a:solidFill>
                   <a:srgbClr val="4E4748"/>
                 </a:solidFill>
+                <a:latin typeface="Arial"/>
+                <a:cs typeface="Arial"/>
               </a:rPr>
               <a:t>, </a:t>
             </a:r>
@@ -14313,6 +14837,8 @@
                 <a:solidFill>
                   <a:srgbClr val="4E4748"/>
                 </a:solidFill>
+                <a:latin typeface="Arial"/>
+                <a:cs typeface="Arial"/>
               </a:rPr>
               <a:t>sunt</a:t>
             </a:r>
@@ -14321,6 +14847,8 @@
                 <a:solidFill>
                   <a:srgbClr val="4E4748"/>
                 </a:solidFill>
+                <a:latin typeface="Arial"/>
+                <a:cs typeface="Arial"/>
               </a:rPr>
               <a:t> in culpa qui officia </a:t>
             </a:r>
@@ -14329,6 +14857,8 @@
                 <a:solidFill>
                   <a:srgbClr val="4E4748"/>
                 </a:solidFill>
+                <a:latin typeface="Arial"/>
+                <a:cs typeface="Arial"/>
               </a:rPr>
               <a:t>deserunt</a:t>
             </a:r>
@@ -14337,6 +14867,8 @@
                 <a:solidFill>
                   <a:srgbClr val="4E4748"/>
                 </a:solidFill>
+                <a:latin typeface="Arial"/>
+                <a:cs typeface="Arial"/>
               </a:rPr>
               <a:t> mollit </a:t>
             </a:r>
@@ -14345,6 +14877,8 @@
                 <a:solidFill>
                   <a:srgbClr val="4E4748"/>
                 </a:solidFill>
+                <a:latin typeface="Arial"/>
+                <a:cs typeface="Arial"/>
               </a:rPr>
               <a:t>anim</a:t>
             </a:r>
@@ -14353,6 +14887,8 @@
                 <a:solidFill>
                   <a:srgbClr val="4E4748"/>
                 </a:solidFill>
+                <a:latin typeface="Arial"/>
+                <a:cs typeface="Arial"/>
               </a:rPr>
               <a:t> id est </a:t>
             </a:r>
@@ -14361,6 +14897,8 @@
                 <a:solidFill>
                   <a:srgbClr val="4E4748"/>
                 </a:solidFill>
+                <a:latin typeface="Arial"/>
+                <a:cs typeface="Arial"/>
               </a:rPr>
               <a:t>laborum</a:t>
             </a:r>
@@ -14369,10 +14907,12 @@
                 <a:solidFill>
                   <a:srgbClr val="4E4748"/>
                 </a:solidFill>
+                <a:latin typeface="Arial"/>
+                <a:cs typeface="Arial"/>
               </a:rPr>
-              <a:t>. </a:t>
+              <a:t>. </a:t>
             </a:r>
-            <a:endParaRPr lang="en-NL" altLang="fr-FR" sz="2200" dirty="0">
+            <a:endParaRPr lang="en-NL" altLang="fr-FR" sz="2200">
               <a:solidFill>
                 <a:srgbClr val="4E4748"/>
               </a:solidFill>
@@ -14382,7 +14922,7 @@
             <a:pPr algn="just" eaLnBrk="1" hangingPunct="1">
               <a:defRPr/>
             </a:pPr>
-            <a:endParaRPr lang="fr-FR" altLang="fr-FR" sz="2200" dirty="0">
+            <a:endParaRPr lang="fr-FR" altLang="fr-FR" sz="2200">
               <a:solidFill>
                 <a:srgbClr val="4E4748"/>
               </a:solidFill>
@@ -14397,24 +14937,50 @@
                 <a:solidFill>
                   <a:srgbClr val="4E4748"/>
                 </a:solidFill>
+                <a:latin typeface="Arial"/>
+                <a:cs typeface="Arial"/>
               </a:rPr>
-              <a:t>Data Visualisation</a:t>
+              <a:t>Data </a:t>
+            </a:r>
+            <a:r>
+              <a:rPr lang="en-NL" altLang="fr-FR" sz="2400" b="1" dirty="0" err="1">
+                <a:solidFill>
+                  <a:srgbClr val="4E4748"/>
+                </a:solidFill>
+                <a:latin typeface="Arial"/>
+                <a:cs typeface="Arial"/>
+              </a:rPr>
+              <a:t>Visualisation</a:t>
             </a:r>
             <a:r>
               <a:rPr lang="fr-FR" altLang="fr-FR" sz="2400" b="1" dirty="0">
                 <a:solidFill>
                   <a:srgbClr val="4E4748"/>
                 </a:solidFill>
+                <a:latin typeface="Arial"/>
+                <a:cs typeface="Arial"/>
               </a:rPr>
               <a:t>. </a:t>
             </a:r>
             <a:r>
+              <a:rPr lang="en-NL" altLang="fr-FR" sz="2200" dirty="0" err="1">
+                <a:solidFill>
+                  <a:srgbClr val="4E4748"/>
+                </a:solidFill>
+                <a:latin typeface="Arial"/>
+                <a:cs typeface="Arial"/>
+              </a:rPr>
+              <a:t>Visualise</a:t>
+            </a:r>
+            <a:r>
               <a:rPr lang="en-NL" altLang="fr-FR" sz="2200" dirty="0">
                 <a:solidFill>
                   <a:srgbClr val="4E4748"/>
                 </a:solidFill>
+                <a:latin typeface="Arial"/>
+                <a:cs typeface="Arial"/>
               </a:rPr>
-              <a:t>Visualise:</a:t>
+              <a:t>:</a:t>
             </a:r>
           </a:p>
           <a:p>
@@ -14428,6 +14994,8 @@
                 <a:solidFill>
                   <a:srgbClr val="4E4748"/>
                 </a:solidFill>
+                <a:latin typeface="Arial"/>
+                <a:cs typeface="Arial"/>
               </a:rPr>
               <a:t>Understand distribution of data</a:t>
             </a:r>
@@ -14439,12 +15007,24 @@
               <a:defRPr/>
             </a:pPr>
             <a:r>
+              <a:rPr lang="en-NL" altLang="fr-FR" sz="2200" dirty="0" err="1">
+                <a:solidFill>
+                  <a:srgbClr val="4E4748"/>
+                </a:solidFill>
+                <a:latin typeface="Arial"/>
+                <a:cs typeface="Arial"/>
+              </a:rPr>
+              <a:t>Visualise</a:t>
+            </a:r>
+            <a:r>
               <a:rPr lang="en-NL" altLang="fr-FR" sz="2200" dirty="0">
                 <a:solidFill>
                   <a:srgbClr val="4E4748"/>
                 </a:solidFill>
+                <a:latin typeface="Arial"/>
+                <a:cs typeface="Arial"/>
               </a:rPr>
-              <a:t>Visualise distribution of data, justify method.</a:t>
+              <a:t> distribution of data, justify method.</a:t>
             </a:r>
           </a:p>
           <a:p>
@@ -14454,13 +15034,22 @@
               <a:defRPr/>
             </a:pPr>
             <a:r>
-              <a:rPr lang="en-NL" altLang="fr-FR" sz="2200" dirty="0">
+              <a:rPr lang="en-NL" altLang="fr-FR" sz="2200">
                 <a:solidFill>
                   <a:srgbClr val="4E4748"/>
                 </a:solidFill>
+                <a:latin typeface="Arial"/>
+                <a:cs typeface="Arial"/>
               </a:rPr>
               <a:t>Visualise summery statistics of data, justify choice of inclusion</a:t>
             </a:r>
+            <a:endParaRPr lang="en-NL" altLang="fr-FR" sz="2200" dirty="0">
+              <a:solidFill>
+                <a:srgbClr val="4E4748"/>
+              </a:solidFill>
+              <a:latin typeface="Arial"/>
+              <a:cs typeface="Arial"/>
+            </a:endParaRPr>
           </a:p>
           <a:p>
             <a:pPr marL="342900" indent="-342900" algn="just" eaLnBrk="1" hangingPunct="1">
@@ -14468,7 +15057,7 @@
               <a:buChar char="-"/>
               <a:defRPr/>
             </a:pPr>
-            <a:endParaRPr lang="en-NL" altLang="fr-FR" sz="2200" dirty="0">
+            <a:endParaRPr lang="en-NL" altLang="fr-FR" sz="2200">
               <a:solidFill>
                 <a:srgbClr val="4E4748"/>
               </a:solidFill>
@@ -14479,34 +15068,42 @@
               <a:defRPr/>
             </a:pPr>
             <a:r>
-              <a:rPr lang="en-NL" altLang="fr-FR" sz="2200" dirty="0">
+              <a:rPr lang="en-NL" altLang="fr-FR" sz="2200">
                 <a:solidFill>
                   <a:srgbClr val="4E4748"/>
                 </a:solidFill>
+                <a:latin typeface="Arial"/>
+                <a:cs typeface="Arial"/>
               </a:rPr>
               <a:t>S</a:t>
             </a:r>
             <a:r>
-              <a:rPr lang="fr-FR" altLang="fr-FR" sz="2200" dirty="0" err="1">
+              <a:rPr lang="fr-FR" altLang="fr-FR" sz="2200" err="1">
                 <a:solidFill>
                   <a:srgbClr val="4E4748"/>
                 </a:solidFill>
+                <a:latin typeface="Arial"/>
+                <a:cs typeface="Arial"/>
               </a:rPr>
               <a:t>ed</a:t>
             </a:r>
             <a:r>
-              <a:rPr lang="fr-FR" altLang="fr-FR" sz="2200" dirty="0">
+              <a:rPr lang="fr-FR" altLang="fr-FR" sz="2200">
                 <a:solidFill>
                   <a:srgbClr val="4E4748"/>
                 </a:solidFill>
+                <a:latin typeface="Arial"/>
+                <a:cs typeface="Arial"/>
               </a:rPr>
               <a:t> ut </a:t>
             </a:r>
             <a:r>
-              <a:rPr lang="fr-FR" altLang="fr-FR" sz="2200" dirty="0" err="1">
+              <a:rPr lang="fr-FR" altLang="fr-FR" sz="2200" err="1">
                 <a:solidFill>
                   <a:srgbClr val="4E4748"/>
                 </a:solidFill>
+                <a:latin typeface="Arial"/>
+                <a:cs typeface="Arial"/>
               </a:rPr>
               <a:t>perspiciatis</a:t>
             </a:r>
@@ -14515,14 +15112,18 @@
                 <a:solidFill>
                   <a:srgbClr val="4E4748"/>
                 </a:solidFill>
+                <a:latin typeface="Arial"/>
+                <a:cs typeface="Arial"/>
               </a:rPr>
               <a:t> </a:t>
             </a:r>
             <a:r>
-              <a:rPr lang="fr-FR" altLang="fr-FR" sz="2200" dirty="0" err="1">
+              <a:rPr lang="fr-FR" altLang="fr-FR" sz="2200" err="1">
                 <a:solidFill>
                   <a:srgbClr val="4E4748"/>
                 </a:solidFill>
+                <a:latin typeface="Arial"/>
+                <a:cs typeface="Arial"/>
               </a:rPr>
               <a:t>unde</a:t>
             </a:r>
@@ -14531,14 +15132,18 @@
                 <a:solidFill>
                   <a:srgbClr val="4E4748"/>
                 </a:solidFill>
+                <a:latin typeface="Arial"/>
+                <a:cs typeface="Arial"/>
               </a:rPr>
               <a:t> </a:t>
             </a:r>
             <a:r>
-              <a:rPr lang="fr-FR" altLang="fr-FR" sz="2200" dirty="0" err="1">
+              <a:rPr lang="fr-FR" altLang="fr-FR" sz="2200" err="1">
                 <a:solidFill>
                   <a:srgbClr val="4E4748"/>
                 </a:solidFill>
+                <a:latin typeface="Arial"/>
+                <a:cs typeface="Arial"/>
               </a:rPr>
               <a:t>omnis</a:t>
             </a:r>
@@ -14547,14 +15152,18 @@
                 <a:solidFill>
                   <a:srgbClr val="4E4748"/>
                 </a:solidFill>
+                <a:latin typeface="Arial"/>
+                <a:cs typeface="Arial"/>
               </a:rPr>
               <a:t> </a:t>
             </a:r>
             <a:r>
-              <a:rPr lang="fr-FR" altLang="fr-FR" sz="2200" dirty="0" err="1">
+              <a:rPr lang="fr-FR" altLang="fr-FR" sz="2200" err="1">
                 <a:solidFill>
                   <a:srgbClr val="4E4748"/>
                 </a:solidFill>
+                <a:latin typeface="Arial"/>
+                <a:cs typeface="Arial"/>
               </a:rPr>
               <a:t>iste</a:t>
             </a:r>
@@ -14563,14 +15172,18 @@
                 <a:solidFill>
                   <a:srgbClr val="4E4748"/>
                 </a:solidFill>
+                <a:latin typeface="Arial"/>
+                <a:cs typeface="Arial"/>
               </a:rPr>
               <a:t> </a:t>
             </a:r>
             <a:r>
-              <a:rPr lang="fr-FR" altLang="fr-FR" sz="2200" dirty="0" err="1">
+              <a:rPr lang="fr-FR" altLang="fr-FR" sz="2200" err="1">
                 <a:solidFill>
                   <a:srgbClr val="4E4748"/>
                 </a:solidFill>
+                <a:latin typeface="Arial"/>
+                <a:cs typeface="Arial"/>
               </a:rPr>
               <a:t>natus</a:t>
             </a:r>
@@ -14579,14 +15192,18 @@
                 <a:solidFill>
                   <a:srgbClr val="4E4748"/>
                 </a:solidFill>
+                <a:latin typeface="Arial"/>
+                <a:cs typeface="Arial"/>
               </a:rPr>
               <a:t> </a:t>
             </a:r>
             <a:r>
-              <a:rPr lang="fr-FR" altLang="fr-FR" sz="2200" dirty="0" err="1">
+              <a:rPr lang="fr-FR" altLang="fr-FR" sz="2200" err="1">
                 <a:solidFill>
                   <a:srgbClr val="4E4748"/>
                 </a:solidFill>
+                <a:latin typeface="Arial"/>
+                <a:cs typeface="Arial"/>
               </a:rPr>
               <a:t>error</a:t>
             </a:r>
@@ -14595,14 +15212,18 @@
                 <a:solidFill>
                   <a:srgbClr val="4E4748"/>
                 </a:solidFill>
+                <a:latin typeface="Arial"/>
+                <a:cs typeface="Arial"/>
               </a:rPr>
               <a:t> </a:t>
             </a:r>
             <a:r>
-              <a:rPr lang="fr-FR" altLang="fr-FR" sz="2200" dirty="0" err="1">
+              <a:rPr lang="fr-FR" altLang="fr-FR" sz="2200" err="1">
                 <a:solidFill>
                   <a:srgbClr val="4E4748"/>
                 </a:solidFill>
+                <a:latin typeface="Arial"/>
+                <a:cs typeface="Arial"/>
               </a:rPr>
               <a:t>sit</a:t>
             </a:r>
@@ -14611,14 +15232,18 @@
                 <a:solidFill>
                   <a:srgbClr val="4E4748"/>
                 </a:solidFill>
+                <a:latin typeface="Arial"/>
+                <a:cs typeface="Arial"/>
               </a:rPr>
               <a:t> </a:t>
             </a:r>
             <a:r>
-              <a:rPr lang="fr-FR" altLang="fr-FR" sz="2200" dirty="0" err="1">
+              <a:rPr lang="fr-FR" altLang="fr-FR" sz="2200" err="1">
                 <a:solidFill>
                   <a:srgbClr val="4E4748"/>
                 </a:solidFill>
+                <a:latin typeface="Arial"/>
+                <a:cs typeface="Arial"/>
               </a:rPr>
               <a:t>voluptatem</a:t>
             </a:r>
@@ -14627,14 +15252,18 @@
                 <a:solidFill>
                   <a:srgbClr val="4E4748"/>
                 </a:solidFill>
+                <a:latin typeface="Arial"/>
+                <a:cs typeface="Arial"/>
               </a:rPr>
               <a:t> </a:t>
             </a:r>
             <a:r>
-              <a:rPr lang="fr-FR" altLang="fr-FR" sz="2200" dirty="0" err="1">
+              <a:rPr lang="fr-FR" altLang="fr-FR" sz="2200" err="1">
                 <a:solidFill>
                   <a:srgbClr val="4E4748"/>
                 </a:solidFill>
+                <a:latin typeface="Arial"/>
+                <a:cs typeface="Arial"/>
               </a:rPr>
               <a:t>accantium</a:t>
             </a:r>
@@ -14643,22 +15272,28 @@
                 <a:solidFill>
                   <a:srgbClr val="4E4748"/>
                 </a:solidFill>
+                <a:latin typeface="Arial"/>
+                <a:cs typeface="Arial"/>
               </a:rPr>
               <a:t> </a:t>
             </a:r>
             <a:r>
-              <a:rPr lang="fr-FR" altLang="fr-FR" sz="2200" dirty="0" err="1">
+              <a:rPr lang="fr-FR" altLang="fr-FR" sz="2200" err="1">
                 <a:solidFill>
                   <a:srgbClr val="4E4748"/>
                 </a:solidFill>
+                <a:latin typeface="Arial"/>
+                <a:cs typeface="Arial"/>
               </a:rPr>
               <a:t>doloremque</a:t>
             </a:r>
             <a:r>
-              <a:rPr lang="fr-FR" altLang="fr-FR" sz="2200" dirty="0">
+              <a:rPr lang="fr-FR" altLang="fr-FR" sz="2200">
                 <a:solidFill>
                   <a:srgbClr val="4E4748"/>
                 </a:solidFill>
+                <a:latin typeface="Arial"/>
+                <a:cs typeface="Arial"/>
               </a:rPr>
               <a:t> ut</a:t>
             </a:r>
@@ -14668,18 +15303,22 @@
               <a:defRPr/>
             </a:pPr>
             <a:r>
-              <a:rPr lang="fr-FR" altLang="fr-FR" sz="2200" dirty="0">
+              <a:rPr lang="fr-FR" altLang="fr-FR" sz="2200">
                 <a:solidFill>
                   <a:srgbClr val="4E4748"/>
                 </a:solidFill>
+                <a:latin typeface="Arial"/>
+                <a:cs typeface="Arial"/>
               </a:rPr>
               <a:t>Lorem ipsum </a:t>
             </a:r>
             <a:r>
-              <a:rPr lang="fr-FR" altLang="fr-FR" sz="2200" dirty="0" err="1">
+              <a:rPr lang="fr-FR" altLang="fr-FR" sz="2200" err="1">
                 <a:solidFill>
                   <a:srgbClr val="4E4748"/>
                 </a:solidFill>
+                <a:latin typeface="Arial"/>
+                <a:cs typeface="Arial"/>
               </a:rPr>
               <a:t>dolor</a:t>
             </a:r>
@@ -14688,14 +15327,18 @@
                 <a:solidFill>
                   <a:srgbClr val="4E4748"/>
                 </a:solidFill>
+                <a:latin typeface="Arial"/>
+                <a:cs typeface="Arial"/>
               </a:rPr>
               <a:t> </a:t>
             </a:r>
             <a:r>
-              <a:rPr lang="fr-FR" altLang="fr-FR" sz="2200" dirty="0" err="1">
+              <a:rPr lang="fr-FR" altLang="fr-FR" sz="2200" err="1">
                 <a:solidFill>
                   <a:srgbClr val="4E4748"/>
                 </a:solidFill>
+                <a:latin typeface="Arial"/>
+                <a:cs typeface="Arial"/>
               </a:rPr>
               <a:t>sit</a:t>
             </a:r>
@@ -14704,30 +15347,38 @@
                 <a:solidFill>
                   <a:srgbClr val="4E4748"/>
                 </a:solidFill>
+                <a:latin typeface="Arial"/>
+                <a:cs typeface="Arial"/>
               </a:rPr>
               <a:t> </a:t>
             </a:r>
             <a:r>
-              <a:rPr lang="fr-FR" altLang="fr-FR" sz="2200" dirty="0" err="1">
+              <a:rPr lang="fr-FR" altLang="fr-FR" sz="2200" err="1">
                 <a:solidFill>
                   <a:srgbClr val="4E4748"/>
                 </a:solidFill>
+                <a:latin typeface="Arial"/>
+                <a:cs typeface="Arial"/>
               </a:rPr>
               <a:t>amet</a:t>
             </a:r>
             <a:r>
-              <a:rPr lang="fr-FR" altLang="fr-FR" sz="2200" dirty="0">
+              <a:rPr lang="fr-FR" altLang="fr-FR" sz="2200">
                 <a:solidFill>
                   <a:srgbClr val="4E4748"/>
                 </a:solidFill>
+                <a:latin typeface="Arial"/>
+                <a:cs typeface="Arial"/>
               </a:rPr>
               <a:t>, </a:t>
             </a:r>
             <a:r>
-              <a:rPr lang="fr-FR" altLang="fr-FR" sz="2200" dirty="0" err="1">
+              <a:rPr lang="fr-FR" altLang="fr-FR" sz="2200" err="1">
                 <a:solidFill>
                   <a:srgbClr val="4E4748"/>
                 </a:solidFill>
+                <a:latin typeface="Arial"/>
+                <a:cs typeface="Arial"/>
               </a:rPr>
               <a:t>usantium</a:t>
             </a:r>
@@ -14736,25 +15387,36 @@
                 <a:solidFill>
                   <a:srgbClr val="4E4748"/>
                 </a:solidFill>
+                <a:latin typeface="Arial"/>
+                <a:cs typeface="Arial"/>
               </a:rPr>
               <a:t> </a:t>
             </a:r>
             <a:r>
-              <a:rPr lang="fr-FR" altLang="fr-FR" sz="2200" dirty="0" err="1">
+              <a:rPr lang="fr-FR" altLang="fr-FR" sz="2200" err="1">
                 <a:solidFill>
                   <a:srgbClr val="4E4748"/>
                 </a:solidFill>
+                <a:latin typeface="Arial"/>
+                <a:cs typeface="Arial"/>
               </a:rPr>
               <a:t>doloremque</a:t>
             </a:r>
             <a:r>
-              <a:rPr lang="fr-FR" altLang="fr-FR" sz="2200" dirty="0">
+              <a:rPr lang="fr-FR" altLang="fr-FR" sz="2200">
                 <a:solidFill>
                   <a:srgbClr val="4E4748"/>
                 </a:solidFill>
+                <a:latin typeface="Arial"/>
+                <a:cs typeface="Arial"/>
               </a:rPr>
-              <a:t> ut </a:t>
+              <a:t> ut </a:t>
             </a:r>
+            <a:endParaRPr lang="fr-FR" altLang="fr-FR" sz="2200">
+              <a:solidFill>
+                <a:srgbClr val="4E4748"/>
+              </a:solidFill>
+            </a:endParaRPr>
           </a:p>
         </p:txBody>
       </p:sp>
@@ -14775,7 +15437,7 @@
         <p:spPr bwMode="auto">
           <a:xfrm>
             <a:off x="646113" y="19729450"/>
-            <a:ext cx="9067800" cy="9325630"/>
+            <a:ext cx="9067800" cy="7632859"/>
           </a:xfrm>
           <a:prstGeom prst="rect">
             <a:avLst/>
@@ -14805,7 +15467,7 @@
           </a:extLst>
         </p:spPr>
         <p:txBody>
-          <a:bodyPr>
+          <a:bodyPr lIns="91440" tIns="45720" rIns="91440" bIns="45720" anchor="t">
             <a:spAutoFit/>
           </a:bodyPr>
           <a:lstStyle>
@@ -14957,14 +15619,470 @@
               <a:buNone/>
             </a:pPr>
             <a:r>
+              <a:rPr lang="en-NL" altLang="fr-FR" sz="2400" b="1" dirty="0" err="1">
+                <a:solidFill>
+                  <a:srgbClr val="4E4748"/>
+                </a:solidFill>
+                <a:latin typeface="Arial"/>
+                <a:cs typeface="Arial"/>
+              </a:rPr>
+              <a:t>Considerations</a:t>
+            </a:r>
+            <a:r>
               <a:rPr lang="en-NL" altLang="fr-FR" sz="2400" b="1" dirty="0">
                 <a:solidFill>
                   <a:srgbClr val="4E4748"/>
                 </a:solidFill>
+                <a:latin typeface="Arial"/>
+                <a:cs typeface="Arial"/>
               </a:rPr>
-              <a:t>Considerations in interpreting the data</a:t>
+              <a:t> in </a:t>
+            </a:r>
+            <a:r>
+              <a:rPr lang="en-NL" altLang="fr-FR" sz="2400" b="1" dirty="0" err="1">
+                <a:solidFill>
+                  <a:srgbClr val="4E4748"/>
+                </a:solidFill>
+                <a:latin typeface="Arial"/>
+                <a:cs typeface="Arial"/>
+              </a:rPr>
+              <a:t>interpreting</a:t>
+            </a:r>
+            <a:r>
+              <a:rPr lang="en-NL" altLang="fr-FR" sz="2400" b="1" dirty="0">
+                <a:solidFill>
+                  <a:srgbClr val="4E4748"/>
+                </a:solidFill>
+                <a:latin typeface="Arial"/>
+                <a:cs typeface="Arial"/>
+              </a:rPr>
+              <a:t> the data</a:t>
             </a:r>
             <a:endParaRPr lang="fr-FR" altLang="fr-FR" sz="2400" b="1" dirty="0">
+              <a:solidFill>
+                <a:srgbClr val="4E4748"/>
+              </a:solidFill>
+              <a:latin typeface="Arial"/>
+              <a:cs typeface="Arial"/>
+            </a:endParaRPr>
+          </a:p>
+          <a:p>
+            <a:pPr algn="just" eaLnBrk="1" hangingPunct="1">
+              <a:spcBef>
+                <a:spcPct val="0"/>
+              </a:spcBef>
+              <a:buFontTx/>
+              <a:buNone/>
+            </a:pPr>
+            <a:endParaRPr lang="fr-FR" altLang="fr-FR" sz="2200">
+              <a:solidFill>
+                <a:srgbClr val="4E4748"/>
+              </a:solidFill>
+            </a:endParaRPr>
+          </a:p>
+          <a:p>
+            <a:pPr algn="just" eaLnBrk="1" hangingPunct="1">
+              <a:spcBef>
+                <a:spcPct val="0"/>
+              </a:spcBef>
+              <a:buFont typeface="Wingdings" panose="05000000000000000000" pitchFamily="2" charset="2"/>
+              <a:buChar char="è"/>
+            </a:pPr>
+            <a:r>
+              <a:rPr lang="fr-FR" altLang="fr-FR" sz="2200" dirty="0">
+                <a:solidFill>
+                  <a:srgbClr val="4E4748"/>
+                </a:solidFill>
+                <a:latin typeface="Arial"/>
+                <a:cs typeface="Arial"/>
+              </a:rPr>
+              <a:t>  </a:t>
+            </a:r>
+            <a:r>
+              <a:rPr lang="en-NL" altLang="fr-FR" sz="2200" dirty="0">
+                <a:solidFill>
+                  <a:srgbClr val="4E4748"/>
+                </a:solidFill>
+                <a:latin typeface="Arial"/>
+                <a:cs typeface="Arial"/>
+              </a:rPr>
+              <a:t>Communicate an unbiased understanding of possible considerations (e.g. </a:t>
+            </a:r>
+            <a:r>
+              <a:rPr lang="en-GB" altLang="fr-FR" sz="2200" dirty="0">
+                <a:solidFill>
+                  <a:srgbClr val="4E4748"/>
+                </a:solidFill>
+                <a:latin typeface="Arial"/>
+                <a:cs typeface="Arial"/>
+              </a:rPr>
+              <a:t>M</a:t>
+            </a:r>
+            <a:r>
+              <a:rPr lang="en-NL" altLang="fr-FR" sz="2200" dirty="0" err="1">
+                <a:solidFill>
+                  <a:srgbClr val="4E4748"/>
+                </a:solidFill>
+                <a:latin typeface="Arial"/>
+                <a:cs typeface="Arial"/>
+              </a:rPr>
+              <a:t>issing</a:t>
+            </a:r>
+            <a:r>
+              <a:rPr lang="en-NL" altLang="fr-FR" sz="2200" dirty="0">
+                <a:solidFill>
+                  <a:srgbClr val="4E4748"/>
+                </a:solidFill>
+                <a:latin typeface="Arial"/>
+                <a:cs typeface="Arial"/>
+              </a:rPr>
+              <a:t> data, distribution, collection concerns, domain problems etc.)</a:t>
+            </a:r>
+          </a:p>
+          <a:p>
+            <a:pPr algn="just" eaLnBrk="1" hangingPunct="1">
+              <a:spcBef>
+                <a:spcPct val="0"/>
+              </a:spcBef>
+              <a:buFont typeface="Wingdings" panose="05000000000000000000" pitchFamily="2" charset="2"/>
+              <a:buChar char="è"/>
+            </a:pPr>
+            <a:r>
+              <a:rPr lang="en-NL" altLang="fr-FR" sz="2200" dirty="0">
+                <a:solidFill>
+                  <a:srgbClr val="4E4748"/>
+                </a:solidFill>
+                <a:latin typeface="Arial"/>
+                <a:cs typeface="Arial"/>
+              </a:rPr>
+              <a:t> Explains/supplements possible considerations with domain knowledge</a:t>
+            </a:r>
+          </a:p>
+          <a:p>
+            <a:pPr algn="just" eaLnBrk="1" hangingPunct="1">
+              <a:spcBef>
+                <a:spcPct val="0"/>
+              </a:spcBef>
+              <a:buNone/>
+            </a:pPr>
+            <a:endParaRPr lang="en-GB" altLang="fr-FR" sz="2200">
+              <a:solidFill>
+                <a:srgbClr val="4E4748"/>
+              </a:solidFill>
+            </a:endParaRPr>
+          </a:p>
+          <a:p>
+            <a:pPr algn="just" eaLnBrk="1" hangingPunct="1">
+              <a:spcBef>
+                <a:spcPct val="0"/>
+              </a:spcBef>
+              <a:buNone/>
+            </a:pPr>
+            <a:r>
+              <a:rPr lang="en-NL" altLang="fr-FR" sz="2200" dirty="0">
+                <a:solidFill>
+                  <a:srgbClr val="4E4748"/>
+                </a:solidFill>
+                <a:latin typeface="Arial"/>
+                <a:cs typeface="Arial"/>
+              </a:rPr>
+              <a:t>ILO: 5. Researching and </a:t>
+            </a:r>
+            <a:r>
+              <a:rPr lang="en-NL" altLang="fr-FR" sz="2200" dirty="0" err="1">
+                <a:solidFill>
+                  <a:srgbClr val="4E4748"/>
+                </a:solidFill>
+                <a:latin typeface="Arial"/>
+                <a:cs typeface="Arial"/>
+              </a:rPr>
+              <a:t>Analysing</a:t>
+            </a:r>
+            <a:endParaRPr lang="en-US" altLang="fr-FR" sz="2200" dirty="0" err="1">
+              <a:solidFill>
+                <a:srgbClr val="4E4748"/>
+              </a:solidFill>
+            </a:endParaRPr>
+          </a:p>
+          <a:p>
+            <a:pPr algn="just">
+              <a:spcBef>
+                <a:spcPct val="0"/>
+              </a:spcBef>
+              <a:buFont typeface="Arial" panose="020B0604020202020204" pitchFamily="34" charset="0"/>
+              <a:buNone/>
+            </a:pPr>
+            <a:endParaRPr lang="en-NL" altLang="fr-FR" sz="2200">
+              <a:solidFill>
+                <a:srgbClr val="4E4748"/>
+              </a:solidFill>
+              <a:latin typeface="Arial"/>
+              <a:cs typeface="Arial"/>
+            </a:endParaRPr>
+          </a:p>
+          <a:p>
+            <a:pPr algn="just" eaLnBrk="1" hangingPunct="1">
+              <a:spcBef>
+                <a:spcPct val="0"/>
+              </a:spcBef>
+              <a:buNone/>
+            </a:pPr>
+            <a:r>
+              <a:rPr lang="en-NL" altLang="fr-FR" sz="2200" dirty="0">
+                <a:solidFill>
+                  <a:srgbClr val="4E4748"/>
+                </a:solidFill>
+                <a:latin typeface="Arial"/>
+                <a:cs typeface="Arial"/>
+              </a:rPr>
+              <a:t>Dublin Descriptors: </a:t>
+            </a:r>
+            <a:r>
+              <a:rPr lang="en-US" sz="2200" dirty="0">
+                <a:solidFill>
+                  <a:srgbClr val="4E4748"/>
+                </a:solidFill>
+                <a:latin typeface="Arial"/>
+                <a:cs typeface="Arial"/>
+              </a:rPr>
+              <a:t>2. Application of Knowledge and Insight, </a:t>
+            </a:r>
+          </a:p>
+          <a:p>
+            <a:pPr algn="just" eaLnBrk="1" hangingPunct="1">
+              <a:spcBef>
+                <a:spcPct val="0"/>
+              </a:spcBef>
+              <a:buNone/>
+            </a:pPr>
+            <a:endParaRPr lang="en-NL" altLang="fr-FR" sz="2200" dirty="0">
+              <a:solidFill>
+                <a:srgbClr val="4E4748"/>
+              </a:solidFill>
+            </a:endParaRPr>
+          </a:p>
+          <a:p>
+            <a:pPr algn="just" eaLnBrk="1" hangingPunct="1">
+              <a:spcBef>
+                <a:spcPct val="0"/>
+              </a:spcBef>
+              <a:buFontTx/>
+              <a:buNone/>
+            </a:pPr>
+            <a:r>
+              <a:rPr lang="en-NL" altLang="fr-FR" sz="2400" b="1" dirty="0" err="1">
+                <a:solidFill>
+                  <a:srgbClr val="4E4748"/>
+                </a:solidFill>
+                <a:latin typeface="Arial"/>
+                <a:cs typeface="Arial"/>
+              </a:rPr>
+              <a:t>Recommentations</a:t>
+            </a:r>
+            <a:r>
+              <a:rPr lang="en-NL" altLang="fr-FR" sz="2400" b="1" dirty="0">
+                <a:solidFill>
+                  <a:srgbClr val="4E4748"/>
+                </a:solidFill>
+                <a:latin typeface="Arial"/>
+                <a:cs typeface="Arial"/>
+              </a:rPr>
+              <a:t> for future analyses &amp; data </a:t>
+            </a:r>
+            <a:r>
+              <a:rPr lang="en-NL" altLang="fr-FR" sz="2400" b="1" dirty="0" err="1">
+                <a:solidFill>
+                  <a:srgbClr val="4E4748"/>
+                </a:solidFill>
+                <a:latin typeface="Arial"/>
+                <a:cs typeface="Arial"/>
+              </a:rPr>
+              <a:t>driven</a:t>
+            </a:r>
+            <a:r>
+              <a:rPr lang="en-NL" altLang="fr-FR" sz="2400" b="1" dirty="0">
+                <a:solidFill>
+                  <a:srgbClr val="4E4748"/>
+                </a:solidFill>
+                <a:latin typeface="Arial"/>
+                <a:cs typeface="Arial"/>
+              </a:rPr>
+              <a:t> </a:t>
+            </a:r>
+            <a:r>
+              <a:rPr lang="en-NL" altLang="fr-FR" sz="2400" b="1" dirty="0" err="1">
+                <a:solidFill>
+                  <a:srgbClr val="4E4748"/>
+                </a:solidFill>
+                <a:latin typeface="Arial"/>
+                <a:cs typeface="Arial"/>
+              </a:rPr>
+              <a:t>decisions</a:t>
+            </a:r>
+            <a:r>
+              <a:rPr lang="en-NL" altLang="fr-FR" sz="2400" b="1" dirty="0">
+                <a:solidFill>
+                  <a:srgbClr val="4E4748"/>
+                </a:solidFill>
+                <a:latin typeface="Arial"/>
+                <a:cs typeface="Arial"/>
+              </a:rPr>
+              <a:t>:</a:t>
+            </a:r>
+            <a:endParaRPr lang="fr-FR" altLang="fr-FR" sz="2400" b="1" dirty="0">
+              <a:solidFill>
+                <a:srgbClr val="4E4748"/>
+              </a:solidFill>
+              <a:latin typeface="Arial"/>
+              <a:cs typeface="Arial"/>
+            </a:endParaRPr>
+          </a:p>
+          <a:p>
+            <a:pPr algn="just" eaLnBrk="1" hangingPunct="1">
+              <a:spcBef>
+                <a:spcPct val="0"/>
+              </a:spcBef>
+              <a:buFontTx/>
+              <a:buNone/>
+            </a:pPr>
+            <a:endParaRPr lang="fr-FR" altLang="fr-FR" sz="2200">
+              <a:solidFill>
+                <a:srgbClr val="4E4748"/>
+              </a:solidFill>
+            </a:endParaRPr>
+          </a:p>
+          <a:p>
+            <a:pPr algn="just" eaLnBrk="1" hangingPunct="1">
+              <a:spcBef>
+                <a:spcPct val="0"/>
+              </a:spcBef>
+              <a:buFont typeface="Wingdings" panose="05000000000000000000" pitchFamily="2" charset="2"/>
+              <a:buChar char="è"/>
+            </a:pPr>
+            <a:r>
+              <a:rPr lang="en-NL" altLang="fr-FR" sz="2200" dirty="0">
+                <a:solidFill>
+                  <a:srgbClr val="4E4748"/>
+                </a:solidFill>
+                <a:latin typeface="Arial"/>
+                <a:cs typeface="Arial"/>
+              </a:rPr>
+              <a:t> Form an unbiased judgement on the considerations</a:t>
+            </a:r>
+            <a:r>
+              <a:rPr lang="fr-FR" altLang="fr-FR" sz="2200" dirty="0">
+                <a:solidFill>
+                  <a:srgbClr val="4E4748"/>
+                </a:solidFill>
+                <a:latin typeface="Arial"/>
+                <a:cs typeface="Arial"/>
+              </a:rPr>
+              <a:t>  </a:t>
+            </a:r>
+            <a:endParaRPr lang="en-NL" altLang="fr-FR" sz="2200">
+              <a:solidFill>
+                <a:srgbClr val="4E4748"/>
+              </a:solidFill>
+            </a:endParaRPr>
+          </a:p>
+          <a:p>
+            <a:pPr algn="just" eaLnBrk="1" hangingPunct="1">
+              <a:spcBef>
+                <a:spcPct val="0"/>
+              </a:spcBef>
+              <a:buFont typeface="Wingdings" panose="05000000000000000000" pitchFamily="2" charset="2"/>
+              <a:buChar char="è"/>
+            </a:pPr>
+            <a:r>
+              <a:rPr lang="fr-FR" altLang="fr-FR" sz="2200" dirty="0">
+                <a:solidFill>
+                  <a:srgbClr val="4E4748"/>
+                </a:solidFill>
+                <a:latin typeface="Arial"/>
+                <a:cs typeface="Arial"/>
+              </a:rPr>
+              <a:t> </a:t>
+            </a:r>
+            <a:r>
+              <a:rPr lang="en-NL" altLang="fr-FR" sz="2200" dirty="0">
+                <a:solidFill>
+                  <a:srgbClr val="4E4748"/>
+                </a:solidFill>
+                <a:latin typeface="Arial"/>
+                <a:cs typeface="Arial"/>
+              </a:rPr>
+              <a:t>Propose meaningful future analyses for problem statement/domain</a:t>
+            </a:r>
+          </a:p>
+          <a:p>
+            <a:pPr algn="just" eaLnBrk="1" hangingPunct="1">
+              <a:spcBef>
+                <a:spcPct val="0"/>
+              </a:spcBef>
+              <a:buFont typeface="Wingdings" panose="05000000000000000000" pitchFamily="2" charset="2"/>
+              <a:buChar char="è"/>
+            </a:pPr>
+            <a:endParaRPr lang="fr-FR" altLang="fr-FR" sz="2200">
+              <a:solidFill>
+                <a:srgbClr val="4E4748"/>
+              </a:solidFill>
+            </a:endParaRPr>
+          </a:p>
+          <a:p>
+            <a:pPr algn="just" eaLnBrk="1" hangingPunct="1">
+              <a:spcBef>
+                <a:spcPct val="0"/>
+              </a:spcBef>
+              <a:buNone/>
+            </a:pPr>
+            <a:r>
+              <a:rPr lang="en-NL" altLang="fr-FR" sz="2200" dirty="0">
+                <a:solidFill>
+                  <a:srgbClr val="4E4748"/>
+                </a:solidFill>
+                <a:latin typeface="Arial"/>
+                <a:cs typeface="Arial"/>
+              </a:rPr>
+              <a:t>ILO: 4. Conceptualizing</a:t>
+            </a:r>
+            <a:endParaRPr lang="en-NL" altLang="fr-FR" sz="2200" dirty="0">
+              <a:solidFill>
+                <a:srgbClr val="4E4748"/>
+              </a:solidFill>
+            </a:endParaRPr>
+          </a:p>
+          <a:p>
+            <a:pPr algn="just" eaLnBrk="1" hangingPunct="1">
+              <a:spcBef>
+                <a:spcPct val="0"/>
+              </a:spcBef>
+              <a:buFontTx/>
+              <a:buNone/>
+            </a:pPr>
+            <a:endParaRPr lang="en-NL" altLang="fr-FR" sz="2200">
+              <a:solidFill>
+                <a:srgbClr val="4E4748"/>
+              </a:solidFill>
+            </a:endParaRPr>
+          </a:p>
+          <a:p>
+            <a:pPr algn="just" eaLnBrk="1" hangingPunct="1">
+              <a:spcBef>
+                <a:spcPct val="0"/>
+              </a:spcBef>
+              <a:buNone/>
+            </a:pPr>
+            <a:r>
+              <a:rPr lang="en-NL" altLang="fr-FR" sz="2200" dirty="0">
+                <a:solidFill>
+                  <a:srgbClr val="4E4748"/>
+                </a:solidFill>
+                <a:latin typeface="Arial"/>
+                <a:cs typeface="Arial"/>
+              </a:rPr>
+              <a:t>Dublin Descriptors: 3. Making Judgements</a:t>
+            </a:r>
+            <a:endParaRPr lang="en-NL" altLang="fr-FR" sz="2200" dirty="0">
               <a:solidFill>
                 <a:srgbClr val="4E4748"/>
               </a:solidFill>
@@ -14982,453 +16100,8 @@
               <a:solidFill>
                 <a:srgbClr val="4E4748"/>
               </a:solidFill>
-            </a:endParaRPr>
-          </a:p>
-          <a:p>
-            <a:pPr algn="just" eaLnBrk="1" hangingPunct="1">
-              <a:spcBef>
-                <a:spcPct val="0"/>
-              </a:spcBef>
-              <a:buFont typeface="Wingdings" panose="05000000000000000000" pitchFamily="2" charset="2"/>
-              <a:buChar char="è"/>
-            </a:pPr>
-            <a:r>
-              <a:rPr lang="fr-FR" altLang="fr-FR" sz="2200" dirty="0">
-                <a:solidFill>
-                  <a:srgbClr val="4E4748"/>
-                </a:solidFill>
-              </a:rPr>
-              <a:t>  </a:t>
-            </a:r>
-            <a:r>
-              <a:rPr lang="en-NL" altLang="fr-FR" sz="2200" dirty="0">
-                <a:solidFill>
-                  <a:srgbClr val="4E4748"/>
-                </a:solidFill>
-              </a:rPr>
-              <a:t>Communicate an unbiased understanding of possible considerations (e.g. </a:t>
-            </a:r>
-            <a:r>
-              <a:rPr lang="en-GB" altLang="fr-FR" sz="2200" dirty="0">
-                <a:solidFill>
-                  <a:srgbClr val="4E4748"/>
-                </a:solidFill>
-              </a:rPr>
-              <a:t>M</a:t>
-            </a:r>
-            <a:r>
-              <a:rPr lang="en-NL" altLang="fr-FR" sz="2200" dirty="0" err="1">
-                <a:solidFill>
-                  <a:srgbClr val="4E4748"/>
-                </a:solidFill>
-              </a:rPr>
-              <a:t>issing</a:t>
-            </a:r>
-            <a:r>
-              <a:rPr lang="en-NL" altLang="fr-FR" sz="2200" dirty="0">
-                <a:solidFill>
-                  <a:srgbClr val="4E4748"/>
-                </a:solidFill>
-              </a:rPr>
-              <a:t> data, distribution, collection concerns, domain problems etc.)</a:t>
-            </a:r>
-          </a:p>
-          <a:p>
-            <a:pPr algn="just" eaLnBrk="1" hangingPunct="1">
-              <a:spcBef>
-                <a:spcPct val="0"/>
-              </a:spcBef>
-              <a:buFont typeface="Wingdings" panose="05000000000000000000" pitchFamily="2" charset="2"/>
-              <a:buChar char="è"/>
-            </a:pPr>
-            <a:r>
-              <a:rPr lang="en-NL" altLang="fr-FR" sz="2200" dirty="0">
-                <a:solidFill>
-                  <a:srgbClr val="4E4748"/>
-                </a:solidFill>
-              </a:rPr>
-              <a:t> Explains/supplements possible considerations with domain knowledge</a:t>
-            </a:r>
-          </a:p>
-          <a:p>
-            <a:pPr algn="just" eaLnBrk="1" hangingPunct="1">
-              <a:spcBef>
-                <a:spcPct val="0"/>
-              </a:spcBef>
-              <a:buNone/>
-            </a:pPr>
-            <a:endParaRPr lang="en-GB" altLang="fr-FR" sz="2200" dirty="0">
-              <a:solidFill>
-                <a:srgbClr val="4E4748"/>
-              </a:solidFill>
-            </a:endParaRPr>
-          </a:p>
-          <a:p>
-            <a:pPr algn="just" eaLnBrk="1" hangingPunct="1">
-              <a:spcBef>
-                <a:spcPct val="0"/>
-              </a:spcBef>
-              <a:buFontTx/>
-              <a:buNone/>
-            </a:pPr>
-            <a:r>
-              <a:rPr lang="en-NL" altLang="fr-FR" sz="2200" dirty="0">
-                <a:solidFill>
-                  <a:srgbClr val="4E4748"/>
-                </a:solidFill>
-              </a:rPr>
-              <a:t>ILO: Visualisation and Reporting, Researching and Reflecting Attitude, Domain knowledge, Responsibility (</a:t>
-            </a:r>
-            <a:r>
-              <a:rPr lang="en-NL" altLang="fr-FR" sz="2200" dirty="0" err="1">
-                <a:solidFill>
-                  <a:srgbClr val="4E4748"/>
-                </a:solidFill>
-              </a:rPr>
-              <a:t>Truthfull</a:t>
-            </a:r>
-            <a:r>
-              <a:rPr lang="en-NL" altLang="fr-FR" sz="2200" dirty="0">
-                <a:solidFill>
-                  <a:srgbClr val="4E4748"/>
-                </a:solidFill>
-              </a:rPr>
-              <a:t> about shortcomings?)</a:t>
-            </a:r>
-          </a:p>
-          <a:p>
-            <a:pPr algn="just" eaLnBrk="1" hangingPunct="1">
-              <a:spcBef>
-                <a:spcPct val="0"/>
-              </a:spcBef>
-              <a:buFontTx/>
-              <a:buNone/>
-            </a:pPr>
-            <a:endParaRPr lang="en-NL" altLang="fr-FR" sz="2200" dirty="0">
-              <a:solidFill>
-                <a:srgbClr val="4E4748"/>
-              </a:solidFill>
-            </a:endParaRPr>
-          </a:p>
-          <a:p>
-            <a:pPr algn="just" eaLnBrk="1" hangingPunct="1">
-              <a:spcBef>
-                <a:spcPct val="0"/>
-              </a:spcBef>
-              <a:buFontTx/>
-              <a:buNone/>
-            </a:pPr>
-            <a:r>
-              <a:rPr lang="en-NL" altLang="fr-FR" sz="2200" dirty="0">
-                <a:solidFill>
-                  <a:srgbClr val="4E4748"/>
-                </a:solidFill>
-              </a:rPr>
-              <a:t>Dublin Descriptors: 1, 3, 4</a:t>
-            </a:r>
-          </a:p>
-          <a:p>
-            <a:pPr algn="just" eaLnBrk="1" hangingPunct="1">
-              <a:spcBef>
-                <a:spcPct val="0"/>
-              </a:spcBef>
-              <a:buFontTx/>
-              <a:buNone/>
-            </a:pPr>
-            <a:r>
-              <a:rPr lang="en-NL" altLang="fr-FR" sz="2200" dirty="0">
-                <a:solidFill>
-                  <a:srgbClr val="4E4748"/>
-                </a:solidFill>
-              </a:rPr>
-              <a:t> </a:t>
-            </a:r>
-          </a:p>
-          <a:p>
-            <a:pPr algn="just" eaLnBrk="1" hangingPunct="1">
-              <a:spcBef>
-                <a:spcPct val="0"/>
-              </a:spcBef>
-              <a:buFontTx/>
-              <a:buNone/>
-            </a:pPr>
-            <a:endParaRPr lang="en-NL" altLang="fr-FR" sz="2200" dirty="0">
-              <a:solidFill>
-                <a:srgbClr val="4E4748"/>
-              </a:solidFill>
-            </a:endParaRPr>
-          </a:p>
-          <a:p>
-            <a:pPr algn="just" eaLnBrk="1" hangingPunct="1">
-              <a:spcBef>
-                <a:spcPct val="0"/>
-              </a:spcBef>
-              <a:buFontTx/>
-              <a:buNone/>
-            </a:pPr>
-            <a:r>
-              <a:rPr lang="en-NL" altLang="fr-FR" sz="2200" dirty="0" err="1">
-                <a:solidFill>
-                  <a:srgbClr val="4E4748"/>
-                </a:solidFill>
-              </a:rPr>
-              <a:t>BoKS</a:t>
-            </a:r>
-            <a:r>
-              <a:rPr lang="en-NL" altLang="fr-FR" sz="2200" dirty="0">
-                <a:solidFill>
-                  <a:srgbClr val="4E4748"/>
-                </a:solidFill>
-              </a:rPr>
-              <a:t>: 2K1(evaluate </a:t>
-            </a:r>
-            <a:r>
-              <a:rPr lang="en-NL" altLang="fr-FR" sz="2200" dirty="0" err="1">
-                <a:solidFill>
-                  <a:srgbClr val="4E4748"/>
-                </a:solidFill>
-              </a:rPr>
-              <a:t>proces</a:t>
-            </a:r>
-            <a:r>
-              <a:rPr lang="en-GB" altLang="fr-FR" sz="2200" dirty="0">
-                <a:solidFill>
-                  <a:srgbClr val="4E4748"/>
-                </a:solidFill>
-              </a:rPr>
-              <a:t>s</a:t>
-            </a:r>
-            <a:r>
-              <a:rPr lang="en-NL" altLang="fr-FR" sz="2200" dirty="0">
-                <a:solidFill>
-                  <a:srgbClr val="4E4748"/>
-                </a:solidFill>
-              </a:rPr>
-              <a:t>), </a:t>
-            </a:r>
-            <a:r>
-              <a:rPr lang="en-NL" altLang="fr-FR" sz="2200" dirty="0">
-                <a:solidFill>
-                  <a:srgbClr val="4E4748"/>
-                </a:solidFill>
-                <a:highlight>
-                  <a:srgbClr val="FFFF00"/>
-                </a:highlight>
-              </a:rPr>
-              <a:t>2K5(maybe too much/advanced one?)</a:t>
-            </a:r>
-            <a:endParaRPr lang="fr-FR" altLang="fr-FR" sz="2200" dirty="0">
-              <a:solidFill>
-                <a:srgbClr val="4E4748"/>
-              </a:solidFill>
-              <a:highlight>
-                <a:srgbClr val="FFFF00"/>
-              </a:highlight>
-            </a:endParaRPr>
-          </a:p>
-          <a:p>
-            <a:pPr algn="just" eaLnBrk="1" hangingPunct="1">
-              <a:spcBef>
-                <a:spcPct val="0"/>
-              </a:spcBef>
-              <a:buFontTx/>
-              <a:buNone/>
-            </a:pPr>
-            <a:r>
-              <a:rPr lang="en-NL" altLang="fr-FR" sz="2400" b="1" dirty="0" err="1">
-                <a:solidFill>
-                  <a:srgbClr val="4E4748"/>
-                </a:solidFill>
-              </a:rPr>
-              <a:t>Recommentations</a:t>
-            </a:r>
-            <a:r>
-              <a:rPr lang="en-NL" altLang="fr-FR" sz="2400" b="1" dirty="0">
-                <a:solidFill>
-                  <a:srgbClr val="4E4748"/>
-                </a:solidFill>
-              </a:rPr>
-              <a:t> for future analyses &amp; data driven decisions:</a:t>
-            </a:r>
-            <a:endParaRPr lang="fr-FR" altLang="fr-FR" sz="2400" b="1" dirty="0">
-              <a:solidFill>
-                <a:srgbClr val="4E4748"/>
-              </a:solidFill>
-            </a:endParaRPr>
-          </a:p>
-          <a:p>
-            <a:pPr algn="just" eaLnBrk="1" hangingPunct="1">
-              <a:spcBef>
-                <a:spcPct val="0"/>
-              </a:spcBef>
-              <a:buFontTx/>
-              <a:buNone/>
-            </a:pPr>
-            <a:endParaRPr lang="fr-FR" altLang="fr-FR" sz="2200" dirty="0">
-              <a:solidFill>
-                <a:srgbClr val="4E4748"/>
-              </a:solidFill>
-            </a:endParaRPr>
-          </a:p>
-          <a:p>
-            <a:pPr algn="just" eaLnBrk="1" hangingPunct="1">
-              <a:spcBef>
-                <a:spcPct val="0"/>
-              </a:spcBef>
-              <a:buFont typeface="Wingdings" panose="05000000000000000000" pitchFamily="2" charset="2"/>
-              <a:buChar char="è"/>
-            </a:pPr>
-            <a:r>
-              <a:rPr lang="en-NL" altLang="fr-FR" sz="2200" dirty="0">
-                <a:solidFill>
-                  <a:srgbClr val="4E4748"/>
-                </a:solidFill>
-              </a:rPr>
-              <a:t> Form an unbiased judgement on the considerations</a:t>
-            </a:r>
-            <a:r>
-              <a:rPr lang="fr-FR" altLang="fr-FR" sz="2200" dirty="0">
-                <a:solidFill>
-                  <a:srgbClr val="4E4748"/>
-                </a:solidFill>
-              </a:rPr>
-              <a:t>  </a:t>
-            </a:r>
-            <a:endParaRPr lang="en-NL" altLang="fr-FR" sz="2200" dirty="0">
-              <a:solidFill>
-                <a:srgbClr val="4E4748"/>
-              </a:solidFill>
-            </a:endParaRPr>
-          </a:p>
-          <a:p>
-            <a:pPr algn="just" eaLnBrk="1" hangingPunct="1">
-              <a:spcBef>
-                <a:spcPct val="0"/>
-              </a:spcBef>
-              <a:buFont typeface="Wingdings" panose="05000000000000000000" pitchFamily="2" charset="2"/>
-              <a:buChar char="è"/>
-            </a:pPr>
-            <a:r>
-              <a:rPr lang="fr-FR" altLang="fr-FR" sz="2200" dirty="0">
-                <a:solidFill>
-                  <a:srgbClr val="4E4748"/>
-                </a:solidFill>
-              </a:rPr>
-              <a:t> </a:t>
-            </a:r>
-            <a:r>
-              <a:rPr lang="en-NL" altLang="fr-FR" sz="2200" dirty="0">
-                <a:solidFill>
-                  <a:srgbClr val="4E4748"/>
-                </a:solidFill>
-              </a:rPr>
-              <a:t>Propose meaningful future analyses for problem statement/domain</a:t>
-            </a:r>
-          </a:p>
-          <a:p>
-            <a:pPr algn="just" eaLnBrk="1" hangingPunct="1">
-              <a:spcBef>
-                <a:spcPct val="0"/>
-              </a:spcBef>
-              <a:buFont typeface="Wingdings" panose="05000000000000000000" pitchFamily="2" charset="2"/>
-              <a:buChar char="è"/>
-            </a:pPr>
-            <a:endParaRPr lang="fr-FR" altLang="fr-FR" sz="2200" dirty="0">
-              <a:solidFill>
-                <a:srgbClr val="4E4748"/>
-              </a:solidFill>
-            </a:endParaRPr>
-          </a:p>
-          <a:p>
-            <a:pPr algn="just" eaLnBrk="1" hangingPunct="1">
-              <a:spcBef>
-                <a:spcPct val="0"/>
-              </a:spcBef>
-              <a:buFontTx/>
-              <a:buNone/>
-            </a:pPr>
-            <a:r>
-              <a:rPr lang="en-NL" altLang="fr-FR" sz="2200" dirty="0">
-                <a:solidFill>
-                  <a:srgbClr val="4E4748"/>
-                </a:solidFill>
-              </a:rPr>
-              <a:t>ILO: Visualisation and Reporting, Researching and Reflecting Attitude, Domain knowledge</a:t>
-            </a:r>
-          </a:p>
-          <a:p>
-            <a:pPr algn="just" eaLnBrk="1" hangingPunct="1">
-              <a:spcBef>
-                <a:spcPct val="0"/>
-              </a:spcBef>
-              <a:buFontTx/>
-              <a:buNone/>
-            </a:pPr>
-            <a:endParaRPr lang="en-NL" altLang="fr-FR" sz="2200" dirty="0">
-              <a:solidFill>
-                <a:srgbClr val="4E4748"/>
-              </a:solidFill>
-            </a:endParaRPr>
-          </a:p>
-          <a:p>
-            <a:pPr algn="just" eaLnBrk="1" hangingPunct="1">
-              <a:spcBef>
-                <a:spcPct val="0"/>
-              </a:spcBef>
-              <a:buFontTx/>
-              <a:buNone/>
-            </a:pPr>
-            <a:r>
-              <a:rPr lang="en-NL" altLang="fr-FR" sz="2200" dirty="0">
-                <a:solidFill>
-                  <a:srgbClr val="4E4748"/>
-                </a:solidFill>
-              </a:rPr>
-              <a:t>Dublin Descriptors: 1, 3, 4</a:t>
-            </a:r>
-          </a:p>
-          <a:p>
-            <a:pPr algn="just" eaLnBrk="1" hangingPunct="1">
-              <a:spcBef>
-                <a:spcPct val="0"/>
-              </a:spcBef>
-              <a:buFontTx/>
-              <a:buNone/>
-            </a:pPr>
-            <a:endParaRPr lang="en-NL" altLang="fr-FR" sz="2200" dirty="0">
-              <a:solidFill>
-                <a:srgbClr val="4E4748"/>
-              </a:solidFill>
-            </a:endParaRPr>
-          </a:p>
-          <a:p>
-            <a:pPr algn="just" eaLnBrk="1" hangingPunct="1">
-              <a:spcBef>
-                <a:spcPct val="0"/>
-              </a:spcBef>
-              <a:buFontTx/>
-              <a:buNone/>
-            </a:pPr>
-            <a:r>
-              <a:rPr lang="en-NL" altLang="fr-FR" sz="2200" dirty="0" err="1">
-                <a:solidFill>
-                  <a:srgbClr val="4E4748"/>
-                </a:solidFill>
-              </a:rPr>
-              <a:t>BoKS</a:t>
-            </a:r>
-            <a:r>
-              <a:rPr lang="en-NL" altLang="fr-FR" sz="2200" dirty="0">
-                <a:solidFill>
-                  <a:srgbClr val="4E4748"/>
-                </a:solidFill>
-              </a:rPr>
-              <a:t>: 2K1 (formulate clear objectives), 2S2</a:t>
-            </a:r>
-            <a:endParaRPr lang="fr-FR" altLang="fr-FR" sz="2200" dirty="0">
-              <a:solidFill>
-                <a:srgbClr val="4E4748"/>
-              </a:solidFill>
+              <a:latin typeface="Arial"/>
+              <a:cs typeface="Arial"/>
             </a:endParaRPr>
           </a:p>
         </p:txBody>
@@ -15450,7 +16123,7 @@
         <p:spPr bwMode="auto">
           <a:xfrm>
             <a:off x="646113" y="31049913"/>
-            <a:ext cx="9067800" cy="4493538"/>
+            <a:ext cx="9067800" cy="3477875"/>
           </a:xfrm>
           <a:prstGeom prst="rect">
             <a:avLst/>
@@ -15480,7 +16153,7 @@
           </a:extLst>
         </p:spPr>
         <p:txBody>
-          <a:bodyPr>
+          <a:bodyPr lIns="91440" tIns="45720" rIns="91440" bIns="45720" anchor="t">
             <a:spAutoFit/>
           </a:bodyPr>
           <a:lstStyle>
@@ -15632,7 +16305,7 @@
               <a:buNone/>
             </a:pPr>
             <a:r>
-              <a:rPr lang="en-NL" altLang="fr-FR" sz="2200" dirty="0">
+              <a:rPr lang="en-NL" altLang="fr-FR" sz="2200">
                 <a:solidFill>
                   <a:srgbClr val="4E4748"/>
                 </a:solidFill>
@@ -15647,7 +16320,7 @@
               </a:spcBef>
             </a:pPr>
             <a:r>
-              <a:rPr lang="en-NL" altLang="fr-FR" sz="2200" dirty="0">
+              <a:rPr lang="en-NL" altLang="fr-FR" sz="2200">
                 <a:solidFill>
                   <a:srgbClr val="4E4748"/>
                 </a:solidFill>
@@ -15662,7 +16335,7 @@
               </a:spcBef>
             </a:pPr>
             <a:r>
-              <a:rPr lang="en-NL" altLang="fr-FR" sz="2200" dirty="0">
+              <a:rPr lang="en-NL" altLang="fr-FR" sz="2200">
                 <a:solidFill>
                   <a:srgbClr val="4E4748"/>
                 </a:solidFill>
@@ -15677,7 +16350,7 @@
               </a:spcBef>
             </a:pPr>
             <a:r>
-              <a:rPr lang="en-NL" altLang="fr-FR" sz="2200" dirty="0">
+              <a:rPr lang="en-NL" altLang="fr-FR" sz="2200">
                 <a:solidFill>
                   <a:srgbClr val="4E4748"/>
                 </a:solidFill>
@@ -15693,7 +16366,7 @@
               <a:buFontTx/>
               <a:buNone/>
             </a:pPr>
-            <a:endParaRPr lang="en-NL" altLang="fr-FR" sz="2200" dirty="0">
+            <a:endParaRPr lang="en-NL" altLang="fr-FR" sz="2200">
               <a:solidFill>
                 <a:srgbClr val="4E4748"/>
               </a:solidFill>
@@ -15707,7 +16380,44 @@
               <a:buFontTx/>
               <a:buNone/>
             </a:pPr>
-            <a:endParaRPr lang="en-NL" altLang="fr-FR" sz="2200" dirty="0">
+            <a:endParaRPr lang="en-NL" altLang="fr-FR" sz="2200">
+              <a:solidFill>
+                <a:srgbClr val="4E4748"/>
+              </a:solidFill>
+            </a:endParaRPr>
+          </a:p>
+          <a:p>
+            <a:pPr algn="just" eaLnBrk="1" hangingPunct="1">
+              <a:spcBef>
+                <a:spcPct val="0"/>
+              </a:spcBef>
+              <a:buNone/>
+            </a:pPr>
+            <a:r>
+              <a:rPr lang="en-NL" altLang="fr-FR" sz="2200">
+                <a:solidFill>
+                  <a:srgbClr val="4E4748"/>
+                </a:solidFill>
+                <a:latin typeface="Arial"/>
+                <a:cs typeface="Arial"/>
+              </a:rPr>
+              <a:t>ILO: 4. Conceptualizing, 5. Researching and Analysing</a:t>
+            </a:r>
+            <a:endParaRPr lang="en-NL" altLang="fr-FR" sz="2200">
+              <a:solidFill>
+                <a:srgbClr val="4E4748"/>
+              </a:solidFill>
+            </a:endParaRPr>
+          </a:p>
+          <a:p>
+            <a:pPr algn="just" eaLnBrk="1" hangingPunct="1">
+              <a:spcBef>
+                <a:spcPct val="0"/>
+              </a:spcBef>
+              <a:buFontTx/>
+              <a:buNone/>
+            </a:pPr>
+            <a:endParaRPr lang="en-NL" altLang="fr-FR" sz="2200">
               <a:solidFill>
                 <a:srgbClr val="4E4748"/>
               </a:solidFill>
@@ -15722,12 +16432,14 @@
               <a:buNone/>
             </a:pPr>
             <a:r>
-              <a:rPr lang="en-NL" altLang="fr-FR" sz="2200" dirty="0">
+              <a:rPr lang="en-NL" altLang="fr-FR" sz="2200">
                 <a:solidFill>
                   <a:srgbClr val="4E4748"/>
                 </a:solidFill>
+                <a:latin typeface="Arial"/>
+                <a:cs typeface="Arial"/>
               </a:rPr>
-              <a:t>ILO: Visualisation and Reporting, Researching and Reflecting Attitude, Domain knowledge</a:t>
+              <a:t>Dublin Descriptors: 1, 3</a:t>
             </a:r>
           </a:p>
           <a:p>
@@ -15738,92 +16450,7 @@
               <a:buFontTx/>
               <a:buNone/>
             </a:pPr>
-            <a:endParaRPr lang="en-NL" altLang="fr-FR" sz="2200" dirty="0">
-              <a:solidFill>
-                <a:srgbClr val="4E4748"/>
-              </a:solidFill>
-            </a:endParaRPr>
-          </a:p>
-          <a:p>
-            <a:pPr algn="just" eaLnBrk="1" hangingPunct="1">
-              <a:spcBef>
-                <a:spcPct val="0"/>
-              </a:spcBef>
-              <a:buFontTx/>
-              <a:buNone/>
-            </a:pPr>
-            <a:r>
-              <a:rPr lang="en-NL" altLang="fr-FR" sz="2200" dirty="0">
-                <a:solidFill>
-                  <a:srgbClr val="4E4748"/>
-                </a:solidFill>
-              </a:rPr>
-              <a:t>Dublin Descriptors: 1, 3, 4</a:t>
-            </a:r>
-          </a:p>
-          <a:p>
-            <a:pPr algn="just" eaLnBrk="1" hangingPunct="1">
-              <a:spcBef>
-                <a:spcPct val="0"/>
-              </a:spcBef>
-              <a:buFontTx/>
-              <a:buNone/>
-            </a:pPr>
-            <a:endParaRPr lang="en-NL" altLang="fr-FR" sz="2200" dirty="0">
-              <a:solidFill>
-                <a:srgbClr val="4E4748"/>
-              </a:solidFill>
-            </a:endParaRPr>
-          </a:p>
-          <a:p>
-            <a:pPr algn="just" eaLnBrk="1" hangingPunct="1">
-              <a:spcBef>
-                <a:spcPct val="0"/>
-              </a:spcBef>
-              <a:buFontTx/>
-              <a:buNone/>
-            </a:pPr>
-            <a:r>
-              <a:rPr lang="en-NL" altLang="fr-FR" sz="2200" dirty="0" err="1">
-                <a:solidFill>
-                  <a:srgbClr val="4E4748"/>
-                </a:solidFill>
-              </a:rPr>
-              <a:t>BoKS</a:t>
-            </a:r>
-            <a:r>
-              <a:rPr lang="en-NL" altLang="fr-FR" sz="2200" dirty="0">
-                <a:solidFill>
-                  <a:srgbClr val="4E4748"/>
-                </a:solidFill>
-              </a:rPr>
-              <a:t>: 2K1(Report about the </a:t>
-            </a:r>
-            <a:r>
-              <a:rPr lang="en-NL" altLang="fr-FR" sz="2200" dirty="0" err="1">
-                <a:solidFill>
-                  <a:srgbClr val="4E4748"/>
-                </a:solidFill>
-              </a:rPr>
-              <a:t>proces</a:t>
-            </a:r>
-            <a:r>
-              <a:rPr lang="en-GB" altLang="fr-FR" sz="2200" dirty="0">
-                <a:solidFill>
-                  <a:srgbClr val="4E4748"/>
-                </a:solidFill>
-              </a:rPr>
-              <a:t>s</a:t>
-            </a:r>
-            <a:r>
-              <a:rPr lang="en-NL" altLang="fr-FR" sz="2200" dirty="0">
-                <a:solidFill>
-                  <a:srgbClr val="4E4748"/>
-                </a:solidFill>
-              </a:rPr>
-              <a:t>: good summary?), 2S7 (understandable conclusion?)</a:t>
-            </a:r>
-            <a:endParaRPr lang="fr-FR" altLang="fr-FR" sz="2200" dirty="0">
+            <a:endParaRPr lang="fr-FR" altLang="fr-FR" sz="2200">
               <a:solidFill>
                 <a:srgbClr val="4E4748"/>
               </a:solidFill>
@@ -16084,7 +16711,7 @@
               <a:buNone/>
             </a:pPr>
             <a:r>
-              <a:rPr lang="en-NL" altLang="fr-FR" sz="4400" dirty="0">
+              <a:rPr lang="en-NL" altLang="fr-FR" sz="4400">
                 <a:solidFill>
                   <a:srgbClr val="495B64"/>
                 </a:solidFill>
@@ -16101,7 +16728,7 @@
               <a:buFontTx/>
               <a:buNone/>
             </a:pPr>
-            <a:endParaRPr lang="en-NL" altLang="fr-FR" sz="2800" dirty="0">
+            <a:endParaRPr lang="en-NL" altLang="fr-FR" sz="2800">
               <a:solidFill>
                 <a:srgbClr val="495B64"/>
               </a:solidFill>
@@ -16117,7 +16744,7 @@
               <a:buNone/>
             </a:pPr>
             <a:r>
-              <a:rPr lang="en-NL" altLang="fr-FR" sz="2800" dirty="0">
+              <a:rPr lang="en-NL" altLang="fr-FR" sz="2800">
                 <a:solidFill>
                   <a:srgbClr val="495B64"/>
                 </a:solidFill>
@@ -16126,7 +16753,7 @@
               <a:t>DATE</a:t>
             </a:r>
             <a:r>
-              <a:rPr lang="fr-FR" altLang="fr-FR" sz="2800" dirty="0">
+              <a:rPr lang="fr-FR" altLang="fr-FR" sz="2800">
                 <a:solidFill>
                   <a:srgbClr val="495B64"/>
                 </a:solidFill>
@@ -16134,7 +16761,7 @@
               </a:rPr>
               <a:t> :JJ/MM/AAAA</a:t>
             </a:r>
-            <a:endParaRPr lang="en-NL" altLang="fr-FR" sz="2800" dirty="0">
+            <a:endParaRPr lang="en-NL" altLang="fr-FR" sz="2800">
               <a:solidFill>
                 <a:srgbClr val="495B64"/>
               </a:solidFill>
@@ -16150,7 +16777,7 @@
               <a:buNone/>
             </a:pPr>
             <a:r>
-              <a:rPr lang="en-NL" altLang="fr-FR" sz="2800" dirty="0">
+              <a:rPr lang="en-NL" altLang="fr-FR" sz="2800">
                 <a:solidFill>
                   <a:srgbClr val="495B64"/>
                 </a:solidFill>
@@ -16158,7 +16785,7 @@
               </a:rPr>
               <a:t>GRADED BY:</a:t>
             </a:r>
-            <a:endParaRPr lang="fr-FR" altLang="fr-FR" sz="2800" dirty="0">
+            <a:endParaRPr lang="fr-FR" altLang="fr-FR" sz="2800">
               <a:solidFill>
                 <a:srgbClr val="495B64"/>
               </a:solidFill>
@@ -16247,7 +16874,7 @@
         <p:spPr bwMode="auto">
           <a:xfrm>
             <a:off x="10756900" y="19729450"/>
-            <a:ext cx="13678222" cy="4154984"/>
+            <a:ext cx="13678222" cy="3477875"/>
           </a:xfrm>
           <a:prstGeom prst="rect">
             <a:avLst/>
@@ -16277,7 +16904,7 @@
           </a:extLst>
         </p:spPr>
         <p:txBody>
-          <a:bodyPr wrap="square">
+          <a:bodyPr wrap="square" lIns="91440" tIns="45720" rIns="91440" bIns="45720" anchor="t">
             <a:spAutoFit/>
           </a:bodyPr>
           <a:lstStyle>
@@ -16425,7 +17052,6 @@
               <a:spcBef>
                 <a:spcPct val="0"/>
               </a:spcBef>
-              <a:buFontTx/>
               <a:buNone/>
             </a:pPr>
             <a:r>
@@ -16433,8 +17059,10 @@
                 <a:solidFill>
                   <a:srgbClr val="4E4748"/>
                 </a:solidFill>
+                <a:latin typeface="Arial"/>
+                <a:cs typeface="Arial"/>
               </a:rPr>
-              <a:t>Create Graphical representation and tables which are:</a:t>
+              <a:t>Create appropriate Graphical representation and tables which are:</a:t>
             </a:r>
           </a:p>
           <a:p>
@@ -16450,6 +17078,8 @@
                 <a:solidFill>
                   <a:srgbClr val="4E4748"/>
                 </a:solidFill>
+                <a:latin typeface="Arial"/>
+                <a:cs typeface="Arial"/>
               </a:rPr>
               <a:t>Informative: of the data (distribution)</a:t>
             </a:r>
@@ -16467,6 +17097,8 @@
                 <a:solidFill>
                   <a:srgbClr val="4E4748"/>
                 </a:solidFill>
+                <a:latin typeface="Arial"/>
+                <a:cs typeface="Arial"/>
               </a:rPr>
               <a:t>Meaninful</a:t>
             </a:r>
@@ -16475,6 +17107,8 @@
                 <a:solidFill>
                   <a:srgbClr val="4E4748"/>
                 </a:solidFill>
+                <a:latin typeface="Arial"/>
+                <a:cs typeface="Arial"/>
               </a:rPr>
               <a:t>: relevant to the data-drive research question</a:t>
             </a:r>
@@ -16492,6 +17126,8 @@
                 <a:solidFill>
                   <a:srgbClr val="4E4748"/>
                 </a:solidFill>
+                <a:latin typeface="Arial"/>
+                <a:cs typeface="Arial"/>
               </a:rPr>
               <a:t>U</a:t>
             </a:r>
@@ -16500,6 +17136,8 @@
                 <a:solidFill>
                   <a:srgbClr val="4E4748"/>
                 </a:solidFill>
+                <a:latin typeface="Arial"/>
+                <a:cs typeface="Arial"/>
               </a:rPr>
               <a:t>nbiased</a:t>
             </a:r>
@@ -16508,6 +17146,8 @@
                 <a:solidFill>
                   <a:srgbClr val="4E4748"/>
                 </a:solidFill>
+                <a:latin typeface="Arial"/>
+                <a:cs typeface="Arial"/>
               </a:rPr>
               <a:t>: towards your own expectations0</a:t>
             </a:r>
@@ -16525,6 +17165,8 @@
                 <a:solidFill>
                   <a:srgbClr val="4E4748"/>
                 </a:solidFill>
+                <a:latin typeface="Arial"/>
+                <a:cs typeface="Arial"/>
               </a:rPr>
               <a:t>Visually Clear &amp; Appealing</a:t>
             </a:r>
@@ -16542,6 +17184,8 @@
                 <a:solidFill>
                   <a:srgbClr val="4E4748"/>
                 </a:solidFill>
+                <a:latin typeface="Arial"/>
+                <a:cs typeface="Arial"/>
               </a:rPr>
               <a:t>Have appropriate legends and additional labels and comments where needed</a:t>
             </a:r>
@@ -16554,7 +17198,7 @@
               <a:buFontTx/>
               <a:buChar char="-"/>
             </a:pPr>
-            <a:endParaRPr lang="en-NL" altLang="fr-FR" sz="2200" dirty="0">
+            <a:endParaRPr lang="en-NL" altLang="fr-FR" sz="2200">
               <a:solidFill>
                 <a:srgbClr val="4E4748"/>
               </a:solidFill>
@@ -16565,7 +17209,6 @@
               <a:spcBef>
                 <a:spcPct val="0"/>
               </a:spcBef>
-              <a:buFontTx/>
               <a:buNone/>
             </a:pPr>
             <a:r>
@@ -16573,60 +17216,28 @@
                 <a:solidFill>
                   <a:srgbClr val="4E4748"/>
                 </a:solidFill>
+                <a:latin typeface="Arial"/>
+                <a:cs typeface="Arial"/>
               </a:rPr>
-              <a:t>ILO: </a:t>
+              <a:t>ILO: 5. Researching and </a:t>
             </a:r>
             <a:r>
               <a:rPr lang="en-NL" altLang="fr-FR" sz="2200" dirty="0" err="1">
                 <a:solidFill>
                   <a:srgbClr val="4E4748"/>
                 </a:solidFill>
+                <a:latin typeface="Arial"/>
+                <a:cs typeface="Arial"/>
               </a:rPr>
-              <a:t>Visulisation</a:t>
+              <a:t>Analysing</a:t>
             </a:r>
-            <a:r>
-              <a:rPr lang="en-NL" altLang="fr-FR" sz="2200" dirty="0">
-                <a:solidFill>
-                  <a:srgbClr val="4E4748"/>
-                </a:solidFill>
-              </a:rPr>
-              <a:t> and Reporting, </a:t>
-            </a:r>
-            <a:r>
-              <a:rPr lang="en-NL" altLang="fr-FR" sz="2200" dirty="0">
-                <a:solidFill>
-                  <a:srgbClr val="4E4748"/>
-                </a:solidFill>
-                <a:highlight>
-                  <a:srgbClr val="FFFF00"/>
-                </a:highlight>
-              </a:rPr>
-              <a:t>Cooperation &amp; communication</a:t>
-            </a:r>
-            <a:r>
-              <a:rPr lang="en-NL" altLang="fr-FR" sz="2200" dirty="0">
-                <a:solidFill>
-                  <a:srgbClr val="4E4748"/>
-                </a:solidFill>
-              </a:rPr>
-              <a:t>, Responsibility (</a:t>
-            </a:r>
-            <a:r>
-              <a:rPr lang="en-NL" altLang="fr-FR" sz="2200" dirty="0" err="1">
-                <a:solidFill>
-                  <a:srgbClr val="4E4748"/>
-                </a:solidFill>
-              </a:rPr>
-              <a:t>Truthfull</a:t>
-            </a:r>
-            <a:r>
-              <a:rPr lang="en-NL" altLang="fr-FR" sz="2200" dirty="0">
-                <a:solidFill>
-                  <a:srgbClr val="4E4748"/>
-                </a:solidFill>
-              </a:rPr>
-              <a:t> Representations?)</a:t>
-            </a:r>
+            <a:endParaRPr lang="en-NL" altLang="fr-FR" sz="2200" dirty="0">
+              <a:solidFill>
+                <a:srgbClr val="4E4748"/>
+              </a:solidFill>
+              <a:latin typeface="Arial"/>
+              <a:cs typeface="Arial"/>
+            </a:endParaRPr>
           </a:p>
           <a:p>
             <a:pPr algn="just" eaLnBrk="1" hangingPunct="1">
@@ -16636,7 +17247,7 @@
               <a:buFontTx/>
               <a:buNone/>
             </a:pPr>
-            <a:endParaRPr lang="en-NL" altLang="fr-FR" sz="2200" dirty="0">
+            <a:endParaRPr lang="en-NL" altLang="fr-FR" sz="2200">
               <a:solidFill>
                 <a:srgbClr val="4E4748"/>
               </a:solidFill>
@@ -16647,7 +17258,6 @@
               <a:spcBef>
                 <a:spcPct val="0"/>
               </a:spcBef>
-              <a:buFontTx/>
               <a:buNone/>
             </a:pPr>
             <a:r>
@@ -16655,6 +17265,8 @@
                 <a:solidFill>
                   <a:srgbClr val="4E4748"/>
                 </a:solidFill>
+                <a:latin typeface="Arial"/>
+                <a:cs typeface="Arial"/>
               </a:rPr>
               <a:t>Dublin </a:t>
             </a:r>
@@ -16663,96 +17275,21 @@
                 <a:solidFill>
                   <a:srgbClr val="4E4748"/>
                 </a:solidFill>
+                <a:latin typeface="Arial"/>
+                <a:cs typeface="Arial"/>
               </a:rPr>
               <a:t>Descriptiors</a:t>
             </a:r>
             <a:r>
-              <a:rPr lang="en-NL" altLang="fr-FR" sz="2200" dirty="0">
+              <a:rPr lang="en-NL" altLang="fr-FR" sz="2200">
                 <a:solidFill>
                   <a:srgbClr val="4E4748"/>
                 </a:solidFill>
+                <a:latin typeface="Arial"/>
+                <a:cs typeface="Arial"/>
               </a:rPr>
-              <a:t>: 3,4</a:t>
+              <a:t>: 3</a:t>
             </a:r>
-          </a:p>
-          <a:p>
-            <a:pPr algn="just" eaLnBrk="1" hangingPunct="1">
-              <a:spcBef>
-                <a:spcPct val="0"/>
-              </a:spcBef>
-              <a:buFontTx/>
-              <a:buNone/>
-            </a:pPr>
-            <a:endParaRPr lang="en-NL" altLang="fr-FR" sz="2200" dirty="0">
-              <a:solidFill>
-                <a:srgbClr val="4E4748"/>
-              </a:solidFill>
-            </a:endParaRPr>
-          </a:p>
-          <a:p>
-            <a:pPr algn="just" eaLnBrk="1" hangingPunct="1">
-              <a:spcBef>
-                <a:spcPct val="0"/>
-              </a:spcBef>
-              <a:buFontTx/>
-              <a:buNone/>
-            </a:pPr>
-            <a:r>
-              <a:rPr lang="en-NL" altLang="fr-FR" sz="2200" dirty="0" err="1">
-                <a:solidFill>
-                  <a:srgbClr val="4E4748"/>
-                </a:solidFill>
-              </a:rPr>
-              <a:t>BoKS</a:t>
-            </a:r>
-            <a:r>
-              <a:rPr lang="en-NL" altLang="fr-FR" sz="2200" dirty="0">
-                <a:solidFill>
-                  <a:srgbClr val="4E4748"/>
-                </a:solidFill>
-              </a:rPr>
-              <a:t>: 2K1(Report and model </a:t>
-            </a:r>
-            <a:r>
-              <a:rPr lang="en-NL" altLang="fr-FR" sz="2200" dirty="0" err="1">
-                <a:solidFill>
-                  <a:srgbClr val="4E4748"/>
-                </a:solidFill>
-              </a:rPr>
-              <a:t>descriptives</a:t>
-            </a:r>
-            <a:r>
-              <a:rPr lang="en-NL" altLang="fr-FR" sz="2200" dirty="0">
-                <a:solidFill>
-                  <a:srgbClr val="4E4748"/>
-                </a:solidFill>
-              </a:rPr>
-              <a:t>), </a:t>
-            </a:r>
-            <a:r>
-              <a:rPr lang="en-NL" altLang="fr-FR" sz="2200" dirty="0">
-                <a:solidFill>
-                  <a:srgbClr val="4E4748"/>
-                </a:solidFill>
-                <a:highlight>
-                  <a:srgbClr val="FFFF00"/>
-                </a:highlight>
-              </a:rPr>
-              <a:t>2K5 (just reporting, maybe too much)</a:t>
-            </a:r>
-            <a:r>
-              <a:rPr lang="en-NL" altLang="fr-FR" sz="2200" dirty="0">
-                <a:solidFill>
-                  <a:srgbClr val="4E4748"/>
-                </a:solidFill>
-              </a:rPr>
-              <a:t>, 2S7</a:t>
-            </a:r>
-            <a:endParaRPr lang="fr-FR" altLang="fr-FR" sz="2200" dirty="0">
-              <a:solidFill>
-                <a:srgbClr val="4E4748"/>
-              </a:solidFill>
-            </a:endParaRPr>
           </a:p>
         </p:txBody>
       </p:sp>
@@ -16955,7 +17492,7 @@
               <a:buNone/>
             </a:pPr>
             <a:r>
-              <a:rPr lang="en-NL" altLang="fr-FR" sz="9600" dirty="0">
+              <a:rPr lang="en-NL" altLang="fr-FR" sz="9600">
                 <a:solidFill>
                   <a:srgbClr val="FAECD1"/>
                 </a:solidFill>
@@ -16973,7 +17510,7 @@
               <a:buNone/>
             </a:pPr>
             <a:r>
-              <a:rPr lang="en-NL" altLang="fr-FR" sz="9600" dirty="0">
+              <a:rPr lang="en-NL" altLang="fr-FR" sz="9600">
                 <a:solidFill>
                   <a:srgbClr val="FAECD1"/>
                 </a:solidFill>
@@ -16981,7 +17518,7 @@
               </a:rPr>
               <a:t>RESEARCH OBJECTIVE</a:t>
             </a:r>
-            <a:endParaRPr lang="fr-FR" altLang="fr-FR" sz="9600" dirty="0">
+            <a:endParaRPr lang="fr-FR" altLang="fr-FR" sz="9600">
               <a:solidFill>
                 <a:srgbClr val="FAECD1"/>
               </a:solidFill>
@@ -17278,7 +17815,7 @@
                 <a:buNone/>
               </a:pPr>
               <a:r>
-                <a:rPr lang="en-NL" altLang="fr-FR" sz="9600" dirty="0">
+                <a:rPr lang="en-NL" altLang="fr-FR" sz="9600">
                   <a:solidFill>
                     <a:srgbClr val="FAECD1"/>
                   </a:solidFill>
@@ -17286,7 +17823,7 @@
                 </a:rPr>
                 <a:t>PLACE THE RESULTS HERE...</a:t>
               </a:r>
-              <a:endParaRPr lang="fr-FR" altLang="fr-FR" sz="9600" dirty="0">
+              <a:endParaRPr lang="fr-FR" altLang="fr-FR" sz="9600">
                 <a:solidFill>
                   <a:srgbClr val="FAECD1"/>
                 </a:solidFill>
@@ -17574,7 +18111,7 @@
               <a:buNone/>
             </a:pPr>
             <a:r>
-              <a:rPr lang="en-GB" altLang="fr-FR" sz="7700" dirty="0">
+              <a:rPr lang="en-GB" altLang="fr-FR" sz="7700">
                 <a:solidFill>
                   <a:srgbClr val="F8DFA1"/>
                 </a:solidFill>
@@ -17584,7 +18121,7 @@
               <a:t>00  </a:t>
             </a:r>
             <a:r>
-              <a:rPr lang="en-GB" altLang="fr-FR" sz="7700" dirty="0">
+              <a:rPr lang="en-GB" altLang="fr-FR" sz="7700">
                 <a:solidFill>
                   <a:srgbClr val="ECC769"/>
                 </a:solidFill>
@@ -17599,6 +18136,76 @@
               </a:solidFill>
               <a:latin typeface="Futura-CondensedLight" pitchFamily="34" charset="0"/>
             </a:endParaRPr>
+          </a:p>
+        </p:txBody>
+      </p:sp>
+      <p:sp>
+        <p:nvSpPr>
+          <p:cNvPr id="4" name="Tekstvak 3">
+            <a:extLst>
+              <a:ext uri="{FF2B5EF4-FFF2-40B4-BE49-F238E27FC236}">
+                <a16:creationId xmlns:a16="http://schemas.microsoft.com/office/drawing/2014/main" id="{3D61161B-C449-4D00-ABAF-DD62BA50CBDB}"/>
+              </a:ext>
+            </a:extLst>
+          </p:cNvPr>
+          <p:cNvSpPr txBox="1"/>
+          <p:nvPr/>
+        </p:nvSpPr>
+        <p:spPr>
+          <a:xfrm>
+            <a:off x="13752512" y="21158200"/>
+            <a:ext cx="2743200" cy="369332"/>
+          </a:xfrm>
+          <a:prstGeom prst="rect">
+            <a:avLst/>
+          </a:prstGeom>
+          <a:noFill/>
+        </p:spPr>
+        <p:txBody>
+          <a:bodyPr rot="0" spcFirstLastPara="0" vertOverflow="overflow" horzOverflow="overflow" vert="horz" wrap="square" lIns="91440" tIns="45720" rIns="91440" bIns="45720" numCol="1" spcCol="0" rtlCol="0" fromWordArt="0" anchor="t" anchorCtr="0" forceAA="0" compatLnSpc="1">
+            <a:prstTxWarp prst="textNoShape">
+              <a:avLst/>
+            </a:prstTxWarp>
+            <a:spAutoFit/>
+          </a:bodyPr>
+          <a:lstStyle/>
+          <a:p>
+            <a:endParaRPr lang="en-US"/>
+          </a:p>
+        </p:txBody>
+      </p:sp>
+      <p:sp>
+        <p:nvSpPr>
+          <p:cNvPr id="8" name="Tekstvak 7">
+            <a:extLst>
+              <a:ext uri="{FF2B5EF4-FFF2-40B4-BE49-F238E27FC236}">
+                <a16:creationId xmlns:a16="http://schemas.microsoft.com/office/drawing/2014/main" id="{81095055-E67A-4C19-8064-9E7287EA53D6}"/>
+              </a:ext>
+            </a:extLst>
+          </p:cNvPr>
+          <p:cNvSpPr txBox="1"/>
+          <p:nvPr/>
+        </p:nvSpPr>
+        <p:spPr>
+          <a:xfrm>
+            <a:off x="13752512" y="21158200"/>
+            <a:ext cx="2743200" cy="369332"/>
+          </a:xfrm>
+          <a:prstGeom prst="rect">
+            <a:avLst/>
+          </a:prstGeom>
+          <a:noFill/>
+        </p:spPr>
+        <p:txBody>
+          <a:bodyPr rot="0" spcFirstLastPara="0" vertOverflow="overflow" horzOverflow="overflow" vert="horz" wrap="square" lIns="91440" tIns="45720" rIns="91440" bIns="45720" numCol="1" spcCol="0" rtlCol="0" fromWordArt="0" anchor="t" anchorCtr="0" forceAA="0" compatLnSpc="1">
+            <a:prstTxWarp prst="textNoShape">
+              <a:avLst/>
+            </a:prstTxWarp>
+            <a:spAutoFit/>
+          </a:bodyPr>
+          <a:lstStyle/>
+          <a:p>
+            <a:endParaRPr lang="en-US"/>
           </a:p>
         </p:txBody>
       </p:sp>
@@ -17834,7 +18441,7 @@
               <a:buNone/>
             </a:pPr>
             <a:r>
-              <a:rPr lang="en-GB" altLang="fr-FR" sz="7700" dirty="0">
+              <a:rPr lang="en-GB" altLang="fr-FR" sz="7700">
                 <a:solidFill>
                   <a:srgbClr val="495B64"/>
                 </a:solidFill>
@@ -17843,7 +18450,7 @@
               <a:t>To use</a:t>
             </a:r>
             <a:r>
-              <a:rPr lang="en-NL" altLang="fr-FR" sz="7700" dirty="0">
+              <a:rPr lang="en-NL" altLang="fr-FR" sz="7700">
                 <a:solidFill>
                   <a:srgbClr val="495B64"/>
                 </a:solidFill>
@@ -17851,7 +18458,7 @@
               </a:rPr>
               <a:t> </a:t>
             </a:r>
-            <a:endParaRPr lang="en-GB" altLang="fr-FR" sz="7700" dirty="0">
+            <a:endParaRPr lang="en-GB" altLang="fr-FR" sz="7700">
               <a:solidFill>
                 <a:srgbClr val="495B64"/>
               </a:solidFill>
@@ -17910,7 +18517,7 @@
             <a:pPr algn="ctr">
               <a:defRPr/>
             </a:pPr>
-            <a:endParaRPr lang="fr-FR" dirty="0"/>
+            <a:endParaRPr lang="fr-FR"/>
           </a:p>
         </p:txBody>
       </p:sp>
@@ -17964,7 +18571,7 @@
             <a:pPr algn="ctr">
               <a:defRPr/>
             </a:pPr>
-            <a:endParaRPr lang="fr-FR" dirty="0"/>
+            <a:endParaRPr lang="fr-FR"/>
           </a:p>
         </p:txBody>
       </p:sp>
@@ -18018,7 +18625,7 @@
             <a:pPr algn="ctr">
               <a:defRPr/>
             </a:pPr>
-            <a:endParaRPr lang="fr-FR" dirty="0"/>
+            <a:endParaRPr lang="fr-FR"/>
           </a:p>
         </p:txBody>
       </p:sp>
@@ -18072,7 +18679,7 @@
             <a:pPr algn="ctr">
               <a:defRPr/>
             </a:pPr>
-            <a:endParaRPr lang="fr-FR" dirty="0"/>
+            <a:endParaRPr lang="fr-FR"/>
           </a:p>
         </p:txBody>
       </p:sp>
@@ -18126,7 +18733,7 @@
             <a:pPr algn="ctr">
               <a:defRPr/>
             </a:pPr>
-            <a:endParaRPr lang="fr-FR" dirty="0"/>
+            <a:endParaRPr lang="fr-FR"/>
           </a:p>
         </p:txBody>
       </p:sp>
@@ -18180,7 +18787,7 @@
             <a:pPr algn="ctr">
               <a:defRPr/>
             </a:pPr>
-            <a:endParaRPr lang="fr-FR" dirty="0"/>
+            <a:endParaRPr lang="fr-FR"/>
           </a:p>
         </p:txBody>
       </p:sp>
@@ -18234,7 +18841,7 @@
             <a:pPr algn="ctr">
               <a:defRPr/>
             </a:pPr>
-            <a:endParaRPr lang="fr-FR" dirty="0"/>
+            <a:endParaRPr lang="fr-FR"/>
           </a:p>
         </p:txBody>
       </p:sp>
@@ -18288,7 +18895,7 @@
             <a:pPr algn="ctr">
               <a:defRPr/>
             </a:pPr>
-            <a:endParaRPr lang="fr-FR" dirty="0"/>
+            <a:endParaRPr lang="fr-FR"/>
           </a:p>
         </p:txBody>
       </p:sp>
@@ -18342,7 +18949,7 @@
             <a:pPr algn="ctr">
               <a:defRPr/>
             </a:pPr>
-            <a:endParaRPr lang="fr-FR" dirty="0"/>
+            <a:endParaRPr lang="fr-FR"/>
           </a:p>
         </p:txBody>
       </p:sp>
@@ -18421,7 +19028,7 @@
               <a:pPr algn="ctr">
                 <a:defRPr/>
               </a:pPr>
-              <a:endParaRPr lang="fr-FR" dirty="0"/>
+              <a:endParaRPr lang="fr-FR"/>
             </a:p>
           </p:txBody>
         </p:sp>
@@ -18478,7 +19085,7 @@
               <a:pPr algn="ctr">
                 <a:defRPr/>
               </a:pPr>
-              <a:endParaRPr lang="fr-FR" dirty="0"/>
+              <a:endParaRPr lang="fr-FR"/>
             </a:p>
           </p:txBody>
         </p:sp>
@@ -18535,7 +19142,7 @@
               <a:pPr algn="ctr">
                 <a:defRPr/>
               </a:pPr>
-              <a:endParaRPr lang="fr-FR" dirty="0"/>
+              <a:endParaRPr lang="fr-FR"/>
             </a:p>
           </p:txBody>
         </p:sp>
@@ -18592,7 +19199,7 @@
               <a:pPr algn="ctr">
                 <a:defRPr/>
               </a:pPr>
-              <a:endParaRPr lang="fr-FR" dirty="0"/>
+              <a:endParaRPr lang="fr-FR"/>
             </a:p>
           </p:txBody>
         </p:sp>
@@ -18649,7 +19256,7 @@
               <a:pPr algn="ctr">
                 <a:defRPr/>
               </a:pPr>
-              <a:endParaRPr lang="fr-FR" dirty="0"/>
+              <a:endParaRPr lang="fr-FR"/>
             </a:p>
           </p:txBody>
         </p:sp>
@@ -18703,7 +19310,7 @@
               <a:pPr algn="ctr">
                 <a:defRPr/>
               </a:pPr>
-              <a:endParaRPr lang="fr-FR" dirty="0"/>
+              <a:endParaRPr lang="fr-FR"/>
             </a:p>
           </p:txBody>
         </p:sp>
@@ -18760,7 +19367,7 @@
               <a:pPr algn="ctr">
                 <a:defRPr/>
               </a:pPr>
-              <a:endParaRPr lang="fr-FR" dirty="0"/>
+              <a:endParaRPr lang="fr-FR"/>
             </a:p>
           </p:txBody>
         </p:sp>
@@ -18818,7 +19425,7 @@
             <a:pPr algn="ctr">
               <a:defRPr/>
             </a:pPr>
-            <a:endParaRPr lang="fr-FR" dirty="0"/>
+            <a:endParaRPr lang="fr-FR"/>
           </a:p>
         </p:txBody>
       </p:sp>
@@ -18875,7 +19482,7 @@
             <a:pPr algn="ctr">
               <a:defRPr/>
             </a:pPr>
-            <a:endParaRPr lang="fr-FR" dirty="0"/>
+            <a:endParaRPr lang="fr-FR"/>
           </a:p>
         </p:txBody>
       </p:sp>
@@ -18932,7 +19539,7 @@
             <a:pPr algn="ctr">
               <a:defRPr/>
             </a:pPr>
-            <a:endParaRPr lang="fr-FR" dirty="0"/>
+            <a:endParaRPr lang="fr-FR"/>
           </a:p>
         </p:txBody>
       </p:sp>
@@ -18986,7 +19593,7 @@
             <a:pPr algn="ctr">
               <a:defRPr/>
             </a:pPr>
-            <a:endParaRPr lang="fr-FR" dirty="0"/>
+            <a:endParaRPr lang="fr-FR"/>
           </a:p>
         </p:txBody>
       </p:sp>
@@ -19040,7 +19647,7 @@
             <a:pPr algn="ctr">
               <a:defRPr/>
             </a:pPr>
-            <a:endParaRPr lang="fr-FR" dirty="0"/>
+            <a:endParaRPr lang="fr-FR"/>
           </a:p>
         </p:txBody>
       </p:sp>
@@ -19094,7 +19701,7 @@
             <a:pPr algn="ctr">
               <a:defRPr/>
             </a:pPr>
-            <a:endParaRPr lang="fr-FR" dirty="0"/>
+            <a:endParaRPr lang="fr-FR"/>
           </a:p>
         </p:txBody>
       </p:sp>
@@ -19148,7 +19755,7 @@
             <a:pPr algn="ctr">
               <a:defRPr/>
             </a:pPr>
-            <a:endParaRPr lang="fr-FR" dirty="0"/>
+            <a:endParaRPr lang="fr-FR"/>
           </a:p>
         </p:txBody>
       </p:sp>
@@ -19246,7 +19853,7 @@
             <a:pPr algn="ctr">
               <a:defRPr/>
             </a:pPr>
-            <a:endParaRPr lang="fr-FR" dirty="0"/>
+            <a:endParaRPr lang="fr-FR"/>
           </a:p>
         </p:txBody>
       </p:sp>
@@ -19325,7 +19932,7 @@
               <a:pPr algn="ctr">
                 <a:defRPr/>
               </a:pPr>
-              <a:endParaRPr lang="fr-FR" dirty="0"/>
+              <a:endParaRPr lang="fr-FR"/>
             </a:p>
           </p:txBody>
         </p:sp>
@@ -19381,7 +19988,7 @@
               <a:pPr algn="ctr">
                 <a:defRPr/>
               </a:pPr>
-              <a:endParaRPr lang="fr-FR" dirty="0"/>
+              <a:endParaRPr lang="fr-FR"/>
             </a:p>
           </p:txBody>
         </p:sp>
@@ -19483,7 +20090,7 @@
                 <a:pPr algn="ctr">
                   <a:defRPr/>
                 </a:pPr>
-                <a:endParaRPr lang="fr-FR" dirty="0"/>
+                <a:endParaRPr lang="fr-FR"/>
               </a:p>
             </p:txBody>
           </p:sp>
@@ -19540,7 +20147,7 @@
                 <a:pPr algn="ctr">
                   <a:defRPr/>
                 </a:pPr>
-                <a:endParaRPr lang="fr-FR" dirty="0"/>
+                <a:endParaRPr lang="fr-FR"/>
               </a:p>
             </p:txBody>
           </p:sp>
@@ -19744,7 +20351,7 @@
                 <a:buNone/>
               </a:pPr>
               <a:r>
-                <a:rPr lang="fr-FR" altLang="fr-FR" sz="5400" dirty="0">
+                <a:rPr lang="fr-FR" altLang="fr-FR" sz="5400">
                   <a:solidFill>
                     <a:srgbClr val="FAECD1"/>
                   </a:solidFill>
@@ -19753,7 +20360,7 @@
                 <a:t>01.TEXT</a:t>
               </a:r>
               <a:r>
-                <a:rPr lang="fr-FR" altLang="fr-FR" sz="6600" dirty="0">
+                <a:rPr lang="fr-FR" altLang="fr-FR" sz="6600">
                   <a:solidFill>
                     <a:srgbClr val="FAECD1"/>
                   </a:solidFill>
@@ -19963,7 +20570,7 @@
                 <a:buNone/>
               </a:pPr>
               <a:r>
-                <a:rPr lang="fr-FR" altLang="fr-FR" sz="3200" dirty="0">
+                <a:rPr lang="fr-FR" altLang="fr-FR" sz="3200">
                   <a:solidFill>
                     <a:srgbClr val="495B64"/>
                   </a:solidFill>
@@ -19972,7 +20579,7 @@
                 <a:t> qui officia </a:t>
               </a:r>
               <a:r>
-                <a:rPr lang="fr-FR" altLang="fr-FR" sz="3200" dirty="0" err="1">
+                <a:rPr lang="fr-FR" altLang="fr-FR" sz="3200" err="1">
                   <a:solidFill>
                     <a:srgbClr val="495B64"/>
                   </a:solidFill>
@@ -19981,7 +20588,7 @@
                 <a:t>deserunt</a:t>
               </a:r>
               <a:r>
-                <a:rPr lang="fr-FR" altLang="fr-FR" sz="3200" dirty="0">
+                <a:rPr lang="fr-FR" altLang="fr-FR" sz="3200">
                   <a:solidFill>
                     <a:srgbClr val="495B64"/>
                   </a:solidFill>
@@ -19990,7 +20597,7 @@
                 <a:t> mollit </a:t>
               </a:r>
               <a:r>
-                <a:rPr lang="fr-FR" altLang="fr-FR" sz="3200" dirty="0" err="1">
+                <a:rPr lang="fr-FR" altLang="fr-FR" sz="3200" err="1">
                   <a:solidFill>
                     <a:srgbClr val="495B64"/>
                   </a:solidFill>
@@ -19999,7 +20606,7 @@
                 <a:t>anim</a:t>
               </a:r>
               <a:r>
-                <a:rPr lang="fr-FR" altLang="fr-FR" sz="3200" dirty="0">
+                <a:rPr lang="fr-FR" altLang="fr-FR" sz="3200">
                   <a:solidFill>
                     <a:srgbClr val="495B64"/>
                   </a:solidFill>
@@ -20008,7 +20615,7 @@
                 <a:t> id est </a:t>
               </a:r>
               <a:r>
-                <a:rPr lang="fr-FR" altLang="fr-FR" sz="3200" dirty="0" err="1">
+                <a:rPr lang="fr-FR" altLang="fr-FR" sz="3200" err="1">
                   <a:solidFill>
                     <a:srgbClr val="495B64"/>
                   </a:solidFill>
@@ -20017,7 +20624,7 @@
                 <a:t>laborum</a:t>
               </a:r>
               <a:r>
-                <a:rPr lang="fr-FR" altLang="fr-FR" sz="3200" dirty="0">
+                <a:rPr lang="fr-FR" altLang="fr-FR" sz="3200">
                   <a:solidFill>
                     <a:srgbClr val="495B64"/>
                   </a:solidFill>
@@ -20026,7 +20633,7 @@
                 <a:t>. Sed ut </a:t>
               </a:r>
               <a:r>
-                <a:rPr lang="fr-FR" altLang="fr-FR" sz="3200" dirty="0" err="1">
+                <a:rPr lang="fr-FR" altLang="fr-FR" sz="3200" err="1">
                   <a:solidFill>
                     <a:srgbClr val="495B64"/>
                   </a:solidFill>
@@ -20035,7 +20642,7 @@
                 <a:t>perspiciatis</a:t>
               </a:r>
               <a:r>
-                <a:rPr lang="fr-FR" altLang="fr-FR" sz="3200" dirty="0">
+                <a:rPr lang="fr-FR" altLang="fr-FR" sz="3200">
                   <a:solidFill>
                     <a:srgbClr val="495B64"/>
                   </a:solidFill>
@@ -20044,7 +20651,7 @@
                 <a:t> </a:t>
               </a:r>
               <a:r>
-                <a:rPr lang="en-GB" altLang="fr-FR" sz="3200" dirty="0" err="1">
+                <a:rPr lang="en-GB" altLang="fr-FR" sz="3200" err="1">
                   <a:solidFill>
                     <a:srgbClr val="495B64"/>
                   </a:solidFill>
@@ -20053,7 +20660,7 @@
                 <a:t>unde</a:t>
               </a:r>
               <a:r>
-                <a:rPr lang="fr-FR" altLang="fr-FR" sz="3200" dirty="0">
+                <a:rPr lang="fr-FR" altLang="fr-FR" sz="3200">
                   <a:solidFill>
                     <a:srgbClr val="495B64"/>
                   </a:solidFill>
@@ -20062,7 +20669,7 @@
                 <a:t> </a:t>
               </a:r>
               <a:r>
-                <a:rPr lang="fr-FR" altLang="fr-FR" sz="3200" dirty="0" err="1">
+                <a:rPr lang="fr-FR" altLang="fr-FR" sz="3200" err="1">
                   <a:solidFill>
                     <a:srgbClr val="495B64"/>
                   </a:solidFill>
@@ -20071,7 +20678,7 @@
                 <a:t>omnis</a:t>
               </a:r>
               <a:r>
-                <a:rPr lang="fr-FR" altLang="fr-FR" sz="3200" dirty="0">
+                <a:rPr lang="fr-FR" altLang="fr-FR" sz="3200">
                   <a:solidFill>
                     <a:srgbClr val="495B64"/>
                   </a:solidFill>
@@ -20080,7 +20687,7 @@
                 <a:t> </a:t>
               </a:r>
               <a:r>
-                <a:rPr lang="fr-FR" altLang="fr-FR" sz="3200" dirty="0" err="1">
+                <a:rPr lang="fr-FR" altLang="fr-FR" sz="3200" err="1">
                   <a:solidFill>
                     <a:srgbClr val="495B64"/>
                   </a:solidFill>
@@ -20089,7 +20696,7 @@
                 <a:t>iste</a:t>
               </a:r>
               <a:r>
-                <a:rPr lang="fr-FR" altLang="fr-FR" sz="3200" dirty="0">
+                <a:rPr lang="fr-FR" altLang="fr-FR" sz="3200">
                   <a:solidFill>
                     <a:srgbClr val="495B64"/>
                   </a:solidFill>
@@ -20098,7 +20705,7 @@
                 <a:t> </a:t>
               </a:r>
               <a:r>
-                <a:rPr lang="fr-FR" altLang="fr-FR" sz="3200" dirty="0" err="1">
+                <a:rPr lang="fr-FR" altLang="fr-FR" sz="3200" err="1">
                   <a:solidFill>
                     <a:srgbClr val="495B64"/>
                   </a:solidFill>
@@ -20107,7 +20714,7 @@
                 <a:t>natus</a:t>
               </a:r>
               <a:r>
-                <a:rPr lang="fr-FR" altLang="fr-FR" sz="3200" dirty="0">
+                <a:rPr lang="fr-FR" altLang="fr-FR" sz="3200">
                   <a:solidFill>
                     <a:srgbClr val="495B64"/>
                   </a:solidFill>
@@ -20116,7 +20723,7 @@
                 <a:t> </a:t>
               </a:r>
               <a:r>
-                <a:rPr lang="fr-FR" altLang="fr-FR" sz="3200" dirty="0" err="1">
+                <a:rPr lang="fr-FR" altLang="fr-FR" sz="3200" err="1">
                   <a:solidFill>
                     <a:srgbClr val="495B64"/>
                   </a:solidFill>
@@ -20125,7 +20732,7 @@
                 <a:t>error</a:t>
               </a:r>
               <a:r>
-                <a:rPr lang="fr-FR" altLang="fr-FR" sz="3200" dirty="0">
+                <a:rPr lang="fr-FR" altLang="fr-FR" sz="3200">
                   <a:solidFill>
                     <a:srgbClr val="495B64"/>
                   </a:solidFill>
@@ -20134,7 +20741,7 @@
                 <a:t> </a:t>
               </a:r>
               <a:r>
-                <a:rPr lang="fr-FR" altLang="fr-FR" sz="3200" dirty="0" err="1">
+                <a:rPr lang="fr-FR" altLang="fr-FR" sz="3200" err="1">
                   <a:solidFill>
                     <a:srgbClr val="495B64"/>
                   </a:solidFill>
@@ -20143,7 +20750,7 @@
                 <a:t>sit</a:t>
               </a:r>
               <a:r>
-                <a:rPr lang="fr-FR" altLang="fr-FR" sz="3200" dirty="0">
+                <a:rPr lang="fr-FR" altLang="fr-FR" sz="3200">
                   <a:solidFill>
                     <a:srgbClr val="495B64"/>
                   </a:solidFill>
@@ -20152,7 +20759,7 @@
                 <a:t> </a:t>
               </a:r>
               <a:r>
-                <a:rPr lang="fr-FR" altLang="fr-FR" sz="3200" dirty="0" err="1">
+                <a:rPr lang="fr-FR" altLang="fr-FR" sz="3200" err="1">
                   <a:solidFill>
                     <a:srgbClr val="495B64"/>
                   </a:solidFill>
@@ -20161,7 +20768,7 @@
                 <a:t>voluptatem</a:t>
               </a:r>
               <a:r>
-                <a:rPr lang="fr-FR" altLang="fr-FR" sz="3200" dirty="0">
+                <a:rPr lang="fr-FR" altLang="fr-FR" sz="3200">
                   <a:solidFill>
                     <a:srgbClr val="495B64"/>
                   </a:solidFill>
@@ -20170,7 +20777,7 @@
                 <a:t> </a:t>
               </a:r>
               <a:r>
-                <a:rPr lang="fr-FR" altLang="fr-FR" sz="3200" dirty="0" err="1">
+                <a:rPr lang="fr-FR" altLang="fr-FR" sz="3200" err="1">
                   <a:solidFill>
                     <a:srgbClr val="495B64"/>
                   </a:solidFill>
@@ -20179,7 +20786,7 @@
                 <a:t>accusantium</a:t>
               </a:r>
               <a:r>
-                <a:rPr lang="fr-FR" altLang="fr-FR" sz="3200" dirty="0">
+                <a:rPr lang="fr-FR" altLang="fr-FR" sz="3200">
                   <a:solidFill>
                     <a:srgbClr val="495B64"/>
                   </a:solidFill>
@@ -20188,7 +20795,7 @@
                 <a:t> </a:t>
               </a:r>
               <a:r>
-                <a:rPr lang="fr-FR" altLang="fr-FR" sz="3200" dirty="0" err="1">
+                <a:rPr lang="fr-FR" altLang="fr-FR" sz="3200" err="1">
                   <a:solidFill>
                     <a:srgbClr val="495B64"/>
                   </a:solidFill>
@@ -20197,7 +20804,7 @@
                 <a:t>dolor</a:t>
               </a:r>
               <a:r>
-                <a:rPr lang="fr-FR" altLang="fr-FR" sz="3200" dirty="0">
+                <a:rPr lang="fr-FR" altLang="fr-FR" sz="3200">
                   <a:solidFill>
                     <a:srgbClr val="495B64"/>
                   </a:solidFill>
@@ -20306,7 +20913,7 @@
                 <a:pPr algn="ctr">
                   <a:defRPr/>
                 </a:pPr>
-                <a:endParaRPr lang="fr-FR" dirty="0"/>
+                <a:endParaRPr lang="fr-FR"/>
               </a:p>
             </p:txBody>
           </p:sp>
@@ -20363,7 +20970,7 @@
                 <a:pPr algn="ctr">
                   <a:defRPr/>
                 </a:pPr>
-                <a:endParaRPr lang="fr-FR" dirty="0"/>
+                <a:endParaRPr lang="fr-FR"/>
               </a:p>
             </p:txBody>
           </p:sp>
@@ -20567,7 +21174,7 @@
                 <a:buNone/>
               </a:pPr>
               <a:r>
-                <a:rPr lang="fr-FR" altLang="fr-FR" sz="5400" dirty="0">
+                <a:rPr lang="fr-FR" altLang="fr-FR" sz="5400">
                   <a:solidFill>
                     <a:srgbClr val="495B64"/>
                   </a:solidFill>
@@ -20576,7 +21183,7 @@
                 <a:t>01.TEXT</a:t>
               </a:r>
               <a:r>
-                <a:rPr lang="fr-FR" altLang="fr-FR" sz="6600" dirty="0">
+                <a:rPr lang="fr-FR" altLang="fr-FR" sz="6600">
                   <a:solidFill>
                     <a:srgbClr val="495B64"/>
                   </a:solidFill>
@@ -20786,7 +21393,7 @@
                 <a:buNone/>
               </a:pPr>
               <a:r>
-                <a:rPr lang="fr-FR" altLang="fr-FR" sz="3200" dirty="0">
+                <a:rPr lang="fr-FR" altLang="fr-FR" sz="3200">
                   <a:solidFill>
                     <a:srgbClr val="EA9969"/>
                   </a:solidFill>
@@ -20795,7 +21402,7 @@
                 <a:t> qui officia </a:t>
               </a:r>
               <a:r>
-                <a:rPr lang="fr-FR" altLang="fr-FR" sz="3200" dirty="0" err="1">
+                <a:rPr lang="fr-FR" altLang="fr-FR" sz="3200" err="1">
                   <a:solidFill>
                     <a:srgbClr val="EA9969"/>
                   </a:solidFill>
@@ -20804,7 +21411,7 @@
                 <a:t>deserunt</a:t>
               </a:r>
               <a:r>
-                <a:rPr lang="fr-FR" altLang="fr-FR" sz="3200" dirty="0">
+                <a:rPr lang="fr-FR" altLang="fr-FR" sz="3200">
                   <a:solidFill>
                     <a:srgbClr val="EA9969"/>
                   </a:solidFill>
@@ -20813,7 +21420,7 @@
                 <a:t> mollit </a:t>
               </a:r>
               <a:r>
-                <a:rPr lang="fr-FR" altLang="fr-FR" sz="3200" dirty="0" err="1">
+                <a:rPr lang="fr-FR" altLang="fr-FR" sz="3200" err="1">
                   <a:solidFill>
                     <a:srgbClr val="EA9969"/>
                   </a:solidFill>
@@ -20822,7 +21429,7 @@
                 <a:t>anim</a:t>
               </a:r>
               <a:r>
-                <a:rPr lang="fr-FR" altLang="fr-FR" sz="3200" dirty="0">
+                <a:rPr lang="fr-FR" altLang="fr-FR" sz="3200">
                   <a:solidFill>
                     <a:srgbClr val="EA9969"/>
                   </a:solidFill>
@@ -20831,7 +21438,7 @@
                 <a:t> id est </a:t>
               </a:r>
               <a:r>
-                <a:rPr lang="fr-FR" altLang="fr-FR" sz="3200" dirty="0" err="1">
+                <a:rPr lang="fr-FR" altLang="fr-FR" sz="3200" err="1">
                   <a:solidFill>
                     <a:srgbClr val="EA9969"/>
                   </a:solidFill>
@@ -20840,7 +21447,7 @@
                 <a:t>laborum</a:t>
               </a:r>
               <a:r>
-                <a:rPr lang="fr-FR" altLang="fr-FR" sz="3200" dirty="0">
+                <a:rPr lang="fr-FR" altLang="fr-FR" sz="3200">
                   <a:solidFill>
                     <a:srgbClr val="EA9969"/>
                   </a:solidFill>
@@ -20849,7 +21456,7 @@
                 <a:t>. Sed ut </a:t>
               </a:r>
               <a:r>
-                <a:rPr lang="fr-FR" altLang="fr-FR" sz="3200" dirty="0" err="1">
+                <a:rPr lang="fr-FR" altLang="fr-FR" sz="3200" err="1">
                   <a:solidFill>
                     <a:srgbClr val="EA9969"/>
                   </a:solidFill>
@@ -20858,7 +21465,7 @@
                 <a:t>perspiciatis</a:t>
               </a:r>
               <a:r>
-                <a:rPr lang="fr-FR" altLang="fr-FR" sz="3200" dirty="0">
+                <a:rPr lang="fr-FR" altLang="fr-FR" sz="3200">
                   <a:solidFill>
                     <a:srgbClr val="EA9969"/>
                   </a:solidFill>
@@ -20867,7 +21474,7 @@
                 <a:t> </a:t>
               </a:r>
               <a:r>
-                <a:rPr lang="fr-FR" altLang="fr-FR" sz="3200" dirty="0" err="1">
+                <a:rPr lang="fr-FR" altLang="fr-FR" sz="3200" err="1">
                   <a:solidFill>
                     <a:srgbClr val="EA9969"/>
                   </a:solidFill>
@@ -20876,7 +21483,7 @@
                 <a:t>unde</a:t>
               </a:r>
               <a:r>
-                <a:rPr lang="fr-FR" altLang="fr-FR" sz="3200" dirty="0">
+                <a:rPr lang="fr-FR" altLang="fr-FR" sz="3200">
                   <a:solidFill>
                     <a:srgbClr val="EA9969"/>
                   </a:solidFill>
@@ -20885,7 +21492,7 @@
                 <a:t> </a:t>
               </a:r>
               <a:r>
-                <a:rPr lang="fr-FR" altLang="fr-FR" sz="3200" dirty="0" err="1">
+                <a:rPr lang="fr-FR" altLang="fr-FR" sz="3200" err="1">
                   <a:solidFill>
                     <a:srgbClr val="EA9969"/>
                   </a:solidFill>
@@ -20894,7 +21501,7 @@
                 <a:t>omnis</a:t>
               </a:r>
               <a:r>
-                <a:rPr lang="fr-FR" altLang="fr-FR" sz="3200" dirty="0">
+                <a:rPr lang="fr-FR" altLang="fr-FR" sz="3200">
                   <a:solidFill>
                     <a:srgbClr val="EA9969"/>
                   </a:solidFill>
@@ -20903,7 +21510,7 @@
                 <a:t> </a:t>
               </a:r>
               <a:r>
-                <a:rPr lang="fr-FR" altLang="fr-FR" sz="3200" dirty="0" err="1">
+                <a:rPr lang="fr-FR" altLang="fr-FR" sz="3200" err="1">
                   <a:solidFill>
                     <a:srgbClr val="EA9969"/>
                   </a:solidFill>
@@ -20912,7 +21519,7 @@
                 <a:t>iste</a:t>
               </a:r>
               <a:r>
-                <a:rPr lang="fr-FR" altLang="fr-FR" sz="3200" dirty="0">
+                <a:rPr lang="fr-FR" altLang="fr-FR" sz="3200">
                   <a:solidFill>
                     <a:srgbClr val="EA9969"/>
                   </a:solidFill>
@@ -20921,7 +21528,7 @@
                 <a:t> </a:t>
               </a:r>
               <a:r>
-                <a:rPr lang="fr-FR" altLang="fr-FR" sz="3200" dirty="0" err="1">
+                <a:rPr lang="fr-FR" altLang="fr-FR" sz="3200" err="1">
                   <a:solidFill>
                     <a:srgbClr val="EA9969"/>
                   </a:solidFill>
@@ -20930,7 +21537,7 @@
                 <a:t>natus</a:t>
               </a:r>
               <a:r>
-                <a:rPr lang="fr-FR" altLang="fr-FR" sz="3200" dirty="0">
+                <a:rPr lang="fr-FR" altLang="fr-FR" sz="3200">
                   <a:solidFill>
                     <a:srgbClr val="EA9969"/>
                   </a:solidFill>
@@ -20939,7 +21546,7 @@
                 <a:t> </a:t>
               </a:r>
               <a:r>
-                <a:rPr lang="fr-FR" altLang="fr-FR" sz="3200" dirty="0" err="1">
+                <a:rPr lang="fr-FR" altLang="fr-FR" sz="3200" err="1">
                   <a:solidFill>
                     <a:srgbClr val="EA9969"/>
                   </a:solidFill>
@@ -20948,7 +21555,7 @@
                 <a:t>error</a:t>
               </a:r>
               <a:r>
-                <a:rPr lang="fr-FR" altLang="fr-FR" sz="3200" dirty="0">
+                <a:rPr lang="fr-FR" altLang="fr-FR" sz="3200">
                   <a:solidFill>
                     <a:srgbClr val="EA9969"/>
                   </a:solidFill>
@@ -20957,7 +21564,7 @@
                 <a:t> </a:t>
               </a:r>
               <a:r>
-                <a:rPr lang="fr-FR" altLang="fr-FR" sz="3200" dirty="0" err="1">
+                <a:rPr lang="fr-FR" altLang="fr-FR" sz="3200" err="1">
                   <a:solidFill>
                     <a:srgbClr val="EA9969"/>
                   </a:solidFill>
@@ -20966,7 +21573,7 @@
                 <a:t>sit</a:t>
               </a:r>
               <a:r>
-                <a:rPr lang="fr-FR" altLang="fr-FR" sz="3200" dirty="0">
+                <a:rPr lang="fr-FR" altLang="fr-FR" sz="3200">
                   <a:solidFill>
                     <a:srgbClr val="EA9969"/>
                   </a:solidFill>
@@ -20975,7 +21582,7 @@
                 <a:t> </a:t>
               </a:r>
               <a:r>
-                <a:rPr lang="fr-FR" altLang="fr-FR" sz="3200" dirty="0" err="1">
+                <a:rPr lang="fr-FR" altLang="fr-FR" sz="3200" err="1">
                   <a:solidFill>
                     <a:srgbClr val="EA9969"/>
                   </a:solidFill>
@@ -20984,7 +21591,7 @@
                 <a:t>voluptatem</a:t>
               </a:r>
               <a:r>
-                <a:rPr lang="fr-FR" altLang="fr-FR" sz="3200" dirty="0">
+                <a:rPr lang="fr-FR" altLang="fr-FR" sz="3200">
                   <a:solidFill>
                     <a:srgbClr val="EA9969"/>
                   </a:solidFill>
@@ -20993,7 +21600,7 @@
                 <a:t> </a:t>
               </a:r>
               <a:r>
-                <a:rPr lang="fr-FR" altLang="fr-FR" sz="3200" dirty="0" err="1">
+                <a:rPr lang="fr-FR" altLang="fr-FR" sz="3200" err="1">
                   <a:solidFill>
                     <a:srgbClr val="EA9969"/>
                   </a:solidFill>
@@ -21002,7 +21609,7 @@
                 <a:t>accusantium</a:t>
               </a:r>
               <a:r>
-                <a:rPr lang="fr-FR" altLang="fr-FR" sz="3200" dirty="0">
+                <a:rPr lang="fr-FR" altLang="fr-FR" sz="3200">
                   <a:solidFill>
                     <a:srgbClr val="EA9969"/>
                   </a:solidFill>
@@ -21011,7 +21618,7 @@
                 <a:t> </a:t>
               </a:r>
               <a:r>
-                <a:rPr lang="fr-FR" altLang="fr-FR" sz="3200" dirty="0" err="1">
+                <a:rPr lang="fr-FR" altLang="fr-FR" sz="3200" err="1">
                   <a:solidFill>
                     <a:srgbClr val="EA9969"/>
                   </a:solidFill>
@@ -21020,7 +21627,7 @@
                 <a:t>dolor</a:t>
               </a:r>
               <a:r>
-                <a:rPr lang="fr-FR" altLang="fr-FR" sz="3200" dirty="0">
+                <a:rPr lang="fr-FR" altLang="fr-FR" sz="3200">
                   <a:solidFill>
                     <a:srgbClr val="EA9969"/>
                   </a:solidFill>
@@ -21129,7 +21736,7 @@
                 <a:pPr algn="ctr">
                   <a:defRPr/>
                 </a:pPr>
-                <a:endParaRPr lang="fr-FR" dirty="0"/>
+                <a:endParaRPr lang="fr-FR"/>
               </a:p>
             </p:txBody>
           </p:sp>
@@ -21186,7 +21793,7 @@
                 <a:pPr algn="ctr">
                   <a:defRPr/>
                 </a:pPr>
-                <a:endParaRPr lang="fr-FR" dirty="0"/>
+                <a:endParaRPr lang="fr-FR"/>
               </a:p>
             </p:txBody>
           </p:sp>
@@ -21390,7 +21997,7 @@
                 <a:buNone/>
               </a:pPr>
               <a:r>
-                <a:rPr lang="fr-FR" altLang="fr-FR" sz="5400" dirty="0">
+                <a:rPr lang="fr-FR" altLang="fr-FR" sz="5400">
                   <a:solidFill>
                     <a:srgbClr val="495B64"/>
                   </a:solidFill>
@@ -21399,7 +22006,7 @@
                 <a:t>01.TEXT</a:t>
               </a:r>
               <a:r>
-                <a:rPr lang="fr-FR" altLang="fr-FR" sz="6600" dirty="0">
+                <a:rPr lang="fr-FR" altLang="fr-FR" sz="6600">
                   <a:solidFill>
                     <a:srgbClr val="495B64"/>
                   </a:solidFill>
@@ -21609,7 +22216,7 @@
                 <a:buNone/>
               </a:pPr>
               <a:r>
-                <a:rPr lang="fr-FR" altLang="fr-FR" sz="3200" dirty="0">
+                <a:rPr lang="fr-FR" altLang="fr-FR" sz="3200">
                   <a:solidFill>
                     <a:srgbClr val="495B64"/>
                   </a:solidFill>
@@ -21618,7 +22225,7 @@
                 <a:t> qui officia </a:t>
               </a:r>
               <a:r>
-                <a:rPr lang="en-GB" altLang="fr-FR" sz="3200" dirty="0" err="1">
+                <a:rPr lang="en-GB" altLang="fr-FR" sz="3200" err="1">
                   <a:solidFill>
                     <a:srgbClr val="495B64"/>
                   </a:solidFill>
@@ -21627,7 +22234,7 @@
                 <a:t>deserunt</a:t>
               </a:r>
               <a:r>
-                <a:rPr lang="fr-FR" altLang="fr-FR" sz="3200" dirty="0">
+                <a:rPr lang="fr-FR" altLang="fr-FR" sz="3200">
                   <a:solidFill>
                     <a:srgbClr val="495B64"/>
                   </a:solidFill>
@@ -21636,7 +22243,7 @@
                 <a:t> mollit </a:t>
               </a:r>
               <a:r>
-                <a:rPr lang="fr-FR" altLang="fr-FR" sz="3200" dirty="0" err="1">
+                <a:rPr lang="fr-FR" altLang="fr-FR" sz="3200" err="1">
                   <a:solidFill>
                     <a:srgbClr val="495B64"/>
                   </a:solidFill>
@@ -21645,7 +22252,7 @@
                 <a:t>anim</a:t>
               </a:r>
               <a:r>
-                <a:rPr lang="fr-FR" altLang="fr-FR" sz="3200" dirty="0">
+                <a:rPr lang="fr-FR" altLang="fr-FR" sz="3200">
                   <a:solidFill>
                     <a:srgbClr val="495B64"/>
                   </a:solidFill>
@@ -21654,7 +22261,7 @@
                 <a:t> id est </a:t>
               </a:r>
               <a:r>
-                <a:rPr lang="fr-FR" altLang="fr-FR" sz="3200" dirty="0" err="1">
+                <a:rPr lang="fr-FR" altLang="fr-FR" sz="3200" err="1">
                   <a:solidFill>
                     <a:srgbClr val="495B64"/>
                   </a:solidFill>
@@ -21663,7 +22270,7 @@
                 <a:t>laborum</a:t>
               </a:r>
               <a:r>
-                <a:rPr lang="fr-FR" altLang="fr-FR" sz="3200" dirty="0">
+                <a:rPr lang="fr-FR" altLang="fr-FR" sz="3200">
                   <a:solidFill>
                     <a:srgbClr val="495B64"/>
                   </a:solidFill>
@@ -21672,7 +22279,7 @@
                 <a:t>. Sed ut </a:t>
               </a:r>
               <a:r>
-                <a:rPr lang="fr-FR" altLang="fr-FR" sz="3200" dirty="0" err="1">
+                <a:rPr lang="fr-FR" altLang="fr-FR" sz="3200" err="1">
                   <a:solidFill>
                     <a:srgbClr val="495B64"/>
                   </a:solidFill>
@@ -21681,7 +22288,7 @@
                 <a:t>perspiciatis</a:t>
               </a:r>
               <a:r>
-                <a:rPr lang="fr-FR" altLang="fr-FR" sz="3200" dirty="0">
+                <a:rPr lang="fr-FR" altLang="fr-FR" sz="3200">
                   <a:solidFill>
                     <a:srgbClr val="495B64"/>
                   </a:solidFill>
@@ -21690,7 +22297,7 @@
                 <a:t> </a:t>
               </a:r>
               <a:r>
-                <a:rPr lang="fr-FR" altLang="fr-FR" sz="3200" dirty="0" err="1">
+                <a:rPr lang="fr-FR" altLang="fr-FR" sz="3200" err="1">
                   <a:solidFill>
                     <a:srgbClr val="495B64"/>
                   </a:solidFill>
@@ -21699,7 +22306,7 @@
                 <a:t>unde</a:t>
               </a:r>
               <a:r>
-                <a:rPr lang="fr-FR" altLang="fr-FR" sz="3200" dirty="0">
+                <a:rPr lang="fr-FR" altLang="fr-FR" sz="3200">
                   <a:solidFill>
                     <a:srgbClr val="495B64"/>
                   </a:solidFill>
@@ -21708,7 +22315,7 @@
                 <a:t> </a:t>
               </a:r>
               <a:r>
-                <a:rPr lang="fr-FR" altLang="fr-FR" sz="3200" dirty="0" err="1">
+                <a:rPr lang="fr-FR" altLang="fr-FR" sz="3200" err="1">
                   <a:solidFill>
                     <a:srgbClr val="495B64"/>
                   </a:solidFill>
@@ -21717,7 +22324,7 @@
                 <a:t>omnis</a:t>
               </a:r>
               <a:r>
-                <a:rPr lang="fr-FR" altLang="fr-FR" sz="3200" dirty="0">
+                <a:rPr lang="fr-FR" altLang="fr-FR" sz="3200">
                   <a:solidFill>
                     <a:srgbClr val="495B64"/>
                   </a:solidFill>
@@ -21726,7 +22333,7 @@
                 <a:t> </a:t>
               </a:r>
               <a:r>
-                <a:rPr lang="fr-FR" altLang="fr-FR" sz="3200" dirty="0" err="1">
+                <a:rPr lang="fr-FR" altLang="fr-FR" sz="3200" err="1">
                   <a:solidFill>
                     <a:srgbClr val="495B64"/>
                   </a:solidFill>
@@ -21735,7 +22342,7 @@
                 <a:t>iste</a:t>
               </a:r>
               <a:r>
-                <a:rPr lang="fr-FR" altLang="fr-FR" sz="3200" dirty="0">
+                <a:rPr lang="fr-FR" altLang="fr-FR" sz="3200">
                   <a:solidFill>
                     <a:srgbClr val="495B64"/>
                   </a:solidFill>
@@ -21744,7 +22351,7 @@
                 <a:t> </a:t>
               </a:r>
               <a:r>
-                <a:rPr lang="fr-FR" altLang="fr-FR" sz="3200" dirty="0" err="1">
+                <a:rPr lang="fr-FR" altLang="fr-FR" sz="3200" err="1">
                   <a:solidFill>
                     <a:srgbClr val="495B64"/>
                   </a:solidFill>
@@ -21753,7 +22360,7 @@
                 <a:t>natus</a:t>
               </a:r>
               <a:r>
-                <a:rPr lang="fr-FR" altLang="fr-FR" sz="3200" dirty="0">
+                <a:rPr lang="fr-FR" altLang="fr-FR" sz="3200">
                   <a:solidFill>
                     <a:srgbClr val="495B64"/>
                   </a:solidFill>
@@ -21762,7 +22369,7 @@
                 <a:t> </a:t>
               </a:r>
               <a:r>
-                <a:rPr lang="fr-FR" altLang="fr-FR" sz="3200" dirty="0" err="1">
+                <a:rPr lang="fr-FR" altLang="fr-FR" sz="3200" err="1">
                   <a:solidFill>
                     <a:srgbClr val="495B64"/>
                   </a:solidFill>
@@ -21771,7 +22378,7 @@
                 <a:t>error</a:t>
               </a:r>
               <a:r>
-                <a:rPr lang="fr-FR" altLang="fr-FR" sz="3200" dirty="0">
+                <a:rPr lang="fr-FR" altLang="fr-FR" sz="3200">
                   <a:solidFill>
                     <a:srgbClr val="495B64"/>
                   </a:solidFill>
@@ -21780,7 +22387,7 @@
                 <a:t> </a:t>
               </a:r>
               <a:r>
-                <a:rPr lang="fr-FR" altLang="fr-FR" sz="3200" dirty="0" err="1">
+                <a:rPr lang="fr-FR" altLang="fr-FR" sz="3200" err="1">
                   <a:solidFill>
                     <a:srgbClr val="495B64"/>
                   </a:solidFill>
@@ -21789,7 +22396,7 @@
                 <a:t>sit</a:t>
               </a:r>
               <a:r>
-                <a:rPr lang="fr-FR" altLang="fr-FR" sz="3200" dirty="0">
+                <a:rPr lang="fr-FR" altLang="fr-FR" sz="3200">
                   <a:solidFill>
                     <a:srgbClr val="495B64"/>
                   </a:solidFill>
@@ -21798,7 +22405,7 @@
                 <a:t> </a:t>
               </a:r>
               <a:r>
-                <a:rPr lang="fr-FR" altLang="fr-FR" sz="3200" dirty="0" err="1">
+                <a:rPr lang="fr-FR" altLang="fr-FR" sz="3200" err="1">
                   <a:solidFill>
                     <a:srgbClr val="495B64"/>
                   </a:solidFill>
@@ -21807,7 +22414,7 @@
                 <a:t>voluptatem</a:t>
               </a:r>
               <a:r>
-                <a:rPr lang="fr-FR" altLang="fr-FR" sz="3200" dirty="0">
+                <a:rPr lang="fr-FR" altLang="fr-FR" sz="3200">
                   <a:solidFill>
                     <a:srgbClr val="495B64"/>
                   </a:solidFill>
@@ -21816,7 +22423,7 @@
                 <a:t> </a:t>
               </a:r>
               <a:r>
-                <a:rPr lang="fr-FR" altLang="fr-FR" sz="3200" dirty="0" err="1">
+                <a:rPr lang="fr-FR" altLang="fr-FR" sz="3200" err="1">
                   <a:solidFill>
                     <a:srgbClr val="495B64"/>
                   </a:solidFill>
@@ -21825,7 +22432,7 @@
                 <a:t>accusantium</a:t>
               </a:r>
               <a:r>
-                <a:rPr lang="fr-FR" altLang="fr-FR" sz="3200" dirty="0">
+                <a:rPr lang="fr-FR" altLang="fr-FR" sz="3200">
                   <a:solidFill>
                     <a:srgbClr val="495B64"/>
                   </a:solidFill>
@@ -21834,7 +22441,7 @@
                 <a:t> </a:t>
               </a:r>
               <a:r>
-                <a:rPr lang="fr-FR" altLang="fr-FR" sz="3200" dirty="0" err="1">
+                <a:rPr lang="fr-FR" altLang="fr-FR" sz="3200" err="1">
                   <a:solidFill>
                     <a:srgbClr val="495B64"/>
                   </a:solidFill>
@@ -21843,7 +22450,7 @@
                 <a:t>dolor</a:t>
               </a:r>
               <a:r>
-                <a:rPr lang="fr-FR" altLang="fr-FR" sz="3200" dirty="0">
+                <a:rPr lang="fr-FR" altLang="fr-FR" sz="3200">
                   <a:solidFill>
                     <a:srgbClr val="495B64"/>
                   </a:solidFill>
@@ -21952,7 +22559,7 @@
                 <a:pPr algn="ctr">
                   <a:defRPr/>
                 </a:pPr>
-                <a:endParaRPr lang="fr-FR" dirty="0"/>
+                <a:endParaRPr lang="fr-FR"/>
               </a:p>
             </p:txBody>
           </p:sp>
@@ -22009,7 +22616,7 @@
                 <a:pPr algn="ctr">
                   <a:defRPr/>
                 </a:pPr>
-                <a:endParaRPr lang="fr-FR" dirty="0"/>
+                <a:endParaRPr lang="fr-FR"/>
               </a:p>
             </p:txBody>
           </p:sp>
@@ -22213,7 +22820,7 @@
                 <a:buNone/>
               </a:pPr>
               <a:r>
-                <a:rPr lang="fr-FR" altLang="fr-FR" sz="5400" dirty="0">
+                <a:rPr lang="fr-FR" altLang="fr-FR" sz="5400">
                   <a:solidFill>
                     <a:srgbClr val="495B64"/>
                   </a:solidFill>
@@ -22222,7 +22829,7 @@
                 <a:t>01.TEXT</a:t>
               </a:r>
               <a:r>
-                <a:rPr lang="fr-FR" altLang="fr-FR" sz="6600" dirty="0">
+                <a:rPr lang="fr-FR" altLang="fr-FR" sz="6600">
                   <a:solidFill>
                     <a:srgbClr val="495B64"/>
                   </a:solidFill>
@@ -22432,7 +23039,7 @@
                 <a:buNone/>
               </a:pPr>
               <a:r>
-                <a:rPr lang="fr-FR" altLang="fr-FR" sz="3200" dirty="0">
+                <a:rPr lang="fr-FR" altLang="fr-FR" sz="3200">
                   <a:solidFill>
                     <a:srgbClr val="495B64"/>
                   </a:solidFill>
@@ -22441,7 +23048,7 @@
                 <a:t> qui officia </a:t>
               </a:r>
               <a:r>
-                <a:rPr lang="en-GB" altLang="fr-FR" sz="3200" dirty="0" err="1">
+                <a:rPr lang="en-GB" altLang="fr-FR" sz="3200" err="1">
                   <a:solidFill>
                     <a:srgbClr val="495B64"/>
                   </a:solidFill>
@@ -22450,7 +23057,7 @@
                 <a:t>deserunt</a:t>
               </a:r>
               <a:r>
-                <a:rPr lang="fr-FR" altLang="fr-FR" sz="3200" dirty="0">
+                <a:rPr lang="fr-FR" altLang="fr-FR" sz="3200">
                   <a:solidFill>
                     <a:srgbClr val="495B64"/>
                   </a:solidFill>
@@ -22459,7 +23066,7 @@
                 <a:t> mollit </a:t>
               </a:r>
               <a:r>
-                <a:rPr lang="fr-FR" altLang="fr-FR" sz="3200" dirty="0" err="1">
+                <a:rPr lang="fr-FR" altLang="fr-FR" sz="3200" err="1">
                   <a:solidFill>
                     <a:srgbClr val="495B64"/>
                   </a:solidFill>
@@ -22468,7 +23075,7 @@
                 <a:t>anim</a:t>
               </a:r>
               <a:r>
-                <a:rPr lang="fr-FR" altLang="fr-FR" sz="3200" dirty="0">
+                <a:rPr lang="fr-FR" altLang="fr-FR" sz="3200">
                   <a:solidFill>
                     <a:srgbClr val="495B64"/>
                   </a:solidFill>
@@ -22477,7 +23084,7 @@
                 <a:t> id est </a:t>
               </a:r>
               <a:r>
-                <a:rPr lang="fr-FR" altLang="fr-FR" sz="3200" dirty="0" err="1">
+                <a:rPr lang="fr-FR" altLang="fr-FR" sz="3200" err="1">
                   <a:solidFill>
                     <a:srgbClr val="495B64"/>
                   </a:solidFill>
@@ -22486,7 +23093,7 @@
                 <a:t>laborum</a:t>
               </a:r>
               <a:r>
-                <a:rPr lang="fr-FR" altLang="fr-FR" sz="3200" dirty="0">
+                <a:rPr lang="fr-FR" altLang="fr-FR" sz="3200">
                   <a:solidFill>
                     <a:srgbClr val="495B64"/>
                   </a:solidFill>
@@ -22495,7 +23102,7 @@
                 <a:t>. Sed ut </a:t>
               </a:r>
               <a:r>
-                <a:rPr lang="fr-FR" altLang="fr-FR" sz="3200" dirty="0" err="1">
+                <a:rPr lang="fr-FR" altLang="fr-FR" sz="3200" err="1">
                   <a:solidFill>
                     <a:srgbClr val="495B64"/>
                   </a:solidFill>
@@ -22504,7 +23111,7 @@
                 <a:t>perspiciatis</a:t>
               </a:r>
               <a:r>
-                <a:rPr lang="fr-FR" altLang="fr-FR" sz="3200" dirty="0">
+                <a:rPr lang="fr-FR" altLang="fr-FR" sz="3200">
                   <a:solidFill>
                     <a:srgbClr val="495B64"/>
                   </a:solidFill>
@@ -22513,7 +23120,7 @@
                 <a:t> </a:t>
               </a:r>
               <a:r>
-                <a:rPr lang="fr-FR" altLang="fr-FR" sz="3200" dirty="0" err="1">
+                <a:rPr lang="fr-FR" altLang="fr-FR" sz="3200" err="1">
                   <a:solidFill>
                     <a:srgbClr val="495B64"/>
                   </a:solidFill>
@@ -22522,7 +23129,7 @@
                 <a:t>unde</a:t>
               </a:r>
               <a:r>
-                <a:rPr lang="fr-FR" altLang="fr-FR" sz="3200" dirty="0">
+                <a:rPr lang="fr-FR" altLang="fr-FR" sz="3200">
                   <a:solidFill>
                     <a:srgbClr val="495B64"/>
                   </a:solidFill>
@@ -22531,7 +23138,7 @@
                 <a:t> </a:t>
               </a:r>
               <a:r>
-                <a:rPr lang="fr-FR" altLang="fr-FR" sz="3200" dirty="0" err="1">
+                <a:rPr lang="fr-FR" altLang="fr-FR" sz="3200" err="1">
                   <a:solidFill>
                     <a:srgbClr val="495B64"/>
                   </a:solidFill>
@@ -22540,7 +23147,7 @@
                 <a:t>omnis</a:t>
               </a:r>
               <a:r>
-                <a:rPr lang="fr-FR" altLang="fr-FR" sz="3200" dirty="0">
+                <a:rPr lang="fr-FR" altLang="fr-FR" sz="3200">
                   <a:solidFill>
                     <a:srgbClr val="495B64"/>
                   </a:solidFill>
@@ -22549,7 +23156,7 @@
                 <a:t> </a:t>
               </a:r>
               <a:r>
-                <a:rPr lang="fr-FR" altLang="fr-FR" sz="3200" dirty="0" err="1">
+                <a:rPr lang="fr-FR" altLang="fr-FR" sz="3200" err="1">
                   <a:solidFill>
                     <a:srgbClr val="495B64"/>
                   </a:solidFill>
@@ -22558,7 +23165,7 @@
                 <a:t>iste</a:t>
               </a:r>
               <a:r>
-                <a:rPr lang="fr-FR" altLang="fr-FR" sz="3200" dirty="0">
+                <a:rPr lang="fr-FR" altLang="fr-FR" sz="3200">
                   <a:solidFill>
                     <a:srgbClr val="495B64"/>
                   </a:solidFill>
@@ -22567,7 +23174,7 @@
                 <a:t> </a:t>
               </a:r>
               <a:r>
-                <a:rPr lang="fr-FR" altLang="fr-FR" sz="3200" dirty="0" err="1">
+                <a:rPr lang="fr-FR" altLang="fr-FR" sz="3200" err="1">
                   <a:solidFill>
                     <a:srgbClr val="495B64"/>
                   </a:solidFill>
@@ -22576,7 +23183,7 @@
                 <a:t>natus</a:t>
               </a:r>
               <a:r>
-                <a:rPr lang="fr-FR" altLang="fr-FR" sz="3200" dirty="0">
+                <a:rPr lang="fr-FR" altLang="fr-FR" sz="3200">
                   <a:solidFill>
                     <a:srgbClr val="495B64"/>
                   </a:solidFill>
@@ -22585,7 +23192,7 @@
                 <a:t> </a:t>
               </a:r>
               <a:r>
-                <a:rPr lang="fr-FR" altLang="fr-FR" sz="3200" dirty="0" err="1">
+                <a:rPr lang="fr-FR" altLang="fr-FR" sz="3200" err="1">
                   <a:solidFill>
                     <a:srgbClr val="495B64"/>
                   </a:solidFill>
@@ -22594,7 +23201,7 @@
                 <a:t>error</a:t>
               </a:r>
               <a:r>
-                <a:rPr lang="fr-FR" altLang="fr-FR" sz="3200" dirty="0">
+                <a:rPr lang="fr-FR" altLang="fr-FR" sz="3200">
                   <a:solidFill>
                     <a:srgbClr val="495B64"/>
                   </a:solidFill>
@@ -22603,7 +23210,7 @@
                 <a:t> </a:t>
               </a:r>
               <a:r>
-                <a:rPr lang="fr-FR" altLang="fr-FR" sz="3200" dirty="0" err="1">
+                <a:rPr lang="fr-FR" altLang="fr-FR" sz="3200" err="1">
                   <a:solidFill>
                     <a:srgbClr val="495B64"/>
                   </a:solidFill>
@@ -22612,7 +23219,7 @@
                 <a:t>sit</a:t>
               </a:r>
               <a:r>
-                <a:rPr lang="fr-FR" altLang="fr-FR" sz="3200" dirty="0">
+                <a:rPr lang="fr-FR" altLang="fr-FR" sz="3200">
                   <a:solidFill>
                     <a:srgbClr val="495B64"/>
                   </a:solidFill>
@@ -22621,7 +23228,7 @@
                 <a:t> </a:t>
               </a:r>
               <a:r>
-                <a:rPr lang="fr-FR" altLang="fr-FR" sz="3200" dirty="0" err="1">
+                <a:rPr lang="fr-FR" altLang="fr-FR" sz="3200" err="1">
                   <a:solidFill>
                     <a:srgbClr val="495B64"/>
                   </a:solidFill>
@@ -22630,7 +23237,7 @@
                 <a:t>voluptatem</a:t>
               </a:r>
               <a:r>
-                <a:rPr lang="fr-FR" altLang="fr-FR" sz="3200" dirty="0">
+                <a:rPr lang="fr-FR" altLang="fr-FR" sz="3200">
                   <a:solidFill>
                     <a:srgbClr val="495B64"/>
                   </a:solidFill>
@@ -22639,7 +23246,7 @@
                 <a:t> </a:t>
               </a:r>
               <a:r>
-                <a:rPr lang="fr-FR" altLang="fr-FR" sz="3200" dirty="0" err="1">
+                <a:rPr lang="fr-FR" altLang="fr-FR" sz="3200" err="1">
                   <a:solidFill>
                     <a:srgbClr val="495B64"/>
                   </a:solidFill>
@@ -22648,7 +23255,7 @@
                 <a:t>accusantium</a:t>
               </a:r>
               <a:r>
-                <a:rPr lang="fr-FR" altLang="fr-FR" sz="3200" dirty="0">
+                <a:rPr lang="fr-FR" altLang="fr-FR" sz="3200">
                   <a:solidFill>
                     <a:srgbClr val="495B64"/>
                   </a:solidFill>
@@ -22657,7 +23264,7 @@
                 <a:t> </a:t>
               </a:r>
               <a:r>
-                <a:rPr lang="fr-FR" altLang="fr-FR" sz="3200" dirty="0" err="1">
+                <a:rPr lang="fr-FR" altLang="fr-FR" sz="3200" err="1">
                   <a:solidFill>
                     <a:srgbClr val="495B64"/>
                   </a:solidFill>
@@ -22666,7 +23273,7 @@
                 <a:t>dolor</a:t>
               </a:r>
               <a:r>
-                <a:rPr lang="fr-FR" altLang="fr-FR" sz="3200" dirty="0">
+                <a:rPr lang="fr-FR" altLang="fr-FR" sz="3200">
                   <a:solidFill>
                     <a:srgbClr val="495B64"/>
                   </a:solidFill>
@@ -22931,7 +23538,7 @@
               <a:buNone/>
             </a:pPr>
             <a:r>
-              <a:rPr lang="en-GB" altLang="fr-FR" sz="4800" dirty="0">
+              <a:rPr lang="en-GB" altLang="fr-FR" sz="4800">
                 <a:solidFill>
                   <a:srgbClr val="495B64"/>
                 </a:solidFill>
@@ -23262,7 +23869,7 @@
             <a:pPr algn="ctr">
               <a:defRPr/>
             </a:pPr>
-            <a:endParaRPr lang="fr-FR" dirty="0"/>
+            <a:endParaRPr lang="fr-FR"/>
           </a:p>
         </p:txBody>
       </p:sp>
@@ -23704,7 +24311,7 @@
             <a:bodyPr/>
             <a:lstStyle/>
             <a:p>
-              <a:endParaRPr lang="en-NL" dirty="0"/>
+              <a:endParaRPr lang="en-NL"/>
             </a:p>
           </p:txBody>
         </p:sp>
@@ -24370,7 +24977,7 @@
             <a:bodyPr/>
             <a:lstStyle/>
             <a:p>
-              <a:endParaRPr lang="en-NL" dirty="0"/>
+              <a:endParaRPr lang="en-NL"/>
             </a:p>
           </p:txBody>
         </p:sp>
@@ -24946,7 +25553,7 @@
             <a:bodyPr/>
             <a:lstStyle/>
             <a:p>
-              <a:endParaRPr lang="en-NL" dirty="0"/>
+              <a:endParaRPr lang="en-NL"/>
             </a:p>
           </p:txBody>
         </p:sp>
@@ -25517,7 +26124,7 @@
             <a:bodyPr/>
             <a:lstStyle/>
             <a:p>
-              <a:endParaRPr lang="en-NL" dirty="0"/>
+              <a:endParaRPr lang="en-NL"/>
             </a:p>
           </p:txBody>
         </p:sp>
@@ -25742,7 +26349,7 @@
             <a:bodyPr/>
             <a:lstStyle/>
             <a:p>
-              <a:endParaRPr lang="en-NL" dirty="0"/>
+              <a:endParaRPr lang="en-NL"/>
             </a:p>
           </p:txBody>
         </p:sp>
@@ -25976,7 +26583,7 @@
             <a:bodyPr/>
             <a:lstStyle/>
             <a:p>
-              <a:endParaRPr lang="en-NL" dirty="0"/>
+              <a:endParaRPr lang="en-NL"/>
             </a:p>
           </p:txBody>
         </p:sp>
@@ -26396,7 +27003,7 @@
             <a:bodyPr/>
             <a:lstStyle/>
             <a:p>
-              <a:endParaRPr lang="en-NL" dirty="0"/>
+              <a:endParaRPr lang="en-NL"/>
             </a:p>
           </p:txBody>
         </p:sp>
@@ -26693,7 +27300,7 @@
             <a:bodyPr/>
             <a:lstStyle/>
             <a:p>
-              <a:endParaRPr lang="en-NL" dirty="0"/>
+              <a:endParaRPr lang="en-NL"/>
             </a:p>
           </p:txBody>
         </p:sp>
@@ -26994,7 +27601,7 @@
             <a:bodyPr/>
             <a:lstStyle/>
             <a:p>
-              <a:endParaRPr lang="en-NL" dirty="0"/>
+              <a:endParaRPr lang="en-NL"/>
             </a:p>
           </p:txBody>
         </p:sp>
@@ -27483,7 +28090,7 @@
             <a:bodyPr/>
             <a:lstStyle/>
             <a:p>
-              <a:endParaRPr lang="en-NL" dirty="0"/>
+              <a:endParaRPr lang="en-NL"/>
             </a:p>
           </p:txBody>
         </p:sp>
@@ -28326,7 +28933,7 @@
             <a:bodyPr/>
             <a:lstStyle/>
             <a:p>
-              <a:endParaRPr lang="en-NL" dirty="0"/>
+              <a:endParaRPr lang="en-NL"/>
             </a:p>
           </p:txBody>
         </p:sp>
@@ -29836,7 +30443,7 @@
             <a:bodyPr/>
             <a:lstStyle/>
             <a:p>
-              <a:endParaRPr lang="en-NL" dirty="0"/>
+              <a:endParaRPr lang="en-NL"/>
             </a:p>
           </p:txBody>
         </p:sp>
@@ -30324,7 +30931,7 @@
             <a:bodyPr/>
             <a:lstStyle/>
             <a:p>
-              <a:endParaRPr lang="en-NL" dirty="0"/>
+              <a:endParaRPr lang="en-NL"/>
             </a:p>
           </p:txBody>
         </p:sp>
@@ -30888,7 +31495,7 @@
             <a:bodyPr/>
             <a:lstStyle/>
             <a:p>
-              <a:endParaRPr lang="en-NL" dirty="0"/>
+              <a:endParaRPr lang="en-NL"/>
             </a:p>
           </p:txBody>
         </p:sp>
@@ -31344,7 +31951,7 @@
             <a:bodyPr/>
             <a:lstStyle/>
             <a:p>
-              <a:endParaRPr lang="en-NL" dirty="0"/>
+              <a:endParaRPr lang="en-NL"/>
             </a:p>
           </p:txBody>
         </p:sp>
@@ -32376,7 +32983,7 @@
             <a:bodyPr/>
             <a:lstStyle/>
             <a:p>
-              <a:endParaRPr lang="en-NL" dirty="0"/>
+              <a:endParaRPr lang="en-NL"/>
             </a:p>
           </p:txBody>
         </p:sp>
@@ -32940,7 +33547,7 @@
             <a:bodyPr/>
             <a:lstStyle/>
             <a:p>
-              <a:endParaRPr lang="en-NL" dirty="0"/>
+              <a:endParaRPr lang="en-NL"/>
             </a:p>
           </p:txBody>
         </p:sp>
@@ -33750,7 +34357,7 @@
             <a:bodyPr/>
             <a:lstStyle/>
             <a:p>
-              <a:endParaRPr lang="en-NL" dirty="0"/>
+              <a:endParaRPr lang="en-NL"/>
             </a:p>
           </p:txBody>
         </p:sp>
@@ -34263,7 +34870,7 @@
             <a:bodyPr/>
             <a:lstStyle/>
             <a:p>
-              <a:endParaRPr lang="en-NL" dirty="0"/>
+              <a:endParaRPr lang="en-NL"/>
             </a:p>
           </p:txBody>
         </p:sp>
@@ -34665,7 +35272,7 @@
             <a:bodyPr/>
             <a:lstStyle/>
             <a:p>
-              <a:endParaRPr lang="en-NL" dirty="0"/>
+              <a:endParaRPr lang="en-NL"/>
             </a:p>
           </p:txBody>
         </p:sp>
@@ -34828,7 +35435,7 @@
             <a:bodyPr anchor="ctr"/>
             <a:lstStyle/>
             <a:p>
-              <a:endParaRPr lang="en-NL" dirty="0"/>
+              <a:endParaRPr lang="en-NL"/>
             </a:p>
           </p:txBody>
         </p:sp>
@@ -34968,7 +35575,7 @@
             <a:bodyPr anchor="ctr"/>
             <a:lstStyle/>
             <a:p>
-              <a:endParaRPr lang="en-NL" dirty="0"/>
+              <a:endParaRPr lang="en-NL"/>
             </a:p>
           </p:txBody>
         </p:sp>
@@ -35097,7 +35704,7 @@
             <a:bodyPr anchor="ctr"/>
             <a:lstStyle/>
             <a:p>
-              <a:endParaRPr lang="en-NL" dirty="0"/>
+              <a:endParaRPr lang="en-NL"/>
             </a:p>
           </p:txBody>
         </p:sp>
@@ -35226,7 +35833,7 @@
             <a:bodyPr anchor="ctr"/>
             <a:lstStyle/>
             <a:p>
-              <a:endParaRPr lang="en-NL" dirty="0"/>
+              <a:endParaRPr lang="en-NL"/>
             </a:p>
           </p:txBody>
         </p:sp>
@@ -35373,7 +35980,7 @@
             <a:bodyPr anchor="ctr"/>
             <a:lstStyle/>
             <a:p>
-              <a:endParaRPr lang="en-NL" dirty="0"/>
+              <a:endParaRPr lang="en-NL"/>
             </a:p>
           </p:txBody>
         </p:sp>
@@ -35502,7 +36109,7 @@
             <a:bodyPr anchor="ctr"/>
             <a:lstStyle/>
             <a:p>
-              <a:endParaRPr lang="en-NL" dirty="0"/>
+              <a:endParaRPr lang="en-NL"/>
             </a:p>
           </p:txBody>
         </p:sp>
@@ -35651,7 +36258,7 @@
             <a:bodyPr anchor="ctr"/>
             <a:lstStyle/>
             <a:p>
-              <a:endParaRPr lang="en-NL" dirty="0"/>
+              <a:endParaRPr lang="en-NL"/>
             </a:p>
           </p:txBody>
         </p:sp>
@@ -35802,7 +36409,7 @@
             <a:bodyPr anchor="ctr"/>
             <a:lstStyle/>
             <a:p>
-              <a:endParaRPr lang="en-NL" dirty="0"/>
+              <a:endParaRPr lang="en-NL"/>
             </a:p>
           </p:txBody>
         </p:sp>
@@ -35951,7 +36558,7 @@
             <a:bodyPr anchor="ctr"/>
             <a:lstStyle/>
             <a:p>
-              <a:endParaRPr lang="en-NL" dirty="0"/>
+              <a:endParaRPr lang="en-NL"/>
             </a:p>
           </p:txBody>
         </p:sp>
@@ -36114,7 +36721,7 @@
             <a:bodyPr/>
             <a:lstStyle/>
             <a:p>
-              <a:endParaRPr lang="en-NL" dirty="0"/>
+              <a:endParaRPr lang="en-NL"/>
             </a:p>
           </p:txBody>
         </p:sp>
@@ -36263,7 +36870,7 @@
             <a:bodyPr/>
             <a:lstStyle/>
             <a:p>
-              <a:endParaRPr lang="en-NL" dirty="0"/>
+              <a:endParaRPr lang="en-NL"/>
             </a:p>
           </p:txBody>
         </p:sp>
@@ -36392,7 +36999,7 @@
             <a:bodyPr/>
             <a:lstStyle/>
             <a:p>
-              <a:endParaRPr lang="en-NL" dirty="0"/>
+              <a:endParaRPr lang="en-NL"/>
             </a:p>
           </p:txBody>
         </p:sp>
@@ -36532,7 +37139,7 @@
             <a:bodyPr/>
             <a:lstStyle/>
             <a:p>
-              <a:endParaRPr lang="en-NL" dirty="0"/>
+              <a:endParaRPr lang="en-NL"/>
             </a:p>
           </p:txBody>
         </p:sp>
@@ -36681,7 +37288,7 @@
             <a:bodyPr/>
             <a:lstStyle/>
             <a:p>
-              <a:endParaRPr lang="en-NL" dirty="0"/>
+              <a:endParaRPr lang="en-NL"/>
             </a:p>
           </p:txBody>
         </p:sp>
@@ -36821,7 +37428,7 @@
             <a:bodyPr/>
             <a:lstStyle/>
             <a:p>
-              <a:endParaRPr lang="en-NL" dirty="0"/>
+              <a:endParaRPr lang="en-NL"/>
             </a:p>
           </p:txBody>
         </p:sp>
@@ -36984,7 +37591,7 @@
             <a:bodyPr/>
             <a:lstStyle/>
             <a:p>
-              <a:endParaRPr lang="en-NL" dirty="0"/>
+              <a:endParaRPr lang="en-NL"/>
             </a:p>
           </p:txBody>
         </p:sp>
@@ -37124,7 +37731,7 @@
             <a:bodyPr/>
             <a:lstStyle/>
             <a:p>
-              <a:endParaRPr lang="en-NL" dirty="0"/>
+              <a:endParaRPr lang="en-NL"/>
             </a:p>
           </p:txBody>
         </p:sp>
@@ -37264,7 +37871,7 @@
             <a:bodyPr/>
             <a:lstStyle/>
             <a:p>
-              <a:endParaRPr lang="en-NL" dirty="0"/>
+              <a:endParaRPr lang="en-NL"/>
             </a:p>
           </p:txBody>
         </p:sp>
@@ -37404,7 +38011,7 @@
             <a:bodyPr/>
             <a:lstStyle/>
             <a:p>
-              <a:endParaRPr lang="en-NL" dirty="0"/>
+              <a:endParaRPr lang="en-NL"/>
             </a:p>
           </p:txBody>
         </p:sp>
@@ -37567,7 +38174,7 @@
             <a:bodyPr anchor="ctr"/>
             <a:lstStyle/>
             <a:p>
-              <a:endParaRPr lang="en-NL" dirty="0"/>
+              <a:endParaRPr lang="en-NL"/>
             </a:p>
           </p:txBody>
         </p:sp>
@@ -37707,7 +38314,7 @@
             <a:bodyPr anchor="ctr"/>
             <a:lstStyle/>
             <a:p>
-              <a:endParaRPr lang="en-NL" dirty="0"/>
+              <a:endParaRPr lang="en-NL"/>
             </a:p>
           </p:txBody>
         </p:sp>
@@ -37836,7 +38443,7 @@
             <a:bodyPr anchor="ctr"/>
             <a:lstStyle/>
             <a:p>
-              <a:endParaRPr lang="en-NL" dirty="0"/>
+              <a:endParaRPr lang="en-NL"/>
             </a:p>
           </p:txBody>
         </p:sp>
@@ -37965,7 +38572,7 @@
             <a:bodyPr anchor="ctr"/>
             <a:lstStyle/>
             <a:p>
-              <a:endParaRPr lang="en-NL" dirty="0"/>
+              <a:endParaRPr lang="en-NL"/>
             </a:p>
           </p:txBody>
         </p:sp>
@@ -38112,7 +38719,7 @@
             <a:bodyPr anchor="ctr"/>
             <a:lstStyle/>
             <a:p>
-              <a:endParaRPr lang="en-NL" dirty="0"/>
+              <a:endParaRPr lang="en-NL"/>
             </a:p>
           </p:txBody>
         </p:sp>
@@ -38241,7 +38848,7 @@
             <a:bodyPr anchor="ctr"/>
             <a:lstStyle/>
             <a:p>
-              <a:endParaRPr lang="en-NL" dirty="0"/>
+              <a:endParaRPr lang="en-NL"/>
             </a:p>
           </p:txBody>
         </p:sp>
@@ -38390,7 +38997,7 @@
             <a:bodyPr anchor="ctr"/>
             <a:lstStyle/>
             <a:p>
-              <a:endParaRPr lang="en-NL" dirty="0"/>
+              <a:endParaRPr lang="en-NL"/>
             </a:p>
           </p:txBody>
         </p:sp>
@@ -38541,7 +39148,7 @@
             <a:bodyPr anchor="ctr"/>
             <a:lstStyle/>
             <a:p>
-              <a:endParaRPr lang="en-NL" dirty="0"/>
+              <a:endParaRPr lang="en-NL"/>
             </a:p>
           </p:txBody>
         </p:sp>
@@ -38690,7 +39297,7 @@
             <a:bodyPr anchor="ctr"/>
             <a:lstStyle/>
             <a:p>
-              <a:endParaRPr lang="en-NL" dirty="0"/>
+              <a:endParaRPr lang="en-NL"/>
             </a:p>
           </p:txBody>
         </p:sp>
@@ -38811,7 +39418,7 @@
                   <a:pPr algn="ctr">
                     <a:defRPr/>
                   </a:pPr>
-                  <a:endParaRPr lang="fr-FR" dirty="0"/>
+                  <a:endParaRPr lang="fr-FR"/>
                 </a:p>
               </p:txBody>
             </p:sp>
@@ -38887,7 +39494,7 @@
                     <a:pPr algn="ctr">
                       <a:defRPr/>
                     </a:pPr>
-                    <a:endParaRPr lang="fr-FR" dirty="0"/>
+                    <a:endParaRPr lang="fr-FR"/>
                   </a:p>
                 </p:txBody>
               </p:sp>
@@ -39090,7 +39697,7 @@
                       <a:buNone/>
                     </a:pPr>
                     <a:r>
-                      <a:rPr lang="fr-FR" altLang="fr-FR" sz="8000" dirty="0">
+                      <a:rPr lang="fr-FR" altLang="fr-FR" sz="8000">
                         <a:solidFill>
                           <a:schemeClr val="tx1"/>
                         </a:solidFill>
@@ -39153,7 +39760,7 @@
                 <a:pPr algn="ctr">
                   <a:defRPr/>
                 </a:pPr>
-                <a:endParaRPr lang="fr-FR" dirty="0"/>
+                <a:endParaRPr lang="fr-FR"/>
               </a:p>
             </p:txBody>
           </p:sp>
@@ -39357,7 +39964,7 @@
                 <a:buNone/>
               </a:pPr>
               <a:r>
-                <a:rPr lang="en-GB" altLang="fr-FR" sz="7700" dirty="0">
+                <a:rPr lang="en-GB" altLang="fr-FR" sz="7700">
                   <a:solidFill>
                     <a:srgbClr val="CACACA"/>
                   </a:solidFill>
@@ -39485,7 +40092,7 @@
                   <a:pPr algn="ctr">
                     <a:defRPr/>
                   </a:pPr>
-                  <a:endParaRPr lang="fr-FR" dirty="0"/>
+                  <a:endParaRPr lang="fr-FR"/>
                 </a:p>
               </p:txBody>
             </p:sp>
@@ -39561,7 +40168,7 @@
                     <a:pPr algn="ctr">
                       <a:defRPr/>
                     </a:pPr>
-                    <a:endParaRPr lang="fr-FR" dirty="0"/>
+                    <a:endParaRPr lang="fr-FR"/>
                   </a:p>
                 </p:txBody>
               </p:sp>
@@ -39764,7 +40371,7 @@
                       <a:buNone/>
                     </a:pPr>
                     <a:r>
-                      <a:rPr lang="fr-FR" altLang="fr-FR" sz="8000" dirty="0">
+                      <a:rPr lang="fr-FR" altLang="fr-FR" sz="8000">
                         <a:solidFill>
                           <a:schemeClr val="tx1"/>
                         </a:solidFill>
@@ -39827,7 +40434,7 @@
                 <a:pPr algn="ctr">
                   <a:defRPr/>
                 </a:pPr>
-                <a:endParaRPr lang="fr-FR" dirty="0"/>
+                <a:endParaRPr lang="fr-FR"/>
               </a:p>
             </p:txBody>
           </p:sp>
@@ -40031,7 +40638,7 @@
                 <a:buNone/>
               </a:pPr>
               <a:r>
-                <a:rPr lang="fr-FR" altLang="fr-FR" sz="7700" dirty="0">
+                <a:rPr lang="fr-FR" altLang="fr-FR" sz="7700">
                   <a:solidFill>
                     <a:srgbClr val="CACACA"/>
                   </a:solidFill>
@@ -40618,21 +41225,6 @@
 </file>
 
 <file path=customXml/item1.xml><?xml version="1.0" encoding="utf-8"?>
-<?mso-contentType ?>
-<FormTemplates xmlns="http://schemas.microsoft.com/sharepoint/v3/contenttype/forms">
-  <Display>DocumentLibraryForm</Display>
-  <Edit>DocumentLibraryForm</Edit>
-  <New>DocumentLibraryForm</New>
-</FormTemplates>
-</file>
-
-<file path=customXml/item2.xml><?xml version="1.0" encoding="utf-8"?>
-<p:properties xmlns:p="http://schemas.microsoft.com/office/2006/metadata/properties" xmlns:xsi="http://www.w3.org/2001/XMLSchema-instance" xmlns:pc="http://schemas.microsoft.com/office/infopath/2007/PartnerControls">
-  <documentManagement/>
-</p:properties>
-</file>
-
-<file path=customXml/item3.xml><?xml version="1.0" encoding="utf-8"?>
 <ct:contentTypeSchema xmlns:ct="http://schemas.microsoft.com/office/2006/metadata/contentType" xmlns:ma="http://schemas.microsoft.com/office/2006/metadata/properties/metaAttributes" ct:_="" ma:_="" ma:contentTypeName="Document" ma:contentTypeID="0x010100DB06FA0A2AD4DA488583749EC2534234" ma:contentTypeVersion="8" ma:contentTypeDescription="Create a new document." ma:contentTypeScope="" ma:versionID="2f0df642594624f7fc3db1098387853f">
   <xsd:schema xmlns:xsd="http://www.w3.org/2001/XMLSchema" xmlns:xs="http://www.w3.org/2001/XMLSchema" xmlns:p="http://schemas.microsoft.com/office/2006/metadata/properties" xmlns:ns2="60348849-ecd6-40c5-8069-7b4f665118aa" targetNamespace="http://schemas.microsoft.com/office/2006/metadata/properties" ma:root="true" ma:fieldsID="9b148455189822cfcca8636589f0e618" ns2:_="">
     <xsd:import namespace="60348849-ecd6-40c5-8069-7b4f665118aa"/>
@@ -40804,7 +41396,40 @@
 </ct:contentTypeSchema>
 </file>
 
+<file path=customXml/item2.xml><?xml version="1.0" encoding="utf-8"?>
+<?mso-contentType ?>
+<FormTemplates xmlns="http://schemas.microsoft.com/sharepoint/v3/contenttype/forms">
+  <Display>DocumentLibraryForm</Display>
+  <Edit>DocumentLibraryForm</Edit>
+  <New>DocumentLibraryForm</New>
+</FormTemplates>
+</file>
+
+<file path=customXml/item3.xml><?xml version="1.0" encoding="utf-8"?>
+<p:properties xmlns:p="http://schemas.microsoft.com/office/2006/metadata/properties" xmlns:xsi="http://www.w3.org/2001/XMLSchema-instance" xmlns:pc="http://schemas.microsoft.com/office/infopath/2007/PartnerControls">
+  <documentManagement/>
+</p:properties>
+</file>
+
 <file path=customXml/itemProps1.xml><?xml version="1.0" encoding="utf-8"?>
+<ds:datastoreItem xmlns:ds="http://schemas.openxmlformats.org/officeDocument/2006/customXml" ds:itemID="{514131BF-9450-4E3B-9F1E-B2B783EB7387}">
+  <ds:schemaRefs>
+    <ds:schemaRef ds:uri="60348849-ecd6-40c5-8069-7b4f665118aa"/>
+    <ds:schemaRef ds:uri="http://purl.org/dc/elements/1.1/"/>
+    <ds:schemaRef ds:uri="http://purl.org/dc/terms/"/>
+    <ds:schemaRef ds:uri="http://schemas.microsoft.com/internal/obd"/>
+    <ds:schemaRef ds:uri="http://schemas.microsoft.com/office/2006/documentManagement/types"/>
+    <ds:schemaRef ds:uri="http://schemas.microsoft.com/office/2006/metadata/contentType"/>
+    <ds:schemaRef ds:uri="http://schemas.microsoft.com/office/2006/metadata/properties"/>
+    <ds:schemaRef ds:uri="http://schemas.microsoft.com/office/2006/metadata/properties/metaAttributes"/>
+    <ds:schemaRef ds:uri="http://schemas.microsoft.com/office/infopath/2007/PartnerControls"/>
+    <ds:schemaRef ds:uri="http://schemas.openxmlformats.org/package/2006/metadata/core-properties"/>
+    <ds:schemaRef ds:uri="http://www.w3.org/2001/XMLSchema"/>
+  </ds:schemaRefs>
+</ds:datastoreItem>
+</file>
+
+<file path=customXml/itemProps2.xml><?xml version="1.0" encoding="utf-8"?>
 <ds:datastoreItem xmlns:ds="http://schemas.openxmlformats.org/officeDocument/2006/customXml" ds:itemID="{45611E4D-313B-4730-870C-A665CCEAEF8D}">
   <ds:schemaRefs>
     <ds:schemaRef ds:uri="http://schemas.microsoft.com/sharepoint/v3/contenttype/forms"/>
@@ -40812,29 +41437,11 @@
 </ds:datastoreItem>
 </file>
 
-<file path=customXml/itemProps2.xml><?xml version="1.0" encoding="utf-8"?>
+<file path=customXml/itemProps3.xml><?xml version="1.0" encoding="utf-8"?>
 <ds:datastoreItem xmlns:ds="http://schemas.openxmlformats.org/officeDocument/2006/customXml" ds:itemID="{F6253564-48AC-4848-98BD-7E6C38EE265E}">
   <ds:schemaRefs>
     <ds:schemaRef ds:uri="http://schemas.microsoft.com/office/2006/metadata/properties"/>
     <ds:schemaRef ds:uri="http://schemas.microsoft.com/office/infopath/2007/PartnerControls"/>
   </ds:schemaRefs>
 </ds:datastoreItem>
-</file>
-
-<file path=customXml/itemProps3.xml><?xml version="1.0" encoding="utf-8"?>
-<ds:datastoreItem xmlns:ds="http://schemas.openxmlformats.org/officeDocument/2006/customXml" ds:itemID="{514131BF-9450-4E3B-9F1E-B2B783EB7387}">
-  <ds:schemaRefs>
-    <ds:schemaRef ds:uri="http://schemas.microsoft.com/office/2006/metadata/contentType"/>
-    <ds:schemaRef ds:uri="http://schemas.microsoft.com/office/2006/metadata/properties/metaAttributes"/>
-    <ds:schemaRef ds:uri="http://www.w3.org/2001/XMLSchema"/>
-    <ds:schemaRef ds:uri="http://schemas.microsoft.com/office/2006/metadata/properties"/>
-    <ds:schemaRef ds:uri="60348849-ecd6-40c5-8069-7b4f665118aa"/>
-    <ds:schemaRef ds:uri="http://schemas.microsoft.com/office/2006/documentManagement/types"/>
-    <ds:schemaRef ds:uri="http://schemas.microsoft.com/office/infopath/2007/PartnerControls"/>
-    <ds:schemaRef ds:uri="http://schemas.openxmlformats.org/package/2006/metadata/core-properties"/>
-    <ds:schemaRef ds:uri="http://purl.org/dc/elements/1.1/"/>
-    <ds:schemaRef ds:uri="http://purl.org/dc/terms/"/>
-    <ds:schemaRef ds:uri="http://schemas.microsoft.com/internal/obd"/>
-  </ds:schemaRefs>
-</ds:datastoreItem>
 </file>